--- a/Team40.pptx
+++ b/Team40.pptx
@@ -49,26 +49,28 @@
     <p:sldId id="294" r:id="rId44"/>
     <p:sldId id="295" r:id="rId45"/>
     <p:sldId id="296" r:id="rId46"/>
+    <p:sldId id="297" r:id="rId47"/>
+    <p:sldId id="298" r:id="rId48"/>
   </p:sldIdLst>
   <p:sldSz cy="5143500" cx="9144000"/>
   <p:notesSz cx="6858000" cy="9144000"/>
   <p:embeddedFontLst>
     <p:embeddedFont>
       <p:font typeface="Nunito"/>
-      <p:regular r:id="rId47"/>
-      <p:bold r:id="rId48"/>
-      <p:italic r:id="rId49"/>
-      <p:boldItalic r:id="rId50"/>
+      <p:regular r:id="rId49"/>
+      <p:bold r:id="rId50"/>
+      <p:italic r:id="rId51"/>
+      <p:boldItalic r:id="rId52"/>
     </p:embeddedFont>
     <p:embeddedFont>
       <p:font typeface="Maven Pro"/>
-      <p:regular r:id="rId51"/>
-      <p:bold r:id="rId52"/>
+      <p:regular r:id="rId53"/>
+      <p:bold r:id="rId54"/>
     </p:embeddedFont>
     <p:embeddedFont>
       <p:font typeface="Maven Pro Medium"/>
-      <p:regular r:id="rId53"/>
-      <p:bold r:id="rId54"/>
+      <p:regular r:id="rId55"/>
+      <p:bold r:id="rId56"/>
     </p:embeddedFont>
   </p:embeddedFontLst>
   <p:defaultTextStyle>
@@ -1259,7 +1261,7 @@
       </p:grpSpPr>
       <p:sp>
         <p:nvSpPr>
-          <p:cNvPr id="368" name="Google Shape;368;g322af2b0209_3_22:notes"/>
+          <p:cNvPr id="368" name="Google Shape;368;g32301839f0b_0_0:notes"/>
           <p:cNvSpPr/>
           <p:nvPr>
             <p:ph idx="2" type="sldImg"/>
@@ -1294,7 +1296,7 @@
       </p:sp>
       <p:sp>
         <p:nvSpPr>
-          <p:cNvPr id="369" name="Google Shape;369;g322af2b0209_3_22:notes"/>
+          <p:cNvPr id="369" name="Google Shape;369;g32301839f0b_0_0:notes"/>
           <p:cNvSpPr txBox="1"/>
           <p:nvPr>
             <p:ph idx="1" type="body"/>
@@ -1344,7 +1346,7 @@
   <p:cSld>
     <p:spTree>
       <p:nvGrpSpPr>
-        <p:cNvPr id="376" name="Shape 376"/>
+        <p:cNvPr id="373" name="Shape 373"/>
         <p:cNvGrpSpPr/>
         <p:nvPr/>
       </p:nvGrpSpPr>
@@ -1358,7 +1360,7 @@
       </p:grpSpPr>
       <p:sp>
         <p:nvSpPr>
-          <p:cNvPr id="377" name="Google Shape;377;g322af2b0209_3_33:notes"/>
+          <p:cNvPr id="374" name="Google Shape;374;g322af2b0209_3_22:notes"/>
           <p:cNvSpPr/>
           <p:nvPr>
             <p:ph idx="2" type="sldImg"/>
@@ -1393,7 +1395,7 @@
       </p:sp>
       <p:sp>
         <p:nvSpPr>
-          <p:cNvPr id="378" name="Google Shape;378;g322af2b0209_3_33:notes"/>
+          <p:cNvPr id="375" name="Google Shape;375;g322af2b0209_3_22:notes"/>
           <p:cNvSpPr txBox="1"/>
           <p:nvPr>
             <p:ph idx="1" type="body"/>
@@ -1457,7 +1459,7 @@
       </p:grpSpPr>
       <p:sp>
         <p:nvSpPr>
-          <p:cNvPr id="383" name="Google Shape;383;g322af2b0209_3_38:notes"/>
+          <p:cNvPr id="383" name="Google Shape;383;g322af2b0209_3_33:notes"/>
           <p:cNvSpPr/>
           <p:nvPr>
             <p:ph idx="2" type="sldImg"/>
@@ -1492,7 +1494,7 @@
       </p:sp>
       <p:sp>
         <p:nvSpPr>
-          <p:cNvPr id="384" name="Google Shape;384;g322af2b0209_3_38:notes"/>
+          <p:cNvPr id="384" name="Google Shape;384;g322af2b0209_3_33:notes"/>
           <p:cNvSpPr txBox="1"/>
           <p:nvPr>
             <p:ph idx="1" type="body"/>
@@ -1542,7 +1544,7 @@
   <p:cSld>
     <p:spTree>
       <p:nvGrpSpPr>
-        <p:cNvPr id="389" name="Shape 389"/>
+        <p:cNvPr id="388" name="Shape 388"/>
         <p:cNvGrpSpPr/>
         <p:nvPr/>
       </p:nvGrpSpPr>
@@ -1556,7 +1558,7 @@
       </p:grpSpPr>
       <p:sp>
         <p:nvSpPr>
-          <p:cNvPr id="390" name="Google Shape;390;g322af2b0209_3_50:notes"/>
+          <p:cNvPr id="389" name="Google Shape;389;g322af2b0209_3_38:notes"/>
           <p:cNvSpPr/>
           <p:nvPr>
             <p:ph idx="2" type="sldImg"/>
@@ -1591,7 +1593,7 @@
       </p:sp>
       <p:sp>
         <p:nvSpPr>
-          <p:cNvPr id="391" name="Google Shape;391;g322af2b0209_3_50:notes"/>
+          <p:cNvPr id="390" name="Google Shape;390;g322af2b0209_3_38:notes"/>
           <p:cNvSpPr txBox="1"/>
           <p:nvPr>
             <p:ph idx="1" type="body"/>
@@ -1655,7 +1657,7 @@
       </p:grpSpPr>
       <p:sp>
         <p:nvSpPr>
-          <p:cNvPr id="396" name="Google Shape;396;g322b8003931_0_3:notes"/>
+          <p:cNvPr id="396" name="Google Shape;396;g322af2b0209_3_50:notes"/>
           <p:cNvSpPr/>
           <p:nvPr>
             <p:ph idx="2" type="sldImg"/>
@@ -1690,7 +1692,7 @@
       </p:sp>
       <p:sp>
         <p:nvSpPr>
-          <p:cNvPr id="397" name="Google Shape;397;g322b8003931_0_3:notes"/>
+          <p:cNvPr id="397" name="Google Shape;397;g322af2b0209_3_50:notes"/>
           <p:cNvSpPr txBox="1"/>
           <p:nvPr>
             <p:ph idx="1" type="body"/>
@@ -1740,7 +1742,7 @@
   <p:cSld>
     <p:spTree>
       <p:nvGrpSpPr>
-        <p:cNvPr id="402" name="Shape 402"/>
+        <p:cNvPr id="401" name="Shape 401"/>
         <p:cNvGrpSpPr/>
         <p:nvPr/>
       </p:nvGrpSpPr>
@@ -1754,7 +1756,7 @@
       </p:grpSpPr>
       <p:sp>
         <p:nvSpPr>
-          <p:cNvPr id="403" name="Google Shape;403;g322af2b0209_3_45:notes"/>
+          <p:cNvPr id="402" name="Google Shape;402;g322b8003931_0_3:notes"/>
           <p:cNvSpPr/>
           <p:nvPr>
             <p:ph idx="2" type="sldImg"/>
@@ -1789,7 +1791,7 @@
       </p:sp>
       <p:sp>
         <p:nvSpPr>
-          <p:cNvPr id="404" name="Google Shape;404;g322af2b0209_3_45:notes"/>
+          <p:cNvPr id="403" name="Google Shape;403;g322b8003931_0_3:notes"/>
           <p:cNvSpPr txBox="1"/>
           <p:nvPr>
             <p:ph idx="1" type="body"/>
@@ -1952,7 +1954,7 @@
       </p:grpSpPr>
       <p:sp>
         <p:nvSpPr>
-          <p:cNvPr id="409" name="Google Shape;409;g322b8003931_0_22:notes"/>
+          <p:cNvPr id="409" name="Google Shape;409;g322af2b0209_3_45:notes"/>
           <p:cNvSpPr/>
           <p:nvPr>
             <p:ph idx="2" type="sldImg"/>
@@ -1987,7 +1989,7 @@
       </p:sp>
       <p:sp>
         <p:nvSpPr>
-          <p:cNvPr id="410" name="Google Shape;410;g322b8003931_0_22:notes"/>
+          <p:cNvPr id="410" name="Google Shape;410;g322af2b0209_3_45:notes"/>
           <p:cNvSpPr txBox="1"/>
           <p:nvPr>
             <p:ph idx="1" type="body"/>
@@ -2037,7 +2039,7 @@
   <p:cSld>
     <p:spTree>
       <p:nvGrpSpPr>
-        <p:cNvPr id="415" name="Shape 415"/>
+        <p:cNvPr id="414" name="Shape 414"/>
         <p:cNvGrpSpPr/>
         <p:nvPr/>
       </p:nvGrpSpPr>
@@ -2051,7 +2053,7 @@
       </p:grpSpPr>
       <p:sp>
         <p:nvSpPr>
-          <p:cNvPr id="416" name="Google Shape;416;g322b8003931_0_28:notes"/>
+          <p:cNvPr id="415" name="Google Shape;415;g322b8003931_0_22:notes"/>
           <p:cNvSpPr/>
           <p:nvPr>
             <p:ph idx="2" type="sldImg"/>
@@ -2086,7 +2088,7 @@
       </p:sp>
       <p:sp>
         <p:nvSpPr>
-          <p:cNvPr id="417" name="Google Shape;417;g322b8003931_0_28:notes"/>
+          <p:cNvPr id="416" name="Google Shape;416;g322b8003931_0_22:notes"/>
           <p:cNvSpPr txBox="1"/>
           <p:nvPr>
             <p:ph idx="1" type="body"/>
@@ -2150,7 +2152,7 @@
       </p:grpSpPr>
       <p:sp>
         <p:nvSpPr>
-          <p:cNvPr id="422" name="Google Shape;422;g322b8003931_0_34:notes"/>
+          <p:cNvPr id="422" name="Google Shape;422;g322b8003931_0_28:notes"/>
           <p:cNvSpPr/>
           <p:nvPr>
             <p:ph idx="2" type="sldImg"/>
@@ -2185,7 +2187,7 @@
       </p:sp>
       <p:sp>
         <p:nvSpPr>
-          <p:cNvPr id="423" name="Google Shape;423;g322b8003931_0_34:notes"/>
+          <p:cNvPr id="423" name="Google Shape;423;g322b8003931_0_28:notes"/>
           <p:cNvSpPr txBox="1"/>
           <p:nvPr>
             <p:ph idx="1" type="body"/>
@@ -2235,7 +2237,7 @@
   <p:cSld>
     <p:spTree>
       <p:nvGrpSpPr>
-        <p:cNvPr id="428" name="Shape 428"/>
+        <p:cNvPr id="427" name="Shape 427"/>
         <p:cNvGrpSpPr/>
         <p:nvPr/>
       </p:nvGrpSpPr>
@@ -2249,7 +2251,7 @@
       </p:grpSpPr>
       <p:sp>
         <p:nvSpPr>
-          <p:cNvPr id="429" name="Google Shape;429;g322b8003931_0_46:notes"/>
+          <p:cNvPr id="428" name="Google Shape;428;g322b8003931_0_34:notes"/>
           <p:cNvSpPr/>
           <p:nvPr>
             <p:ph idx="2" type="sldImg"/>
@@ -2284,7 +2286,7 @@
       </p:sp>
       <p:sp>
         <p:nvSpPr>
-          <p:cNvPr id="430" name="Google Shape;430;g322b8003931_0_46:notes"/>
+          <p:cNvPr id="429" name="Google Shape;429;g322b8003931_0_34:notes"/>
           <p:cNvSpPr txBox="1"/>
           <p:nvPr>
             <p:ph idx="1" type="body"/>
@@ -2348,7 +2350,7 @@
       </p:grpSpPr>
       <p:sp>
         <p:nvSpPr>
-          <p:cNvPr id="435" name="Google Shape;435;g322b8003931_0_58:notes"/>
+          <p:cNvPr id="435" name="Google Shape;435;g322b8003931_0_46:notes"/>
           <p:cNvSpPr/>
           <p:nvPr>
             <p:ph idx="2" type="sldImg"/>
@@ -2383,7 +2385,7 @@
       </p:sp>
       <p:sp>
         <p:nvSpPr>
-          <p:cNvPr id="436" name="Google Shape;436;g322b8003931_0_58:notes"/>
+          <p:cNvPr id="436" name="Google Shape;436;g322b8003931_0_46:notes"/>
           <p:cNvSpPr txBox="1"/>
           <p:nvPr>
             <p:ph idx="1" type="body"/>
@@ -2433,7 +2435,7 @@
   <p:cSld>
     <p:spTree>
       <p:nvGrpSpPr>
-        <p:cNvPr id="442" name="Shape 442"/>
+        <p:cNvPr id="440" name="Shape 440"/>
         <p:cNvGrpSpPr/>
         <p:nvPr/>
       </p:nvGrpSpPr>
@@ -2447,7 +2449,7 @@
       </p:grpSpPr>
       <p:sp>
         <p:nvSpPr>
-          <p:cNvPr id="443" name="Google Shape;443;g322b8003931_0_75:notes"/>
+          <p:cNvPr id="441" name="Google Shape;441;g322b8003931_0_58:notes"/>
           <p:cNvSpPr/>
           <p:nvPr>
             <p:ph idx="2" type="sldImg"/>
@@ -2482,7 +2484,7 @@
       </p:sp>
       <p:sp>
         <p:nvSpPr>
-          <p:cNvPr id="444" name="Google Shape;444;g322b8003931_0_75:notes"/>
+          <p:cNvPr id="442" name="Google Shape;442;g322b8003931_0_58:notes"/>
           <p:cNvSpPr txBox="1"/>
           <p:nvPr>
             <p:ph idx="1" type="body"/>
@@ -2532,7 +2534,7 @@
   <p:cSld>
     <p:spTree>
       <p:nvGrpSpPr>
-        <p:cNvPr id="449" name="Shape 449"/>
+        <p:cNvPr id="448" name="Shape 448"/>
         <p:cNvGrpSpPr/>
         <p:nvPr/>
       </p:nvGrpSpPr>
@@ -2546,7 +2548,7 @@
       </p:grpSpPr>
       <p:sp>
         <p:nvSpPr>
-          <p:cNvPr id="450" name="Google Shape;450;g322b8003931_0_88:notes"/>
+          <p:cNvPr id="449" name="Google Shape;449;g322b8003931_0_75:notes"/>
           <p:cNvSpPr/>
           <p:nvPr>
             <p:ph idx="2" type="sldImg"/>
@@ -2581,7 +2583,7 @@
       </p:sp>
       <p:sp>
         <p:nvSpPr>
-          <p:cNvPr id="451" name="Google Shape;451;g322b8003931_0_88:notes"/>
+          <p:cNvPr id="450" name="Google Shape;450;g322b8003931_0_75:notes"/>
           <p:cNvSpPr txBox="1"/>
           <p:nvPr>
             <p:ph idx="1" type="body"/>
@@ -2645,7 +2647,7 @@
       </p:grpSpPr>
       <p:sp>
         <p:nvSpPr>
-          <p:cNvPr id="456" name="Google Shape;456;g322b8003931_0_94:notes"/>
+          <p:cNvPr id="456" name="Google Shape;456;g322b8003931_0_88:notes"/>
           <p:cNvSpPr/>
           <p:nvPr>
             <p:ph idx="2" type="sldImg"/>
@@ -2680,7 +2682,7 @@
       </p:sp>
       <p:sp>
         <p:nvSpPr>
-          <p:cNvPr id="457" name="Google Shape;457;g322b8003931_0_94:notes"/>
+          <p:cNvPr id="457" name="Google Shape;457;g322b8003931_0_88:notes"/>
           <p:cNvSpPr txBox="1"/>
           <p:nvPr>
             <p:ph idx="1" type="body"/>
@@ -2730,7 +2732,7 @@
   <p:cSld>
     <p:spTree>
       <p:nvGrpSpPr>
-        <p:cNvPr id="462" name="Shape 462"/>
+        <p:cNvPr id="461" name="Shape 461"/>
         <p:cNvGrpSpPr/>
         <p:nvPr/>
       </p:nvGrpSpPr>
@@ -2744,7 +2746,7 @@
       </p:grpSpPr>
       <p:sp>
         <p:nvSpPr>
-          <p:cNvPr id="463" name="Google Shape;463;g322b8003931_0_106:notes"/>
+          <p:cNvPr id="462" name="Google Shape;462;g322b8003931_0_94:notes"/>
           <p:cNvSpPr/>
           <p:nvPr>
             <p:ph idx="2" type="sldImg"/>
@@ -2779,7 +2781,7 @@
       </p:sp>
       <p:sp>
         <p:nvSpPr>
-          <p:cNvPr id="464" name="Google Shape;464;g322b8003931_0_106:notes"/>
+          <p:cNvPr id="463" name="Google Shape;463;g322b8003931_0_94:notes"/>
           <p:cNvSpPr txBox="1"/>
           <p:nvPr>
             <p:ph idx="1" type="body"/>
@@ -2829,7 +2831,7 @@
   <p:cSld>
     <p:spTree>
       <p:nvGrpSpPr>
-        <p:cNvPr id="471" name="Shape 471"/>
+        <p:cNvPr id="468" name="Shape 468"/>
         <p:cNvGrpSpPr/>
         <p:nvPr/>
       </p:nvGrpSpPr>
@@ -2843,7 +2845,7 @@
       </p:grpSpPr>
       <p:sp>
         <p:nvSpPr>
-          <p:cNvPr id="472" name="Google Shape;472;g322af2b0209_0_1122:notes"/>
+          <p:cNvPr id="469" name="Google Shape;469;g322b8003931_0_106:notes"/>
           <p:cNvSpPr/>
           <p:nvPr>
             <p:ph idx="2" type="sldImg"/>
@@ -2851,8 +2853,8 @@
         </p:nvSpPr>
         <p:spPr>
           <a:xfrm>
-            <a:off x="381188" y="685800"/>
-            <a:ext cx="6096300" cy="3429000"/>
+            <a:off x="381300" y="685800"/>
+            <a:ext cx="6096000" cy="3429000"/>
           </a:xfrm>
           <a:custGeom>
             <a:rect b="b" l="l" r="r" t="t"/>
@@ -2878,7 +2880,7 @@
       </p:sp>
       <p:sp>
         <p:nvSpPr>
-          <p:cNvPr id="473" name="Google Shape;473;g322af2b0209_0_1122:notes"/>
+          <p:cNvPr id="470" name="Google Shape;470;g322b8003931_0_106:notes"/>
           <p:cNvSpPr txBox="1"/>
           <p:nvPr>
             <p:ph idx="1" type="body"/>
@@ -3027,7 +3029,7 @@
   <p:cSld>
     <p:spTree>
       <p:nvGrpSpPr>
-        <p:cNvPr id="478" name="Shape 478"/>
+        <p:cNvPr id="474" name="Shape 474"/>
         <p:cNvGrpSpPr/>
         <p:nvPr/>
       </p:nvGrpSpPr>
@@ -3041,7 +3043,7 @@
       </p:grpSpPr>
       <p:sp>
         <p:nvSpPr>
-          <p:cNvPr id="479" name="Google Shape;479;g322af2b0209_0_1131:notes"/>
+          <p:cNvPr id="475" name="Google Shape;475;g322af2b0209_0_1122:notes"/>
           <p:cNvSpPr/>
           <p:nvPr>
             <p:ph idx="2" type="sldImg"/>
@@ -3076,7 +3078,7 @@
       </p:sp>
       <p:sp>
         <p:nvSpPr>
-          <p:cNvPr id="480" name="Google Shape;480;g322af2b0209_0_1131:notes"/>
+          <p:cNvPr id="476" name="Google Shape;476;g322af2b0209_0_1122:notes"/>
           <p:cNvSpPr txBox="1"/>
           <p:nvPr>
             <p:ph idx="1" type="body"/>
@@ -3126,7 +3128,7 @@
   <p:cSld>
     <p:spTree>
       <p:nvGrpSpPr>
-        <p:cNvPr id="485" name="Shape 485"/>
+        <p:cNvPr id="481" name="Shape 481"/>
         <p:cNvGrpSpPr/>
         <p:nvPr/>
       </p:nvGrpSpPr>
@@ -3140,7 +3142,7 @@
       </p:grpSpPr>
       <p:sp>
         <p:nvSpPr>
-          <p:cNvPr id="486" name="Google Shape;486;g322af2b0209_0_1147:notes"/>
+          <p:cNvPr id="482" name="Google Shape;482;g322af2b0209_0_1131:notes"/>
           <p:cNvSpPr/>
           <p:nvPr>
             <p:ph idx="2" type="sldImg"/>
@@ -3175,7 +3177,7 @@
       </p:sp>
       <p:sp>
         <p:nvSpPr>
-          <p:cNvPr id="487" name="Google Shape;487;g322af2b0209_0_1147:notes"/>
+          <p:cNvPr id="483" name="Google Shape;483;g322af2b0209_0_1131:notes"/>
           <p:cNvSpPr txBox="1"/>
           <p:nvPr>
             <p:ph idx="1" type="body"/>
@@ -3225,7 +3227,7 @@
   <p:cSld>
     <p:spTree>
       <p:nvGrpSpPr>
-        <p:cNvPr id="491" name="Shape 491"/>
+        <p:cNvPr id="488" name="Shape 488"/>
         <p:cNvGrpSpPr/>
         <p:nvPr/>
       </p:nvGrpSpPr>
@@ -3239,7 +3241,7 @@
       </p:grpSpPr>
       <p:sp>
         <p:nvSpPr>
-          <p:cNvPr id="492" name="Google Shape;492;g322af2b0209_0_1156:notes"/>
+          <p:cNvPr id="489" name="Google Shape;489;g322af2b0209_0_1147:notes"/>
           <p:cNvSpPr/>
           <p:nvPr>
             <p:ph idx="2" type="sldImg"/>
@@ -3274,7 +3276,7 @@
       </p:sp>
       <p:sp>
         <p:nvSpPr>
-          <p:cNvPr id="493" name="Google Shape;493;g322af2b0209_0_1156:notes"/>
+          <p:cNvPr id="490" name="Google Shape;490;g322af2b0209_0_1147:notes"/>
           <p:cNvSpPr txBox="1"/>
           <p:nvPr>
             <p:ph idx="1" type="body"/>
@@ -3324,7 +3326,7 @@
   <p:cSld>
     <p:spTree>
       <p:nvGrpSpPr>
-        <p:cNvPr id="498" name="Shape 498"/>
+        <p:cNvPr id="494" name="Shape 494"/>
         <p:cNvGrpSpPr/>
         <p:nvPr/>
       </p:nvGrpSpPr>
@@ -3338,7 +3340,7 @@
       </p:grpSpPr>
       <p:sp>
         <p:nvSpPr>
-          <p:cNvPr id="499" name="Google Shape;499;g322af2b0209_0_1163:notes"/>
+          <p:cNvPr id="495" name="Google Shape;495;g322af2b0209_0_1156:notes"/>
           <p:cNvSpPr/>
           <p:nvPr>
             <p:ph idx="2" type="sldImg"/>
@@ -3373,7 +3375,7 @@
       </p:sp>
       <p:sp>
         <p:nvSpPr>
-          <p:cNvPr id="500" name="Google Shape;500;g322af2b0209_0_1163:notes"/>
+          <p:cNvPr id="496" name="Google Shape;496;g322af2b0209_0_1156:notes"/>
           <p:cNvSpPr txBox="1"/>
           <p:nvPr>
             <p:ph idx="1" type="body"/>
@@ -3423,7 +3425,7 @@
   <p:cSld>
     <p:spTree>
       <p:nvGrpSpPr>
-        <p:cNvPr id="504" name="Shape 504"/>
+        <p:cNvPr id="501" name="Shape 501"/>
         <p:cNvGrpSpPr/>
         <p:nvPr/>
       </p:nvGrpSpPr>
@@ -3437,7 +3439,7 @@
       </p:grpSpPr>
       <p:sp>
         <p:nvSpPr>
-          <p:cNvPr id="505" name="Google Shape;505;g322af2b0209_0_1171:notes"/>
+          <p:cNvPr id="502" name="Google Shape;502;g322af2b0209_0_1163:notes"/>
           <p:cNvSpPr/>
           <p:nvPr>
             <p:ph idx="2" type="sldImg"/>
@@ -3472,7 +3474,7 @@
       </p:sp>
       <p:sp>
         <p:nvSpPr>
-          <p:cNvPr id="506" name="Google Shape;506;g322af2b0209_0_1171:notes"/>
+          <p:cNvPr id="503" name="Google Shape;503;g322af2b0209_0_1163:notes"/>
           <p:cNvSpPr txBox="1"/>
           <p:nvPr>
             <p:ph idx="1" type="body"/>
@@ -3522,7 +3524,7 @@
   <p:cSld>
     <p:spTree>
       <p:nvGrpSpPr>
-        <p:cNvPr id="511" name="Shape 511"/>
+        <p:cNvPr id="507" name="Shape 507"/>
         <p:cNvGrpSpPr/>
         <p:nvPr/>
       </p:nvGrpSpPr>
@@ -3536,7 +3538,7 @@
       </p:grpSpPr>
       <p:sp>
         <p:nvSpPr>
-          <p:cNvPr id="512" name="Google Shape;512;g322af2b0209_0_1225:notes"/>
+          <p:cNvPr id="508" name="Google Shape;508;g32301839f0b_0_7:notes"/>
           <p:cNvSpPr/>
           <p:nvPr>
             <p:ph idx="2" type="sldImg"/>
@@ -3571,7 +3573,7 @@
       </p:sp>
       <p:sp>
         <p:nvSpPr>
-          <p:cNvPr id="513" name="Google Shape;513;g322af2b0209_0_1225:notes"/>
+          <p:cNvPr id="509" name="Google Shape;509;g32301839f0b_0_7:notes"/>
           <p:cNvSpPr txBox="1"/>
           <p:nvPr>
             <p:ph idx="1" type="body"/>
@@ -3621,7 +3623,7 @@
   <p:cSld>
     <p:spTree>
       <p:nvGrpSpPr>
-        <p:cNvPr id="517" name="Shape 517"/>
+        <p:cNvPr id="513" name="Shape 513"/>
         <p:cNvGrpSpPr/>
         <p:nvPr/>
       </p:nvGrpSpPr>
@@ -3635,7 +3637,7 @@
       </p:grpSpPr>
       <p:sp>
         <p:nvSpPr>
-          <p:cNvPr id="518" name="Google Shape;518;g322af2b0209_0_1230:notes"/>
+          <p:cNvPr id="514" name="Google Shape;514;g322af2b0209_0_1171:notes"/>
           <p:cNvSpPr/>
           <p:nvPr>
             <p:ph idx="2" type="sldImg"/>
@@ -3670,7 +3672,7 @@
       </p:sp>
       <p:sp>
         <p:nvSpPr>
-          <p:cNvPr id="519" name="Google Shape;519;g322af2b0209_0_1230:notes"/>
+          <p:cNvPr id="515" name="Google Shape;515;g322af2b0209_0_1171:notes"/>
           <p:cNvSpPr txBox="1"/>
           <p:nvPr>
             <p:ph idx="1" type="body"/>
@@ -3720,7 +3722,7 @@
   <p:cSld>
     <p:spTree>
       <p:nvGrpSpPr>
-        <p:cNvPr id="523" name="Shape 523"/>
+        <p:cNvPr id="520" name="Shape 520"/>
         <p:cNvGrpSpPr/>
         <p:nvPr/>
       </p:nvGrpSpPr>
@@ -3734,7 +3736,7 @@
       </p:grpSpPr>
       <p:sp>
         <p:nvSpPr>
-          <p:cNvPr id="524" name="Google Shape;524;g322af2b0209_0_1236:notes"/>
+          <p:cNvPr id="521" name="Google Shape;521;g322af2b0209_0_1225:notes"/>
           <p:cNvSpPr/>
           <p:nvPr>
             <p:ph idx="2" type="sldImg"/>
@@ -3769,7 +3771,7 @@
       </p:sp>
       <p:sp>
         <p:nvSpPr>
-          <p:cNvPr id="525" name="Google Shape;525;g322af2b0209_0_1236:notes"/>
+          <p:cNvPr id="522" name="Google Shape;522;g322af2b0209_0_1225:notes"/>
           <p:cNvSpPr txBox="1"/>
           <p:nvPr>
             <p:ph idx="1" type="body"/>
@@ -3819,7 +3821,7 @@
   <p:cSld>
     <p:spTree>
       <p:nvGrpSpPr>
-        <p:cNvPr id="530" name="Shape 530"/>
+        <p:cNvPr id="526" name="Shape 526"/>
         <p:cNvGrpSpPr/>
         <p:nvPr/>
       </p:nvGrpSpPr>
@@ -3833,7 +3835,7 @@
       </p:grpSpPr>
       <p:sp>
         <p:nvSpPr>
-          <p:cNvPr id="531" name="Google Shape;531;g322af2b0209_0_1191:notes"/>
+          <p:cNvPr id="527" name="Google Shape;527;g322af2b0209_0_1230:notes"/>
           <p:cNvSpPr/>
           <p:nvPr>
             <p:ph idx="2" type="sldImg"/>
@@ -3868,7 +3870,7 @@
       </p:sp>
       <p:sp>
         <p:nvSpPr>
-          <p:cNvPr id="532" name="Google Shape;532;g322af2b0209_0_1191:notes"/>
+          <p:cNvPr id="528" name="Google Shape;528;g322af2b0209_0_1230:notes"/>
           <p:cNvSpPr txBox="1"/>
           <p:nvPr>
             <p:ph idx="1" type="body"/>
@@ -3918,7 +3920,7 @@
   <p:cSld>
     <p:spTree>
       <p:nvGrpSpPr>
-        <p:cNvPr id="538" name="Shape 538"/>
+        <p:cNvPr id="532" name="Shape 532"/>
         <p:cNvGrpSpPr/>
         <p:nvPr/>
       </p:nvGrpSpPr>
@@ -3932,7 +3934,7 @@
       </p:grpSpPr>
       <p:sp>
         <p:nvSpPr>
-          <p:cNvPr id="539" name="Google Shape;539;g322af2b0209_0_1203:notes"/>
+          <p:cNvPr id="533" name="Google Shape;533;g322af2b0209_0_1236:notes"/>
           <p:cNvSpPr/>
           <p:nvPr>
             <p:ph idx="2" type="sldImg"/>
@@ -3967,7 +3969,7 @@
       </p:sp>
       <p:sp>
         <p:nvSpPr>
-          <p:cNvPr id="540" name="Google Shape;540;g322af2b0209_0_1203:notes"/>
+          <p:cNvPr id="534" name="Google Shape;534;g322af2b0209_0_1236:notes"/>
           <p:cNvSpPr txBox="1"/>
           <p:nvPr>
             <p:ph idx="1" type="body"/>
@@ -4116,7 +4118,7 @@
   <p:cSld>
     <p:spTree>
       <p:nvGrpSpPr>
-        <p:cNvPr id="545" name="Shape 545"/>
+        <p:cNvPr id="539" name="Shape 539"/>
         <p:cNvGrpSpPr/>
         <p:nvPr/>
       </p:nvGrpSpPr>
@@ -4130,7 +4132,7 @@
       </p:grpSpPr>
       <p:sp>
         <p:nvSpPr>
-          <p:cNvPr id="546" name="Google Shape;546;g322af2b0209_0_1212:notes"/>
+          <p:cNvPr id="540" name="Google Shape;540;g322af2b0209_0_1191:notes"/>
           <p:cNvSpPr/>
           <p:nvPr>
             <p:ph idx="2" type="sldImg"/>
@@ -4165,7 +4167,7 @@
       </p:sp>
       <p:sp>
         <p:nvSpPr>
-          <p:cNvPr id="547" name="Google Shape;547;g322af2b0209_0_1212:notes"/>
+          <p:cNvPr id="541" name="Google Shape;541;g322af2b0209_0_1191:notes"/>
           <p:cNvSpPr txBox="1"/>
           <p:nvPr>
             <p:ph idx="1" type="body"/>
@@ -4215,7 +4217,7 @@
   <p:cSld>
     <p:spTree>
       <p:nvGrpSpPr>
-        <p:cNvPr id="552" name="Shape 552"/>
+        <p:cNvPr id="547" name="Shape 547"/>
         <p:cNvGrpSpPr/>
         <p:nvPr/>
       </p:nvGrpSpPr>
@@ -4229,7 +4231,7 @@
       </p:grpSpPr>
       <p:sp>
         <p:nvSpPr>
-          <p:cNvPr id="553" name="Google Shape;553;gc6fa3c898_0_70:notes"/>
+          <p:cNvPr id="548" name="Google Shape;548;g322af2b0209_0_1203:notes"/>
           <p:cNvSpPr/>
           <p:nvPr>
             <p:ph idx="2" type="sldImg"/>
@@ -4264,7 +4266,205 @@
       </p:sp>
       <p:sp>
         <p:nvSpPr>
-          <p:cNvPr id="554" name="Google Shape;554;gc6fa3c898_0_70:notes"/>
+          <p:cNvPr id="549" name="Google Shape;549;g322af2b0209_0_1203:notes"/>
+          <p:cNvSpPr txBox="1"/>
+          <p:nvPr>
+            <p:ph idx="1" type="body"/>
+          </p:nvPr>
+        </p:nvSpPr>
+        <p:spPr>
+          <a:xfrm>
+            <a:off x="685800" y="4343400"/>
+            <a:ext cx="5486400" cy="4114800"/>
+          </a:xfrm>
+          <a:prstGeom prst="rect">
+            <a:avLst/>
+          </a:prstGeom>
+        </p:spPr>
+        <p:txBody>
+          <a:bodyPr anchorCtr="0" anchor="t" bIns="91425" lIns="91425" spcFirstLastPara="1" rIns="91425" wrap="square" tIns="91425">
+            <a:noAutofit/>
+          </a:bodyPr>
+          <a:lstStyle/>
+          <a:p>
+            <a:pPr indent="0" lvl="0" marL="0" rtl="0" algn="l">
+              <a:spcBef>
+                <a:spcPts val="0"/>
+              </a:spcBef>
+              <a:spcAft>
+                <a:spcPts val="0"/>
+              </a:spcAft>
+              <a:buNone/>
+            </a:pPr>
+            <a:r>
+              <a:t/>
+            </a:r>
+            <a:endParaRPr/>
+          </a:p>
+        </p:txBody>
+      </p:sp>
+    </p:spTree>
+  </p:cSld>
+  <p:clrMapOvr>
+    <a:masterClrMapping/>
+  </p:clrMapOvr>
+</p:notes>
+</file>
+
+<file path=ppt/notesSlides/notesSlide42.xml><?xml version="1.0" encoding="utf-8"?>
+<p:notes xmlns:a="http://schemas.openxmlformats.org/drawingml/2006/main" xmlns:r="http://schemas.openxmlformats.org/officeDocument/2006/relationships" xmlns:mc="http://schemas.openxmlformats.org/markup-compatibility/2006" xmlns:mv="urn:schemas-microsoft-com:mac:vml" xmlns:p="http://schemas.openxmlformats.org/presentationml/2006/main" xmlns:c="http://schemas.openxmlformats.org/drawingml/2006/chart" xmlns:dgm="http://schemas.openxmlformats.org/drawingml/2006/diagram" xmlns:o="urn:schemas-microsoft-com:office:office" xmlns:v="urn:schemas-microsoft-com:vml" xmlns:pvml="urn:schemas-microsoft-com:office:powerpoint" xmlns:com="http://schemas.openxmlformats.org/drawingml/2006/compatibility" xmlns:p14="http://schemas.microsoft.com/office/powerpoint/2010/main" xmlns:p15="http://schemas.microsoft.com/office/powerpoint/2012/main" xmlns:ahyp="http://schemas.microsoft.com/office/drawing/2018/hyperlinkcolor" showMasterPhAnim="0" showMasterSp="0">
+  <p:cSld>
+    <p:spTree>
+      <p:nvGrpSpPr>
+        <p:cNvPr id="554" name="Shape 554"/>
+        <p:cNvGrpSpPr/>
+        <p:nvPr/>
+      </p:nvGrpSpPr>
+      <p:grpSpPr>
+        <a:xfrm>
+          <a:off x="0" y="0"/>
+          <a:ext cx="0" cy="0"/>
+          <a:chOff x="0" y="0"/>
+          <a:chExt cx="0" cy="0"/>
+        </a:xfrm>
+      </p:grpSpPr>
+      <p:sp>
+        <p:nvSpPr>
+          <p:cNvPr id="555" name="Google Shape;555;g322af2b0209_0_1212:notes"/>
+          <p:cNvSpPr/>
+          <p:nvPr>
+            <p:ph idx="2" type="sldImg"/>
+          </p:nvPr>
+        </p:nvSpPr>
+        <p:spPr>
+          <a:xfrm>
+            <a:off x="381188" y="685800"/>
+            <a:ext cx="6096300" cy="3429000"/>
+          </a:xfrm>
+          <a:custGeom>
+            <a:rect b="b" l="l" r="r" t="t"/>
+            <a:pathLst>
+              <a:path extrusionOk="0" h="120000" w="120000">
+                <a:moveTo>
+                  <a:pt x="0" y="0"/>
+                </a:moveTo>
+                <a:lnTo>
+                  <a:pt x="120000" y="0"/>
+                </a:lnTo>
+                <a:lnTo>
+                  <a:pt x="120000" y="120000"/>
+                </a:lnTo>
+                <a:lnTo>
+                  <a:pt x="0" y="120000"/>
+                </a:lnTo>
+                <a:close/>
+              </a:path>
+            </a:pathLst>
+          </a:custGeom>
+        </p:spPr>
+      </p:sp>
+      <p:sp>
+        <p:nvSpPr>
+          <p:cNvPr id="556" name="Google Shape;556;g322af2b0209_0_1212:notes"/>
+          <p:cNvSpPr txBox="1"/>
+          <p:nvPr>
+            <p:ph idx="1" type="body"/>
+          </p:nvPr>
+        </p:nvSpPr>
+        <p:spPr>
+          <a:xfrm>
+            <a:off x="685800" y="4343400"/>
+            <a:ext cx="5486400" cy="4114800"/>
+          </a:xfrm>
+          <a:prstGeom prst="rect">
+            <a:avLst/>
+          </a:prstGeom>
+        </p:spPr>
+        <p:txBody>
+          <a:bodyPr anchorCtr="0" anchor="t" bIns="91425" lIns="91425" spcFirstLastPara="1" rIns="91425" wrap="square" tIns="91425">
+            <a:noAutofit/>
+          </a:bodyPr>
+          <a:lstStyle/>
+          <a:p>
+            <a:pPr indent="0" lvl="0" marL="0" rtl="0" algn="l">
+              <a:spcBef>
+                <a:spcPts val="0"/>
+              </a:spcBef>
+              <a:spcAft>
+                <a:spcPts val="0"/>
+              </a:spcAft>
+              <a:buNone/>
+            </a:pPr>
+            <a:r>
+              <a:t/>
+            </a:r>
+            <a:endParaRPr/>
+          </a:p>
+        </p:txBody>
+      </p:sp>
+    </p:spTree>
+  </p:cSld>
+  <p:clrMapOvr>
+    <a:masterClrMapping/>
+  </p:clrMapOvr>
+</p:notes>
+</file>
+
+<file path=ppt/notesSlides/notesSlide43.xml><?xml version="1.0" encoding="utf-8"?>
+<p:notes xmlns:a="http://schemas.openxmlformats.org/drawingml/2006/main" xmlns:r="http://schemas.openxmlformats.org/officeDocument/2006/relationships" xmlns:mc="http://schemas.openxmlformats.org/markup-compatibility/2006" xmlns:mv="urn:schemas-microsoft-com:mac:vml" xmlns:p="http://schemas.openxmlformats.org/presentationml/2006/main" xmlns:c="http://schemas.openxmlformats.org/drawingml/2006/chart" xmlns:dgm="http://schemas.openxmlformats.org/drawingml/2006/diagram" xmlns:o="urn:schemas-microsoft-com:office:office" xmlns:v="urn:schemas-microsoft-com:vml" xmlns:pvml="urn:schemas-microsoft-com:office:powerpoint" xmlns:com="http://schemas.openxmlformats.org/drawingml/2006/compatibility" xmlns:p14="http://schemas.microsoft.com/office/powerpoint/2010/main" xmlns:p15="http://schemas.microsoft.com/office/powerpoint/2012/main" xmlns:ahyp="http://schemas.microsoft.com/office/drawing/2018/hyperlinkcolor" showMasterPhAnim="0" showMasterSp="0">
+  <p:cSld>
+    <p:spTree>
+      <p:nvGrpSpPr>
+        <p:cNvPr id="561" name="Shape 561"/>
+        <p:cNvGrpSpPr/>
+        <p:nvPr/>
+      </p:nvGrpSpPr>
+      <p:grpSpPr>
+        <a:xfrm>
+          <a:off x="0" y="0"/>
+          <a:ext cx="0" cy="0"/>
+          <a:chOff x="0" y="0"/>
+          <a:chExt cx="0" cy="0"/>
+        </a:xfrm>
+      </p:grpSpPr>
+      <p:sp>
+        <p:nvSpPr>
+          <p:cNvPr id="562" name="Google Shape;562;gc6fa3c898_0_70:notes"/>
+          <p:cNvSpPr/>
+          <p:nvPr>
+            <p:ph idx="2" type="sldImg"/>
+          </p:nvPr>
+        </p:nvSpPr>
+        <p:spPr>
+          <a:xfrm>
+            <a:off x="381188" y="685800"/>
+            <a:ext cx="6096300" cy="3429000"/>
+          </a:xfrm>
+          <a:custGeom>
+            <a:rect b="b" l="l" r="r" t="t"/>
+            <a:pathLst>
+              <a:path extrusionOk="0" h="120000" w="120000">
+                <a:moveTo>
+                  <a:pt x="0" y="0"/>
+                </a:moveTo>
+                <a:lnTo>
+                  <a:pt x="120000" y="0"/>
+                </a:lnTo>
+                <a:lnTo>
+                  <a:pt x="120000" y="120000"/>
+                </a:lnTo>
+                <a:lnTo>
+                  <a:pt x="0" y="120000"/>
+                </a:lnTo>
+                <a:close/>
+              </a:path>
+            </a:pathLst>
+          </a:custGeom>
+        </p:spPr>
+      </p:sp>
+      <p:sp>
+        <p:nvSpPr>
+          <p:cNvPr id="563" name="Google Shape;563;gc6fa3c898_0_70:notes"/>
           <p:cNvSpPr txBox="1"/>
           <p:nvPr>
             <p:ph idx="1" type="body"/>
@@ -19899,7 +20099,7 @@
             </a:pPr>
             <a:r>
               <a:rPr lang="en"/>
-              <a:t>Part B - B2</a:t>
+              <a:t>Part B - B1</a:t>
             </a:r>
             <a:endParaRPr/>
           </a:p>
@@ -19908,6 +20108,146 @@
       <p:sp>
         <p:nvSpPr>
           <p:cNvPr id="372" name="Google Shape;372;p26"/>
+          <p:cNvSpPr txBox="1"/>
+          <p:nvPr>
+            <p:ph idx="1" type="body"/>
+          </p:nvPr>
+        </p:nvSpPr>
+        <p:spPr>
+          <a:xfrm>
+            <a:off x="1397875" y="1300950"/>
+            <a:ext cx="7030500" cy="3194100"/>
+          </a:xfrm>
+          <a:prstGeom prst="rect">
+            <a:avLst/>
+          </a:prstGeom>
+        </p:spPr>
+        <p:txBody>
+          <a:bodyPr anchorCtr="0" anchor="t" bIns="91425" lIns="91425" spcFirstLastPara="1" rIns="91425" wrap="square" tIns="91425">
+            <a:normAutofit/>
+          </a:bodyPr>
+          <a:lstStyle/>
+          <a:p>
+            <a:pPr indent="0" lvl="0" marL="0" rtl="0" algn="l">
+              <a:spcBef>
+                <a:spcPts val="0"/>
+              </a:spcBef>
+              <a:spcAft>
+                <a:spcPts val="0"/>
+              </a:spcAft>
+              <a:buNone/>
+            </a:pPr>
+            <a:r>
+              <a:rPr lang="en" sz="1800"/>
+              <a:t>We can clearly see that the prior pdf p(θ) is spread out compared to the posterior distributions. This is due to the fact that it is less informed and shows no preference to a specific θ value.</a:t>
+            </a:r>
+            <a:endParaRPr sz="1800"/>
+          </a:p>
+          <a:p>
+            <a:pPr indent="0" lvl="0" marL="0" rtl="0" algn="l">
+              <a:spcBef>
+                <a:spcPts val="1200"/>
+              </a:spcBef>
+              <a:spcAft>
+                <a:spcPts val="0"/>
+              </a:spcAft>
+              <a:buNone/>
+            </a:pPr>
+            <a:r>
+              <a:t/>
+            </a:r>
+            <a:endParaRPr sz="1800"/>
+          </a:p>
+          <a:p>
+            <a:pPr indent="0" lvl="0" marL="0" rtl="0" algn="l">
+              <a:spcBef>
+                <a:spcPts val="1200"/>
+              </a:spcBef>
+              <a:spcAft>
+                <a:spcPts val="1200"/>
+              </a:spcAft>
+              <a:buNone/>
+            </a:pPr>
+            <a:r>
+              <a:rPr lang="en" sz="1800"/>
+              <a:t>Comparatively</a:t>
+            </a:r>
+            <a:r>
+              <a:rPr lang="en" sz="1800"/>
+              <a:t>, the posterior distributions show clear peaks (at 2.5 for D1 and -3.2 for D2), which means that our sample data D1 and D2 influence our decision on selecting the optimal θ values.</a:t>
+            </a:r>
+            <a:endParaRPr sz="1800"/>
+          </a:p>
+        </p:txBody>
+      </p:sp>
+    </p:spTree>
+  </p:cSld>
+  <p:clrMapOvr>
+    <a:masterClrMapping/>
+  </p:clrMapOvr>
+</p:sld>
+</file>
+
+<file path=ppt/slides/slide15.xml><?xml version="1.0" encoding="utf-8"?>
+<p:sld xmlns:a="http://schemas.openxmlformats.org/drawingml/2006/main" xmlns:r="http://schemas.openxmlformats.org/officeDocument/2006/relationships" xmlns:mc="http://schemas.openxmlformats.org/markup-compatibility/2006" xmlns:mv="urn:schemas-microsoft-com:mac:vml" xmlns:p="http://schemas.openxmlformats.org/presentationml/2006/main" xmlns:c="http://schemas.openxmlformats.org/drawingml/2006/chart" xmlns:dgm="http://schemas.openxmlformats.org/drawingml/2006/diagram" xmlns:o="urn:schemas-microsoft-com:office:office" xmlns:v="urn:schemas-microsoft-com:vml" xmlns:pvml="urn:schemas-microsoft-com:office:powerpoint" xmlns:com="http://schemas.openxmlformats.org/drawingml/2006/compatibility" xmlns:p14="http://schemas.microsoft.com/office/powerpoint/2010/main" xmlns:p15="http://schemas.microsoft.com/office/powerpoint/2012/main" xmlns:ahyp="http://schemas.microsoft.com/office/drawing/2018/hyperlinkcolor">
+  <p:cSld>
+    <p:spTree>
+      <p:nvGrpSpPr>
+        <p:cNvPr id="376" name="Shape 376"/>
+        <p:cNvGrpSpPr/>
+        <p:nvPr/>
+      </p:nvGrpSpPr>
+      <p:grpSpPr>
+        <a:xfrm>
+          <a:off x="0" y="0"/>
+          <a:ext cx="0" cy="0"/>
+          <a:chOff x="0" y="0"/>
+          <a:chExt cx="0" cy="0"/>
+        </a:xfrm>
+      </p:grpSpPr>
+      <p:sp>
+        <p:nvSpPr>
+          <p:cNvPr id="377" name="Google Shape;377;p27"/>
+          <p:cNvSpPr txBox="1"/>
+          <p:nvPr>
+            <p:ph type="title"/>
+          </p:nvPr>
+        </p:nvSpPr>
+        <p:spPr>
+          <a:xfrm>
+            <a:off x="1303800" y="598575"/>
+            <a:ext cx="7030500" cy="999300"/>
+          </a:xfrm>
+          <a:prstGeom prst="rect">
+            <a:avLst/>
+          </a:prstGeom>
+        </p:spPr>
+        <p:txBody>
+          <a:bodyPr anchorCtr="0" anchor="t" bIns="91425" lIns="91425" spcFirstLastPara="1" rIns="91425" wrap="square" tIns="91425">
+            <a:normAutofit/>
+          </a:bodyPr>
+          <a:lstStyle/>
+          <a:p>
+            <a:pPr indent="0" lvl="0" marL="0" rtl="0" algn="l">
+              <a:spcBef>
+                <a:spcPts val="0"/>
+              </a:spcBef>
+              <a:spcAft>
+                <a:spcPts val="0"/>
+              </a:spcAft>
+              <a:buNone/>
+            </a:pPr>
+            <a:r>
+              <a:rPr lang="en"/>
+              <a:t>Part B - B2</a:t>
+            </a:r>
+            <a:endParaRPr/>
+          </a:p>
+        </p:txBody>
+      </p:sp>
+      <p:sp>
+        <p:nvSpPr>
+          <p:cNvPr id="378" name="Google Shape;378;p27"/>
           <p:cNvSpPr txBox="1"/>
           <p:nvPr>
             <p:ph idx="1" type="body"/>
@@ -20035,7 +20375,7 @@
       </p:sp>
       <p:pic>
         <p:nvPicPr>
-          <p:cNvPr id="373" name="Google Shape;373;p26"/>
+          <p:cNvPr id="379" name="Google Shape;379;p27"/>
           <p:cNvPicPr preferRelativeResize="0"/>
           <p:nvPr/>
         </p:nvPicPr>
@@ -20063,7 +20403,7 @@
       </p:pic>
       <p:pic>
         <p:nvPicPr>
-          <p:cNvPr id="374" name="Google Shape;374;p26"/>
+          <p:cNvPr id="380" name="Google Shape;380;p27"/>
           <p:cNvPicPr preferRelativeResize="0"/>
           <p:nvPr/>
         </p:nvPicPr>
@@ -20091,7 +20431,7 @@
       </p:pic>
       <p:pic>
         <p:nvPicPr>
-          <p:cNvPr id="375" name="Google Shape;375;p26"/>
+          <p:cNvPr id="381" name="Google Shape;381;p27"/>
           <p:cNvPicPr preferRelativeResize="0"/>
           <p:nvPr/>
         </p:nvPicPr>
@@ -20107,99 +20447,6 @@
           <a:xfrm>
             <a:off x="1303800" y="3773450"/>
             <a:ext cx="3253199" cy="592400"/>
-          </a:xfrm>
-          <a:prstGeom prst="rect">
-            <a:avLst/>
-          </a:prstGeom>
-          <a:noFill/>
-          <a:ln>
-            <a:noFill/>
-          </a:ln>
-        </p:spPr>
-      </p:pic>
-    </p:spTree>
-  </p:cSld>
-  <p:clrMapOvr>
-    <a:masterClrMapping/>
-  </p:clrMapOvr>
-</p:sld>
-</file>
-
-<file path=ppt/slides/slide15.xml><?xml version="1.0" encoding="utf-8"?>
-<p:sld xmlns:a="http://schemas.openxmlformats.org/drawingml/2006/main" xmlns:r="http://schemas.openxmlformats.org/officeDocument/2006/relationships" xmlns:mc="http://schemas.openxmlformats.org/markup-compatibility/2006" xmlns:mv="urn:schemas-microsoft-com:mac:vml" xmlns:p="http://schemas.openxmlformats.org/presentationml/2006/main" xmlns:c="http://schemas.openxmlformats.org/drawingml/2006/chart" xmlns:dgm="http://schemas.openxmlformats.org/drawingml/2006/diagram" xmlns:o="urn:schemas-microsoft-com:office:office" xmlns:v="urn:schemas-microsoft-com:vml" xmlns:pvml="urn:schemas-microsoft-com:office:powerpoint" xmlns:com="http://schemas.openxmlformats.org/drawingml/2006/compatibility" xmlns:p14="http://schemas.microsoft.com/office/powerpoint/2010/main" xmlns:p15="http://schemas.microsoft.com/office/powerpoint/2012/main" xmlns:ahyp="http://schemas.microsoft.com/office/drawing/2018/hyperlinkcolor">
-  <p:cSld>
-    <p:spTree>
-      <p:nvGrpSpPr>
-        <p:cNvPr id="379" name="Shape 379"/>
-        <p:cNvGrpSpPr/>
-        <p:nvPr/>
-      </p:nvGrpSpPr>
-      <p:grpSpPr>
-        <a:xfrm>
-          <a:off x="0" y="0"/>
-          <a:ext cx="0" cy="0"/>
-          <a:chOff x="0" y="0"/>
-          <a:chExt cx="0" cy="0"/>
-        </a:xfrm>
-      </p:grpSpPr>
-      <p:sp>
-        <p:nvSpPr>
-          <p:cNvPr id="380" name="Google Shape;380;p27"/>
-          <p:cNvSpPr txBox="1"/>
-          <p:nvPr>
-            <p:ph type="title"/>
-          </p:nvPr>
-        </p:nvSpPr>
-        <p:spPr>
-          <a:xfrm>
-            <a:off x="1303800" y="598575"/>
-            <a:ext cx="7030500" cy="999300"/>
-          </a:xfrm>
-          <a:prstGeom prst="rect">
-            <a:avLst/>
-          </a:prstGeom>
-        </p:spPr>
-        <p:txBody>
-          <a:bodyPr anchorCtr="0" anchor="t" bIns="91425" lIns="91425" spcFirstLastPara="1" rIns="91425" wrap="square" tIns="91425">
-            <a:normAutofit/>
-          </a:bodyPr>
-          <a:lstStyle/>
-          <a:p>
-            <a:pPr indent="0" lvl="0" marL="0" rtl="0" algn="l">
-              <a:spcBef>
-                <a:spcPts val="0"/>
-              </a:spcBef>
-              <a:spcAft>
-                <a:spcPts val="0"/>
-              </a:spcAft>
-              <a:buNone/>
-            </a:pPr>
-            <a:r>
-              <a:rPr lang="en"/>
-              <a:t>Part B - B2 Code</a:t>
-            </a:r>
-            <a:endParaRPr/>
-          </a:p>
-        </p:txBody>
-      </p:sp>
-      <p:pic>
-        <p:nvPicPr>
-          <p:cNvPr id="381" name="Google Shape;381;p27"/>
-          <p:cNvPicPr preferRelativeResize="0"/>
-          <p:nvPr/>
-        </p:nvPicPr>
-        <p:blipFill>
-          <a:blip r:embed="rId3">
-            <a:alphaModFix/>
-          </a:blip>
-          <a:stretch>
-            <a:fillRect/>
-          </a:stretch>
-        </p:blipFill>
-        <p:spPr>
-          <a:xfrm>
-            <a:off x="883974" y="1773325"/>
-            <a:ext cx="7870148" cy="2413005"/>
           </a:xfrm>
           <a:prstGeom prst="rect">
             <a:avLst/>
@@ -20269,79 +20516,15 @@
             </a:pPr>
             <a:r>
               <a:rPr lang="en"/>
-              <a:t>Part B - B2</a:t>
+              <a:t>Part B - B2 Code</a:t>
             </a:r>
             <a:endParaRPr/>
-          </a:p>
-        </p:txBody>
-      </p:sp>
-      <p:sp>
-        <p:nvSpPr>
-          <p:cNvPr id="387" name="Google Shape;387;p28"/>
-          <p:cNvSpPr txBox="1"/>
-          <p:nvPr>
-            <p:ph idx="1" type="body"/>
-          </p:nvPr>
-        </p:nvSpPr>
-        <p:spPr>
-          <a:xfrm>
-            <a:off x="1303800" y="1181100"/>
-            <a:ext cx="7030500" cy="2541600"/>
-          </a:xfrm>
-          <a:prstGeom prst="rect">
-            <a:avLst/>
-          </a:prstGeom>
-        </p:spPr>
-        <p:txBody>
-          <a:bodyPr anchorCtr="0" anchor="t" bIns="91425" lIns="91425" spcFirstLastPara="1" rIns="91425" wrap="square" tIns="91425">
-            <a:normAutofit/>
-          </a:bodyPr>
-          <a:lstStyle/>
-          <a:p>
-            <a:pPr indent="0" lvl="0" marL="0" rtl="0" algn="l">
-              <a:spcBef>
-                <a:spcPts val="0"/>
-              </a:spcBef>
-              <a:spcAft>
-                <a:spcPts val="0"/>
-              </a:spcAft>
-              <a:buNone/>
-            </a:pPr>
-            <a:r>
-              <a:rPr lang="en" sz="1800"/>
-              <a:t>We can now plot the predict function h(x). The decision boundary</a:t>
-            </a:r>
-            <a:endParaRPr sz="1800"/>
-          </a:p>
-          <a:p>
-            <a:pPr indent="0" lvl="0" marL="0" rtl="0" algn="l">
-              <a:spcBef>
-                <a:spcPts val="0"/>
-              </a:spcBef>
-              <a:spcAft>
-                <a:spcPts val="0"/>
-              </a:spcAft>
-              <a:buNone/>
-            </a:pPr>
-            <a:r>
-              <a:rPr lang="en" sz="1800"/>
-              <a:t>i</a:t>
-            </a:r>
-            <a:r>
-              <a:rPr lang="en" sz="1800"/>
-              <a:t>s again at h(x) = 0.</a:t>
-            </a:r>
-            <a:endParaRPr sz="1800">
-              <a:highlight>
-                <a:schemeClr val="lt1"/>
-              </a:highlight>
-            </a:endParaRPr>
           </a:p>
         </p:txBody>
       </p:sp>
       <p:pic>
         <p:nvPicPr>
-          <p:cNvPr id="388" name="Google Shape;388;p28"/>
+          <p:cNvPr id="387" name="Google Shape;387;p28"/>
           <p:cNvPicPr preferRelativeResize="0"/>
           <p:nvPr/>
         </p:nvPicPr>
@@ -20355,8 +20538,8 @@
         </p:blipFill>
         <p:spPr>
           <a:xfrm>
-            <a:off x="1862013" y="1981125"/>
-            <a:ext cx="5419976" cy="3162375"/>
+            <a:off x="883974" y="1773325"/>
+            <a:ext cx="7870148" cy="2413005"/>
           </a:xfrm>
           <a:prstGeom prst="rect">
             <a:avLst/>
@@ -20380,7 +20563,7 @@
   <p:cSld>
     <p:spTree>
       <p:nvGrpSpPr>
-        <p:cNvPr id="392" name="Shape 392"/>
+        <p:cNvPr id="391" name="Shape 391"/>
         <p:cNvGrpSpPr/>
         <p:nvPr/>
       </p:nvGrpSpPr>
@@ -20394,7 +20577,7 @@
       </p:grpSpPr>
       <p:sp>
         <p:nvSpPr>
-          <p:cNvPr id="393" name="Google Shape;393;p29"/>
+          <p:cNvPr id="392" name="Google Shape;392;p29"/>
           <p:cNvSpPr txBox="1"/>
           <p:nvPr>
             <p:ph type="title"/>
@@ -20434,7 +20617,7 @@
       </p:sp>
       <p:sp>
         <p:nvSpPr>
-          <p:cNvPr id="394" name="Google Shape;394;p29"/>
+          <p:cNvPr id="393" name="Google Shape;393;p29"/>
           <p:cNvSpPr txBox="1"/>
           <p:nvPr>
             <p:ph idx="1" type="body"/>
@@ -20442,8 +20625,8 @@
         </p:nvSpPr>
         <p:spPr>
           <a:xfrm>
-            <a:off x="1303800" y="1244675"/>
-            <a:ext cx="7750800" cy="3898800"/>
+            <a:off x="1303800" y="1181100"/>
+            <a:ext cx="7030500" cy="2541600"/>
           </a:xfrm>
           <a:prstGeom prst="rect">
             <a:avLst/>
@@ -20455,71 +20638,74 @@
           </a:bodyPr>
           <a:lstStyle/>
           <a:p>
-            <a:pPr indent="-342900" lvl="0" marL="457200" rtl="0" algn="l">
-              <a:lnSpc>
-                <a:spcPct val="115000"/>
-              </a:lnSpc>
-              <a:spcBef>
-                <a:spcPts val="0"/>
-              </a:spcBef>
-              <a:spcAft>
-                <a:spcPts val="0"/>
-              </a:spcAft>
-              <a:buSzPts val="1800"/>
-              <a:buChar char="●"/>
+            <a:pPr indent="0" lvl="0" marL="0" rtl="0" algn="l">
+              <a:spcBef>
+                <a:spcPts val="0"/>
+              </a:spcBef>
+              <a:spcAft>
+                <a:spcPts val="0"/>
+              </a:spcAft>
+              <a:buNone/>
             </a:pPr>
             <a:r>
-              <a:rPr lang="en" sz="1811"/>
-              <a:t>This time the classification </a:t>
-            </a:r>
-            <a:r>
-              <a:rPr lang="en" sz="1811"/>
-              <a:t>achieves</a:t>
-            </a:r>
-            <a:r>
-              <a:rPr lang="en" sz="1811"/>
-              <a:t> 100% accuracy, since for each point in the dataset D1 we have h(x)&gt;0 and for the points in dataset D2 we have h(x)&lt;0.</a:t>
-            </a:r>
-            <a:r>
-              <a:rPr lang="en" sz="2643"/>
-              <a:t> 												</a:t>
-            </a:r>
-            <a:endParaRPr sz="2643"/>
+              <a:rPr lang="en" sz="1800"/>
+              <a:t>We can now plot the predict function h(x). The decision boundary</a:t>
+            </a:r>
+            <a:endParaRPr sz="1800"/>
           </a:p>
           <a:p>
-            <a:pPr indent="-342900" lvl="0" marL="457200" rtl="0" algn="l">
-              <a:lnSpc>
-                <a:spcPct val="115000"/>
-              </a:lnSpc>
-              <a:spcBef>
-                <a:spcPts val="0"/>
-              </a:spcBef>
-              <a:spcAft>
-                <a:spcPts val="0"/>
-              </a:spcAft>
-              <a:buSzPts val="1800"/>
-              <a:buChar char="●"/>
+            <a:pPr indent="0" lvl="0" marL="0" rtl="0" algn="l">
+              <a:spcBef>
+                <a:spcPts val="0"/>
+              </a:spcBef>
+              <a:spcAft>
+                <a:spcPts val="0"/>
+              </a:spcAft>
+              <a:buNone/>
             </a:pPr>
             <a:r>
-              <a:rPr lang="en" sz="1825"/>
-              <a:t>The Bayesian Estimation seems like the better approach since it incorporates the prior knowledge about the parameter θ through the prior distribution p(θ), leading to better parameter estimations. </a:t>
-            </a:r>
-            <a:r>
-              <a:rPr lang="en" sz="1800">
-                <a:highlight>
-                  <a:srgbClr val="FFFFFF"/>
-                </a:highlight>
-              </a:rPr>
-              <a:t>In contrast, the MLE only relies on our dataset and tries to maximize the likelihood p(D|θ), without taking into account any information about the prior distribution of our parameter θ.</a:t>
+              <a:rPr lang="en" sz="1800"/>
+              <a:t>i</a:t>
+            </a:r>
+            <a:r>
+              <a:rPr lang="en" sz="1800"/>
+              <a:t>s again at h(x) = 0.</a:t>
             </a:r>
             <a:endParaRPr sz="1800">
               <a:highlight>
-                <a:schemeClr val="dk2"/>
+                <a:schemeClr val="lt1"/>
               </a:highlight>
             </a:endParaRPr>
           </a:p>
         </p:txBody>
       </p:sp>
+      <p:pic>
+        <p:nvPicPr>
+          <p:cNvPr id="394" name="Google Shape;394;p29"/>
+          <p:cNvPicPr preferRelativeResize="0"/>
+          <p:nvPr/>
+        </p:nvPicPr>
+        <p:blipFill rotWithShape="1">
+          <a:blip r:embed="rId3">
+            <a:alphaModFix/>
+          </a:blip>
+          <a:srcRect b="1484" l="0" r="0" t="1494"/>
+          <a:stretch/>
+        </p:blipFill>
+        <p:spPr>
+          <a:xfrm>
+            <a:off x="1862013" y="1981125"/>
+            <a:ext cx="5419977" cy="3162375"/>
+          </a:xfrm>
+          <a:prstGeom prst="rect">
+            <a:avLst/>
+          </a:prstGeom>
+          <a:noFill/>
+          <a:ln>
+            <a:noFill/>
+          </a:ln>
+        </p:spPr>
+      </p:pic>
     </p:spTree>
   </p:cSld>
   <p:clrMapOvr>
@@ -20595,6 +20781,159 @@
         </p:nvSpPr>
         <p:spPr>
           <a:xfrm>
+            <a:off x="1303800" y="1244675"/>
+            <a:ext cx="7750800" cy="3898800"/>
+          </a:xfrm>
+          <a:prstGeom prst="rect">
+            <a:avLst/>
+          </a:prstGeom>
+        </p:spPr>
+        <p:txBody>
+          <a:bodyPr anchorCtr="0" anchor="t" bIns="91425" lIns="91425" spcFirstLastPara="1" rIns="91425" wrap="square" tIns="91425">
+            <a:normAutofit/>
+          </a:bodyPr>
+          <a:lstStyle/>
+          <a:p>
+            <a:pPr indent="-342900" lvl="0" marL="457200" rtl="0" algn="l">
+              <a:lnSpc>
+                <a:spcPct val="115000"/>
+              </a:lnSpc>
+              <a:spcBef>
+                <a:spcPts val="0"/>
+              </a:spcBef>
+              <a:spcAft>
+                <a:spcPts val="0"/>
+              </a:spcAft>
+              <a:buSzPts val="1800"/>
+              <a:buChar char="●"/>
+            </a:pPr>
+            <a:r>
+              <a:rPr lang="en" sz="1811"/>
+              <a:t>This time the classification </a:t>
+            </a:r>
+            <a:r>
+              <a:rPr lang="en" sz="1811"/>
+              <a:t>achieves</a:t>
+            </a:r>
+            <a:r>
+              <a:rPr lang="en" sz="1811"/>
+              <a:t> 100% accuracy, since for each point in the dataset D1 we have h(x)&gt;0 and for the points in dataset D2 we have h(x)&lt;0.</a:t>
+            </a:r>
+            <a:r>
+              <a:rPr lang="en" sz="2643"/>
+              <a:t> 												</a:t>
+            </a:r>
+            <a:endParaRPr sz="2643"/>
+          </a:p>
+          <a:p>
+            <a:pPr indent="-342900" lvl="0" marL="457200" rtl="0" algn="l">
+              <a:lnSpc>
+                <a:spcPct val="115000"/>
+              </a:lnSpc>
+              <a:spcBef>
+                <a:spcPts val="0"/>
+              </a:spcBef>
+              <a:spcAft>
+                <a:spcPts val="0"/>
+              </a:spcAft>
+              <a:buSzPts val="1800"/>
+              <a:buChar char="●"/>
+            </a:pPr>
+            <a:r>
+              <a:rPr lang="en" sz="1825"/>
+              <a:t>The Bayesian Estimation seems like the better approach since it incorporates the prior knowledge about the parameter θ through the prior distribution p(θ), leading to better parameter estimations. </a:t>
+            </a:r>
+            <a:r>
+              <a:rPr lang="en" sz="1800">
+                <a:highlight>
+                  <a:srgbClr val="FFFFFF"/>
+                </a:highlight>
+              </a:rPr>
+              <a:t>In contrast, the MLE only relies on our dataset and tries to maximize the likelihood p(D|θ), without taking into account any information about the prior distribution of our parameter θ.</a:t>
+            </a:r>
+            <a:endParaRPr sz="1800">
+              <a:highlight>
+                <a:schemeClr val="dk2"/>
+              </a:highlight>
+            </a:endParaRPr>
+          </a:p>
+        </p:txBody>
+      </p:sp>
+    </p:spTree>
+  </p:cSld>
+  <p:clrMapOvr>
+    <a:masterClrMapping/>
+  </p:clrMapOvr>
+</p:sld>
+</file>
+
+<file path=ppt/slides/slide19.xml><?xml version="1.0" encoding="utf-8"?>
+<p:sld xmlns:a="http://schemas.openxmlformats.org/drawingml/2006/main" xmlns:r="http://schemas.openxmlformats.org/officeDocument/2006/relationships" xmlns:mc="http://schemas.openxmlformats.org/markup-compatibility/2006" xmlns:mv="urn:schemas-microsoft-com:mac:vml" xmlns:p="http://schemas.openxmlformats.org/presentationml/2006/main" xmlns:c="http://schemas.openxmlformats.org/drawingml/2006/chart" xmlns:dgm="http://schemas.openxmlformats.org/drawingml/2006/diagram" xmlns:o="urn:schemas-microsoft-com:office:office" xmlns:v="urn:schemas-microsoft-com:vml" xmlns:pvml="urn:schemas-microsoft-com:office:powerpoint" xmlns:com="http://schemas.openxmlformats.org/drawingml/2006/compatibility" xmlns:p14="http://schemas.microsoft.com/office/powerpoint/2010/main" xmlns:p15="http://schemas.microsoft.com/office/powerpoint/2012/main" xmlns:ahyp="http://schemas.microsoft.com/office/drawing/2018/hyperlinkcolor">
+  <p:cSld>
+    <p:spTree>
+      <p:nvGrpSpPr>
+        <p:cNvPr id="404" name="Shape 404"/>
+        <p:cNvGrpSpPr/>
+        <p:nvPr/>
+      </p:nvGrpSpPr>
+      <p:grpSpPr>
+        <a:xfrm>
+          <a:off x="0" y="0"/>
+          <a:ext cx="0" cy="0"/>
+          <a:chOff x="0" y="0"/>
+          <a:chExt cx="0" cy="0"/>
+        </a:xfrm>
+      </p:grpSpPr>
+      <p:sp>
+        <p:nvSpPr>
+          <p:cNvPr id="405" name="Google Shape;405;p31"/>
+          <p:cNvSpPr txBox="1"/>
+          <p:nvPr>
+            <p:ph type="title"/>
+          </p:nvPr>
+        </p:nvSpPr>
+        <p:spPr>
+          <a:xfrm>
+            <a:off x="1303800" y="598575"/>
+            <a:ext cx="7030500" cy="999300"/>
+          </a:xfrm>
+          <a:prstGeom prst="rect">
+            <a:avLst/>
+          </a:prstGeom>
+        </p:spPr>
+        <p:txBody>
+          <a:bodyPr anchorCtr="0" anchor="t" bIns="91425" lIns="91425" spcFirstLastPara="1" rIns="91425" wrap="square" tIns="91425">
+            <a:normAutofit/>
+          </a:bodyPr>
+          <a:lstStyle/>
+          <a:p>
+            <a:pPr indent="0" lvl="0" marL="0" rtl="0" algn="l">
+              <a:spcBef>
+                <a:spcPts val="0"/>
+              </a:spcBef>
+              <a:spcAft>
+                <a:spcPts val="0"/>
+              </a:spcAft>
+              <a:buNone/>
+            </a:pPr>
+            <a:r>
+              <a:rPr lang="en"/>
+              <a:t>Part B - B2</a:t>
+            </a:r>
+            <a:endParaRPr/>
+          </a:p>
+        </p:txBody>
+      </p:sp>
+      <p:sp>
+        <p:nvSpPr>
+          <p:cNvPr id="406" name="Google Shape;406;p31"/>
+          <p:cNvSpPr txBox="1"/>
+          <p:nvPr>
+            <p:ph idx="1" type="body"/>
+          </p:nvPr>
+        </p:nvSpPr>
+        <p:spPr>
+          <a:xfrm>
             <a:off x="1303800" y="1513800"/>
             <a:ext cx="7596300" cy="3452700"/>
           </a:xfrm>
@@ -20675,7 +21014,7 @@
       </p:sp>
       <p:pic>
         <p:nvPicPr>
-          <p:cNvPr id="401" name="Google Shape;401;p30"/>
+          <p:cNvPr id="407" name="Google Shape;407;p31"/>
           <p:cNvPicPr preferRelativeResize="0"/>
           <p:nvPr/>
         </p:nvPicPr>
@@ -20701,202 +21040,6 @@
           </a:ln>
         </p:spPr>
       </p:pic>
-    </p:spTree>
-  </p:cSld>
-  <p:clrMapOvr>
-    <a:masterClrMapping/>
-  </p:clrMapOvr>
-</p:sld>
-</file>
-
-<file path=ppt/slides/slide19.xml><?xml version="1.0" encoding="utf-8"?>
-<p:sld xmlns:a="http://schemas.openxmlformats.org/drawingml/2006/main" xmlns:r="http://schemas.openxmlformats.org/officeDocument/2006/relationships" xmlns:mc="http://schemas.openxmlformats.org/markup-compatibility/2006" xmlns:mv="urn:schemas-microsoft-com:mac:vml" xmlns:p="http://schemas.openxmlformats.org/presentationml/2006/main" xmlns:c="http://schemas.openxmlformats.org/drawingml/2006/chart" xmlns:dgm="http://schemas.openxmlformats.org/drawingml/2006/diagram" xmlns:o="urn:schemas-microsoft-com:office:office" xmlns:v="urn:schemas-microsoft-com:vml" xmlns:pvml="urn:schemas-microsoft-com:office:powerpoint" xmlns:com="http://schemas.openxmlformats.org/drawingml/2006/compatibility" xmlns:p14="http://schemas.microsoft.com/office/powerpoint/2010/main" xmlns:p15="http://schemas.microsoft.com/office/powerpoint/2012/main" xmlns:ahyp="http://schemas.microsoft.com/office/drawing/2018/hyperlinkcolor">
-  <p:cSld>
-    <p:spTree>
-      <p:nvGrpSpPr>
-        <p:cNvPr id="405" name="Shape 405"/>
-        <p:cNvGrpSpPr/>
-        <p:nvPr/>
-      </p:nvGrpSpPr>
-      <p:grpSpPr>
-        <a:xfrm>
-          <a:off x="0" y="0"/>
-          <a:ext cx="0" cy="0"/>
-          <a:chOff x="0" y="0"/>
-          <a:chExt cx="0" cy="0"/>
-        </a:xfrm>
-      </p:grpSpPr>
-      <p:sp>
-        <p:nvSpPr>
-          <p:cNvPr id="406" name="Google Shape;406;p31"/>
-          <p:cNvSpPr txBox="1"/>
-          <p:nvPr>
-            <p:ph type="title"/>
-          </p:nvPr>
-        </p:nvSpPr>
-        <p:spPr>
-          <a:xfrm>
-            <a:off x="1303800" y="598575"/>
-            <a:ext cx="7030500" cy="999300"/>
-          </a:xfrm>
-          <a:prstGeom prst="rect">
-            <a:avLst/>
-          </a:prstGeom>
-        </p:spPr>
-        <p:txBody>
-          <a:bodyPr anchorCtr="0" anchor="t" bIns="91425" lIns="91425" spcFirstLastPara="1" rIns="91425" wrap="square" tIns="91425">
-            <a:normAutofit/>
-          </a:bodyPr>
-          <a:lstStyle/>
-          <a:p>
-            <a:pPr indent="0" lvl="0" marL="0" rtl="0" algn="l">
-              <a:spcBef>
-                <a:spcPts val="0"/>
-              </a:spcBef>
-              <a:spcAft>
-                <a:spcPts val="0"/>
-              </a:spcAft>
-              <a:buNone/>
-            </a:pPr>
-            <a:r>
-              <a:rPr lang="en"/>
-              <a:t>Part C - C1.1</a:t>
-            </a:r>
-            <a:endParaRPr/>
-          </a:p>
-        </p:txBody>
-      </p:sp>
-      <p:sp>
-        <p:nvSpPr>
-          <p:cNvPr id="407" name="Google Shape;407;p31"/>
-          <p:cNvSpPr txBox="1"/>
-          <p:nvPr>
-            <p:ph idx="1" type="body"/>
-          </p:nvPr>
-        </p:nvSpPr>
-        <p:spPr>
-          <a:xfrm>
-            <a:off x="1303800" y="1196275"/>
-            <a:ext cx="7654800" cy="3703200"/>
-          </a:xfrm>
-          <a:prstGeom prst="rect">
-            <a:avLst/>
-          </a:prstGeom>
-        </p:spPr>
-        <p:txBody>
-          <a:bodyPr anchorCtr="0" anchor="t" bIns="91425" lIns="91425" spcFirstLastPara="1" rIns="91425" wrap="square" tIns="91425">
-            <a:normAutofit fontScale="85000" lnSpcReduction="20000"/>
-          </a:bodyPr>
-          <a:lstStyle/>
-          <a:p>
-            <a:pPr indent="0" lvl="0" marL="0" rtl="0" algn="l">
-              <a:spcBef>
-                <a:spcPts val="0"/>
-              </a:spcBef>
-              <a:spcAft>
-                <a:spcPts val="0"/>
-              </a:spcAft>
-              <a:buNone/>
-            </a:pPr>
-            <a:r>
-              <a:rPr lang="en" sz="2100"/>
-              <a:t>In this section we will </a:t>
-            </a:r>
-            <a:r>
-              <a:rPr lang="en" sz="2100"/>
-              <a:t>train</a:t>
-            </a:r>
-            <a:r>
-              <a:rPr lang="en" sz="2100"/>
-              <a:t> the </a:t>
-            </a:r>
-            <a:r>
-              <a:rPr lang="en" sz="2100"/>
-              <a:t>Decision Tree Classifier</a:t>
-            </a:r>
-            <a:r>
-              <a:rPr lang="en" sz="2100"/>
-              <a:t> algorithm with the first half of the first </a:t>
-            </a:r>
-            <a:r>
-              <a:rPr lang="en" sz="2100">
-                <a:highlight>
-                  <a:srgbClr val="FFFFFF"/>
-                </a:highlight>
-              </a:rPr>
-              <a:t>2 features from the Iris dataset and then use it to </a:t>
-            </a:r>
-            <a:r>
-              <a:rPr lang="en" sz="2100">
-                <a:highlight>
-                  <a:srgbClr val="FFFFFF"/>
-                </a:highlight>
-              </a:rPr>
-              <a:t>classify the other half.</a:t>
-            </a:r>
-            <a:r>
-              <a:rPr lang="en" sz="2100"/>
-              <a:t> </a:t>
-            </a:r>
-            <a:endParaRPr sz="2100"/>
-          </a:p>
-          <a:p>
-            <a:pPr indent="0" lvl="0" marL="0" rtl="0" algn="l">
-              <a:spcBef>
-                <a:spcPts val="1200"/>
-              </a:spcBef>
-              <a:spcAft>
-                <a:spcPts val="0"/>
-              </a:spcAft>
-              <a:buNone/>
-            </a:pPr>
-            <a:r>
-              <a:rPr lang="en" sz="2100"/>
-              <a:t>We will first iterate over the depth values </a:t>
-            </a:r>
-            <a:r>
-              <a:rPr b="1" lang="en" sz="2100"/>
-              <a:t>[1,15]</a:t>
-            </a:r>
-            <a:r>
-              <a:rPr lang="en" sz="2100"/>
-              <a:t> in order to find optimal depth that provides the best accuracy. The depth and accuracy values are saved in an array to plot them later on.</a:t>
-            </a:r>
-            <a:endParaRPr sz="2100"/>
-          </a:p>
-          <a:p>
-            <a:pPr indent="0" lvl="0" marL="0" rtl="0" algn="l">
-              <a:spcBef>
-                <a:spcPts val="1100"/>
-              </a:spcBef>
-              <a:spcAft>
-                <a:spcPts val="0"/>
-              </a:spcAft>
-              <a:buNone/>
-            </a:pPr>
-            <a:r>
-              <a:rPr lang="en" sz="2100"/>
-              <a:t>For each depth, we create a new DecisionTreeClassifier and we fit the training data. Then, the model predicts the labels for the test dataset and calculates the accuracy using the accuracy_score function. If the accuracy is higher than the previous best accuracy, we update best_accuracy and best_depth with the new values.</a:t>
-            </a:r>
-            <a:endParaRPr sz="2100"/>
-          </a:p>
-          <a:p>
-            <a:pPr indent="0" lvl="0" marL="0" rtl="0" algn="l">
-              <a:spcBef>
-                <a:spcPts val="500"/>
-              </a:spcBef>
-              <a:spcAft>
-                <a:spcPts val="1200"/>
-              </a:spcAft>
-              <a:buNone/>
-            </a:pPr>
-            <a:r>
-              <a:t/>
-            </a:r>
-            <a:endParaRPr sz="1800"/>
-          </a:p>
-        </p:txBody>
-      </p:sp>
     </p:spTree>
   </p:cSld>
   <p:clrMapOvr>
@@ -21152,6 +21295,202 @@
         </p:nvSpPr>
         <p:spPr>
           <a:xfrm>
+            <a:off x="1303800" y="1196275"/>
+            <a:ext cx="7654800" cy="3703200"/>
+          </a:xfrm>
+          <a:prstGeom prst="rect">
+            <a:avLst/>
+          </a:prstGeom>
+        </p:spPr>
+        <p:txBody>
+          <a:bodyPr anchorCtr="0" anchor="t" bIns="91425" lIns="91425" spcFirstLastPara="1" rIns="91425" wrap="square" tIns="91425">
+            <a:normAutofit fontScale="85000" lnSpcReduction="20000"/>
+          </a:bodyPr>
+          <a:lstStyle/>
+          <a:p>
+            <a:pPr indent="0" lvl="0" marL="0" rtl="0" algn="l">
+              <a:spcBef>
+                <a:spcPts val="0"/>
+              </a:spcBef>
+              <a:spcAft>
+                <a:spcPts val="0"/>
+              </a:spcAft>
+              <a:buNone/>
+            </a:pPr>
+            <a:r>
+              <a:rPr lang="en" sz="2100"/>
+              <a:t>In this section we will </a:t>
+            </a:r>
+            <a:r>
+              <a:rPr lang="en" sz="2100"/>
+              <a:t>train</a:t>
+            </a:r>
+            <a:r>
+              <a:rPr lang="en" sz="2100"/>
+              <a:t> the </a:t>
+            </a:r>
+            <a:r>
+              <a:rPr lang="en" sz="2100"/>
+              <a:t>Decision Tree Classifier</a:t>
+            </a:r>
+            <a:r>
+              <a:rPr lang="en" sz="2100"/>
+              <a:t> algorithm with the first half of the first </a:t>
+            </a:r>
+            <a:r>
+              <a:rPr lang="en" sz="2100">
+                <a:highlight>
+                  <a:srgbClr val="FFFFFF"/>
+                </a:highlight>
+              </a:rPr>
+              <a:t>2 features from the Iris dataset and then use it to </a:t>
+            </a:r>
+            <a:r>
+              <a:rPr lang="en" sz="2100">
+                <a:highlight>
+                  <a:srgbClr val="FFFFFF"/>
+                </a:highlight>
+              </a:rPr>
+              <a:t>classify the other half.</a:t>
+            </a:r>
+            <a:r>
+              <a:rPr lang="en" sz="2100"/>
+              <a:t> </a:t>
+            </a:r>
+            <a:endParaRPr sz="2100"/>
+          </a:p>
+          <a:p>
+            <a:pPr indent="0" lvl="0" marL="0" rtl="0" algn="l">
+              <a:spcBef>
+                <a:spcPts val="1200"/>
+              </a:spcBef>
+              <a:spcAft>
+                <a:spcPts val="0"/>
+              </a:spcAft>
+              <a:buNone/>
+            </a:pPr>
+            <a:r>
+              <a:rPr lang="en" sz="2100"/>
+              <a:t>We will first iterate over the depth values </a:t>
+            </a:r>
+            <a:r>
+              <a:rPr b="1" lang="en" sz="2100"/>
+              <a:t>[1,15]</a:t>
+            </a:r>
+            <a:r>
+              <a:rPr lang="en" sz="2100"/>
+              <a:t> in order to find optimal depth that provides the best accuracy. The depth and accuracy values are saved in an array to plot them later on.</a:t>
+            </a:r>
+            <a:endParaRPr sz="2100"/>
+          </a:p>
+          <a:p>
+            <a:pPr indent="0" lvl="0" marL="0" rtl="0" algn="l">
+              <a:spcBef>
+                <a:spcPts val="1100"/>
+              </a:spcBef>
+              <a:spcAft>
+                <a:spcPts val="0"/>
+              </a:spcAft>
+              <a:buNone/>
+            </a:pPr>
+            <a:r>
+              <a:rPr lang="en" sz="2100"/>
+              <a:t>For each depth, we create a new DecisionTreeClassifier and we fit the training data. Then, the model predicts the labels for the test dataset and calculates the accuracy using the accuracy_score function. If the accuracy is higher than the previous best accuracy, we update best_accuracy and best_depth with the new values.</a:t>
+            </a:r>
+            <a:endParaRPr sz="2100"/>
+          </a:p>
+          <a:p>
+            <a:pPr indent="0" lvl="0" marL="0" rtl="0" algn="l">
+              <a:spcBef>
+                <a:spcPts val="500"/>
+              </a:spcBef>
+              <a:spcAft>
+                <a:spcPts val="1200"/>
+              </a:spcAft>
+              <a:buNone/>
+            </a:pPr>
+            <a:r>
+              <a:t/>
+            </a:r>
+            <a:endParaRPr sz="1800"/>
+          </a:p>
+        </p:txBody>
+      </p:sp>
+    </p:spTree>
+  </p:cSld>
+  <p:clrMapOvr>
+    <a:masterClrMapping/>
+  </p:clrMapOvr>
+</p:sld>
+</file>
+
+<file path=ppt/slides/slide21.xml><?xml version="1.0" encoding="utf-8"?>
+<p:sld xmlns:a="http://schemas.openxmlformats.org/drawingml/2006/main" xmlns:r="http://schemas.openxmlformats.org/officeDocument/2006/relationships" xmlns:mc="http://schemas.openxmlformats.org/markup-compatibility/2006" xmlns:mv="urn:schemas-microsoft-com:mac:vml" xmlns:p="http://schemas.openxmlformats.org/presentationml/2006/main" xmlns:c="http://schemas.openxmlformats.org/drawingml/2006/chart" xmlns:dgm="http://schemas.openxmlformats.org/drawingml/2006/diagram" xmlns:o="urn:schemas-microsoft-com:office:office" xmlns:v="urn:schemas-microsoft-com:vml" xmlns:pvml="urn:schemas-microsoft-com:office:powerpoint" xmlns:com="http://schemas.openxmlformats.org/drawingml/2006/compatibility" xmlns:p14="http://schemas.microsoft.com/office/powerpoint/2010/main" xmlns:p15="http://schemas.microsoft.com/office/powerpoint/2012/main" xmlns:ahyp="http://schemas.microsoft.com/office/drawing/2018/hyperlinkcolor">
+  <p:cSld>
+    <p:spTree>
+      <p:nvGrpSpPr>
+        <p:cNvPr id="417" name="Shape 417"/>
+        <p:cNvGrpSpPr/>
+        <p:nvPr/>
+      </p:nvGrpSpPr>
+      <p:grpSpPr>
+        <a:xfrm>
+          <a:off x="0" y="0"/>
+          <a:ext cx="0" cy="0"/>
+          <a:chOff x="0" y="0"/>
+          <a:chExt cx="0" cy="0"/>
+        </a:xfrm>
+      </p:grpSpPr>
+      <p:sp>
+        <p:nvSpPr>
+          <p:cNvPr id="418" name="Google Shape;418;p33"/>
+          <p:cNvSpPr txBox="1"/>
+          <p:nvPr>
+            <p:ph type="title"/>
+          </p:nvPr>
+        </p:nvSpPr>
+        <p:spPr>
+          <a:xfrm>
+            <a:off x="1303800" y="598575"/>
+            <a:ext cx="7030500" cy="999300"/>
+          </a:xfrm>
+          <a:prstGeom prst="rect">
+            <a:avLst/>
+          </a:prstGeom>
+        </p:spPr>
+        <p:txBody>
+          <a:bodyPr anchorCtr="0" anchor="t" bIns="91425" lIns="91425" spcFirstLastPara="1" rIns="91425" wrap="square" tIns="91425">
+            <a:normAutofit/>
+          </a:bodyPr>
+          <a:lstStyle/>
+          <a:p>
+            <a:pPr indent="0" lvl="0" marL="0" rtl="0" algn="l">
+              <a:spcBef>
+                <a:spcPts val="0"/>
+              </a:spcBef>
+              <a:spcAft>
+                <a:spcPts val="0"/>
+              </a:spcAft>
+              <a:buNone/>
+            </a:pPr>
+            <a:r>
+              <a:rPr lang="en"/>
+              <a:t>Part C - C1.1</a:t>
+            </a:r>
+            <a:endParaRPr/>
+          </a:p>
+        </p:txBody>
+      </p:sp>
+      <p:sp>
+        <p:nvSpPr>
+          <p:cNvPr id="419" name="Google Shape;419;p33"/>
+          <p:cNvSpPr txBox="1"/>
+          <p:nvPr>
+            <p:ph idx="1" type="body"/>
+          </p:nvPr>
+        </p:nvSpPr>
+        <p:spPr>
+          <a:xfrm>
             <a:off x="1495975" y="1283575"/>
             <a:ext cx="7030500" cy="406200"/>
           </a:xfrm>
@@ -21184,7 +21523,7 @@
       </p:sp>
       <p:pic>
         <p:nvPicPr>
-          <p:cNvPr id="414" name="Google Shape;414;p32"/>
+          <p:cNvPr id="420" name="Google Shape;420;p33"/>
           <p:cNvPicPr preferRelativeResize="0"/>
           <p:nvPr/>
         </p:nvPicPr>
@@ -21210,159 +21549,6 @@
           </a:ln>
         </p:spPr>
       </p:pic>
-    </p:spTree>
-  </p:cSld>
-  <p:clrMapOvr>
-    <a:masterClrMapping/>
-  </p:clrMapOvr>
-</p:sld>
-</file>
-
-<file path=ppt/slides/slide21.xml><?xml version="1.0" encoding="utf-8"?>
-<p:sld xmlns:a="http://schemas.openxmlformats.org/drawingml/2006/main" xmlns:r="http://schemas.openxmlformats.org/officeDocument/2006/relationships" xmlns:mc="http://schemas.openxmlformats.org/markup-compatibility/2006" xmlns:mv="urn:schemas-microsoft-com:mac:vml" xmlns:p="http://schemas.openxmlformats.org/presentationml/2006/main" xmlns:c="http://schemas.openxmlformats.org/drawingml/2006/chart" xmlns:dgm="http://schemas.openxmlformats.org/drawingml/2006/diagram" xmlns:o="urn:schemas-microsoft-com:office:office" xmlns:v="urn:schemas-microsoft-com:vml" xmlns:pvml="urn:schemas-microsoft-com:office:powerpoint" xmlns:com="http://schemas.openxmlformats.org/drawingml/2006/compatibility" xmlns:p14="http://schemas.microsoft.com/office/powerpoint/2010/main" xmlns:p15="http://schemas.microsoft.com/office/powerpoint/2012/main" xmlns:ahyp="http://schemas.microsoft.com/office/drawing/2018/hyperlinkcolor">
-  <p:cSld>
-    <p:spTree>
-      <p:nvGrpSpPr>
-        <p:cNvPr id="418" name="Shape 418"/>
-        <p:cNvGrpSpPr/>
-        <p:nvPr/>
-      </p:nvGrpSpPr>
-      <p:grpSpPr>
-        <a:xfrm>
-          <a:off x="0" y="0"/>
-          <a:ext cx="0" cy="0"/>
-          <a:chOff x="0" y="0"/>
-          <a:chExt cx="0" cy="0"/>
-        </a:xfrm>
-      </p:grpSpPr>
-      <p:sp>
-        <p:nvSpPr>
-          <p:cNvPr id="419" name="Google Shape;419;p33"/>
-          <p:cNvSpPr txBox="1"/>
-          <p:nvPr>
-            <p:ph type="title"/>
-          </p:nvPr>
-        </p:nvSpPr>
-        <p:spPr>
-          <a:xfrm>
-            <a:off x="1303800" y="598575"/>
-            <a:ext cx="7030500" cy="999300"/>
-          </a:xfrm>
-          <a:prstGeom prst="rect">
-            <a:avLst/>
-          </a:prstGeom>
-        </p:spPr>
-        <p:txBody>
-          <a:bodyPr anchorCtr="0" anchor="t" bIns="91425" lIns="91425" spcFirstLastPara="1" rIns="91425" wrap="square" tIns="91425">
-            <a:normAutofit/>
-          </a:bodyPr>
-          <a:lstStyle/>
-          <a:p>
-            <a:pPr indent="0" lvl="0" marL="0" rtl="0" algn="l">
-              <a:spcBef>
-                <a:spcPts val="0"/>
-              </a:spcBef>
-              <a:spcAft>
-                <a:spcPts val="0"/>
-              </a:spcAft>
-              <a:buNone/>
-            </a:pPr>
-            <a:r>
-              <a:rPr lang="en"/>
-              <a:t>Part C - C1.1</a:t>
-            </a:r>
-            <a:endParaRPr/>
-          </a:p>
-        </p:txBody>
-      </p:sp>
-      <p:sp>
-        <p:nvSpPr>
-          <p:cNvPr id="420" name="Google Shape;420;p33"/>
-          <p:cNvSpPr txBox="1"/>
-          <p:nvPr>
-            <p:ph idx="1" type="body"/>
-          </p:nvPr>
-        </p:nvSpPr>
-        <p:spPr>
-          <a:xfrm>
-            <a:off x="1303800" y="1597875"/>
-            <a:ext cx="7030500" cy="2800200"/>
-          </a:xfrm>
-          <a:prstGeom prst="rect">
-            <a:avLst/>
-          </a:prstGeom>
-        </p:spPr>
-        <p:txBody>
-          <a:bodyPr anchorCtr="0" anchor="t" bIns="91425" lIns="91425" spcFirstLastPara="1" rIns="91425" wrap="square" tIns="91425">
-            <a:normAutofit lnSpcReduction="10000"/>
-          </a:bodyPr>
-          <a:lstStyle/>
-          <a:p>
-            <a:pPr indent="0" lvl="0" marL="0" rtl="0" algn="l">
-              <a:spcBef>
-                <a:spcPts val="0"/>
-              </a:spcBef>
-              <a:spcAft>
-                <a:spcPts val="0"/>
-              </a:spcAft>
-              <a:buNone/>
-            </a:pPr>
-            <a:r>
-              <a:rPr lang="en" sz="1800"/>
-              <a:t>We can clearly see that the highest accuracy is for </a:t>
-            </a:r>
-            <a:r>
-              <a:rPr b="1" lang="en" sz="1800"/>
-              <a:t>depth=3</a:t>
-            </a:r>
-            <a:r>
-              <a:rPr lang="en" sz="1800"/>
-              <a:t> with a value of </a:t>
-            </a:r>
-            <a:r>
-              <a:rPr b="1" lang="en" sz="1800"/>
-              <a:t>0.7866</a:t>
-            </a:r>
-            <a:r>
-              <a:rPr lang="en" sz="1800"/>
-              <a:t>. The accuracy has a significant drop at </a:t>
-            </a:r>
-            <a:r>
-              <a:rPr b="1" lang="en" sz="1800"/>
-              <a:t>depth=7</a:t>
-            </a:r>
-            <a:r>
-              <a:rPr lang="en" sz="1800"/>
-              <a:t>, indicating that there's </a:t>
-            </a:r>
-            <a:r>
-              <a:rPr b="1" lang="en" sz="1800"/>
-              <a:t>overfitting</a:t>
-            </a:r>
-            <a:r>
-              <a:rPr lang="en" sz="1800"/>
-              <a:t> and the model fails to generalize. Thus, it is unable to perform well on unseen data.</a:t>
-            </a:r>
-            <a:endParaRPr sz="1800"/>
-          </a:p>
-          <a:p>
-            <a:pPr indent="0" lvl="0" marL="0" rtl="0" algn="l">
-              <a:spcBef>
-                <a:spcPts val="1200"/>
-              </a:spcBef>
-              <a:spcAft>
-                <a:spcPts val="1200"/>
-              </a:spcAft>
-              <a:buNone/>
-            </a:pPr>
-            <a:r>
-              <a:rPr lang="en" sz="1800"/>
-              <a:t>In our case the training set is relatively small (150 samples) so large depth values are not suitable. Keeping the depth to low values between 2−5 is great option if we want to avoid both overfitting and underfitting.</a:t>
-            </a:r>
-            <a:endParaRPr/>
-          </a:p>
-        </p:txBody>
-      </p:sp>
     </p:spTree>
   </p:cSld>
   <p:clrMapOvr>
@@ -21422,7 +21608,7 @@
             </a:pPr>
             <a:r>
               <a:rPr lang="en"/>
-              <a:t>Part C - C1.2</a:t>
+              <a:t>Part C - C1.1</a:t>
             </a:r>
             <a:endParaRPr/>
           </a:p>
@@ -21431,6 +21617,159 @@
       <p:sp>
         <p:nvSpPr>
           <p:cNvPr id="426" name="Google Shape;426;p34"/>
+          <p:cNvSpPr txBox="1"/>
+          <p:nvPr>
+            <p:ph idx="1" type="body"/>
+          </p:nvPr>
+        </p:nvSpPr>
+        <p:spPr>
+          <a:xfrm>
+            <a:off x="1303800" y="1597875"/>
+            <a:ext cx="7030500" cy="2800200"/>
+          </a:xfrm>
+          <a:prstGeom prst="rect">
+            <a:avLst/>
+          </a:prstGeom>
+        </p:spPr>
+        <p:txBody>
+          <a:bodyPr anchorCtr="0" anchor="t" bIns="91425" lIns="91425" spcFirstLastPara="1" rIns="91425" wrap="square" tIns="91425">
+            <a:normAutofit lnSpcReduction="10000"/>
+          </a:bodyPr>
+          <a:lstStyle/>
+          <a:p>
+            <a:pPr indent="0" lvl="0" marL="0" rtl="0" algn="l">
+              <a:spcBef>
+                <a:spcPts val="0"/>
+              </a:spcBef>
+              <a:spcAft>
+                <a:spcPts val="0"/>
+              </a:spcAft>
+              <a:buNone/>
+            </a:pPr>
+            <a:r>
+              <a:rPr lang="en" sz="1800"/>
+              <a:t>We can clearly see that the highest accuracy is for </a:t>
+            </a:r>
+            <a:r>
+              <a:rPr b="1" lang="en" sz="1800"/>
+              <a:t>depth=3</a:t>
+            </a:r>
+            <a:r>
+              <a:rPr lang="en" sz="1800"/>
+              <a:t> with a value of </a:t>
+            </a:r>
+            <a:r>
+              <a:rPr b="1" lang="en" sz="1800"/>
+              <a:t>0.7866</a:t>
+            </a:r>
+            <a:r>
+              <a:rPr lang="en" sz="1800"/>
+              <a:t>. The accuracy has a significant drop at </a:t>
+            </a:r>
+            <a:r>
+              <a:rPr b="1" lang="en" sz="1800"/>
+              <a:t>depth=7</a:t>
+            </a:r>
+            <a:r>
+              <a:rPr lang="en" sz="1800"/>
+              <a:t>, indicating that there's </a:t>
+            </a:r>
+            <a:r>
+              <a:rPr b="1" lang="en" sz="1800"/>
+              <a:t>overfitting</a:t>
+            </a:r>
+            <a:r>
+              <a:rPr lang="en" sz="1800"/>
+              <a:t> and the model fails to generalize. Thus, it is unable to perform well on unseen data.</a:t>
+            </a:r>
+            <a:endParaRPr sz="1800"/>
+          </a:p>
+          <a:p>
+            <a:pPr indent="0" lvl="0" marL="0" rtl="0" algn="l">
+              <a:spcBef>
+                <a:spcPts val="1200"/>
+              </a:spcBef>
+              <a:spcAft>
+                <a:spcPts val="1200"/>
+              </a:spcAft>
+              <a:buNone/>
+            </a:pPr>
+            <a:r>
+              <a:rPr lang="en" sz="1800"/>
+              <a:t>In our case the training set is relatively small (150 samples) so large depth values are not suitable. Keeping the depth to low values between 2−5 is great option if we want to avoid both overfitting and underfitting.</a:t>
+            </a:r>
+            <a:endParaRPr/>
+          </a:p>
+        </p:txBody>
+      </p:sp>
+    </p:spTree>
+  </p:cSld>
+  <p:clrMapOvr>
+    <a:masterClrMapping/>
+  </p:clrMapOvr>
+</p:sld>
+</file>
+
+<file path=ppt/slides/slide23.xml><?xml version="1.0" encoding="utf-8"?>
+<p:sld xmlns:a="http://schemas.openxmlformats.org/drawingml/2006/main" xmlns:r="http://schemas.openxmlformats.org/officeDocument/2006/relationships" xmlns:mc="http://schemas.openxmlformats.org/markup-compatibility/2006" xmlns:mv="urn:schemas-microsoft-com:mac:vml" xmlns:p="http://schemas.openxmlformats.org/presentationml/2006/main" xmlns:c="http://schemas.openxmlformats.org/drawingml/2006/chart" xmlns:dgm="http://schemas.openxmlformats.org/drawingml/2006/diagram" xmlns:o="urn:schemas-microsoft-com:office:office" xmlns:v="urn:schemas-microsoft-com:vml" xmlns:pvml="urn:schemas-microsoft-com:office:powerpoint" xmlns:com="http://schemas.openxmlformats.org/drawingml/2006/compatibility" xmlns:p14="http://schemas.microsoft.com/office/powerpoint/2010/main" xmlns:p15="http://schemas.microsoft.com/office/powerpoint/2012/main" xmlns:ahyp="http://schemas.microsoft.com/office/drawing/2018/hyperlinkcolor">
+  <p:cSld>
+    <p:spTree>
+      <p:nvGrpSpPr>
+        <p:cNvPr id="430" name="Shape 430"/>
+        <p:cNvGrpSpPr/>
+        <p:nvPr/>
+      </p:nvGrpSpPr>
+      <p:grpSpPr>
+        <a:xfrm>
+          <a:off x="0" y="0"/>
+          <a:ext cx="0" cy="0"/>
+          <a:chOff x="0" y="0"/>
+          <a:chExt cx="0" cy="0"/>
+        </a:xfrm>
+      </p:grpSpPr>
+      <p:sp>
+        <p:nvSpPr>
+          <p:cNvPr id="431" name="Google Shape;431;p35"/>
+          <p:cNvSpPr txBox="1"/>
+          <p:nvPr>
+            <p:ph type="title"/>
+          </p:nvPr>
+        </p:nvSpPr>
+        <p:spPr>
+          <a:xfrm>
+            <a:off x="1303800" y="598575"/>
+            <a:ext cx="7030500" cy="999300"/>
+          </a:xfrm>
+          <a:prstGeom prst="rect">
+            <a:avLst/>
+          </a:prstGeom>
+        </p:spPr>
+        <p:txBody>
+          <a:bodyPr anchorCtr="0" anchor="t" bIns="91425" lIns="91425" spcFirstLastPara="1" rIns="91425" wrap="square" tIns="91425">
+            <a:normAutofit/>
+          </a:bodyPr>
+          <a:lstStyle/>
+          <a:p>
+            <a:pPr indent="0" lvl="0" marL="0" rtl="0" algn="l">
+              <a:spcBef>
+                <a:spcPts val="0"/>
+              </a:spcBef>
+              <a:spcAft>
+                <a:spcPts val="0"/>
+              </a:spcAft>
+              <a:buNone/>
+            </a:pPr>
+            <a:r>
+              <a:rPr lang="en"/>
+              <a:t>Part C - C1.2</a:t>
+            </a:r>
+            <a:endParaRPr/>
+          </a:p>
+        </p:txBody>
+      </p:sp>
+      <p:sp>
+        <p:nvSpPr>
+          <p:cNvPr id="432" name="Google Shape;432;p35"/>
           <p:cNvSpPr txBox="1"/>
           <p:nvPr>
             <p:ph idx="1" type="body"/>
@@ -21471,7 +21810,7 @@
       </p:sp>
       <p:pic>
         <p:nvPicPr>
-          <p:cNvPr id="427" name="Google Shape;427;p34"/>
+          <p:cNvPr id="433" name="Google Shape;433;p35"/>
           <p:cNvPicPr preferRelativeResize="0"/>
           <p:nvPr/>
         </p:nvPicPr>
@@ -21497,143 +21836,6 @@
           </a:ln>
         </p:spPr>
       </p:pic>
-    </p:spTree>
-  </p:cSld>
-  <p:clrMapOvr>
-    <a:masterClrMapping/>
-  </p:clrMapOvr>
-</p:sld>
-</file>
-
-<file path=ppt/slides/slide23.xml><?xml version="1.0" encoding="utf-8"?>
-<p:sld xmlns:a="http://schemas.openxmlformats.org/drawingml/2006/main" xmlns:r="http://schemas.openxmlformats.org/officeDocument/2006/relationships" xmlns:mc="http://schemas.openxmlformats.org/markup-compatibility/2006" xmlns:mv="urn:schemas-microsoft-com:mac:vml" xmlns:p="http://schemas.openxmlformats.org/presentationml/2006/main" xmlns:c="http://schemas.openxmlformats.org/drawingml/2006/chart" xmlns:dgm="http://schemas.openxmlformats.org/drawingml/2006/diagram" xmlns:o="urn:schemas-microsoft-com:office:office" xmlns:v="urn:schemas-microsoft-com:vml" xmlns:pvml="urn:schemas-microsoft-com:office:powerpoint" xmlns:com="http://schemas.openxmlformats.org/drawingml/2006/compatibility" xmlns:p14="http://schemas.microsoft.com/office/powerpoint/2010/main" xmlns:p15="http://schemas.microsoft.com/office/powerpoint/2012/main" xmlns:ahyp="http://schemas.microsoft.com/office/drawing/2018/hyperlinkcolor">
-  <p:cSld>
-    <p:spTree>
-      <p:nvGrpSpPr>
-        <p:cNvPr id="431" name="Shape 431"/>
-        <p:cNvGrpSpPr/>
-        <p:nvPr/>
-      </p:nvGrpSpPr>
-      <p:grpSpPr>
-        <a:xfrm>
-          <a:off x="0" y="0"/>
-          <a:ext cx="0" cy="0"/>
-          <a:chOff x="0" y="0"/>
-          <a:chExt cx="0" cy="0"/>
-        </a:xfrm>
-      </p:grpSpPr>
-      <p:sp>
-        <p:nvSpPr>
-          <p:cNvPr id="432" name="Google Shape;432;p35"/>
-          <p:cNvSpPr txBox="1"/>
-          <p:nvPr>
-            <p:ph type="title"/>
-          </p:nvPr>
-        </p:nvSpPr>
-        <p:spPr>
-          <a:xfrm>
-            <a:off x="1303800" y="598575"/>
-            <a:ext cx="7030500" cy="999300"/>
-          </a:xfrm>
-          <a:prstGeom prst="rect">
-            <a:avLst/>
-          </a:prstGeom>
-        </p:spPr>
-        <p:txBody>
-          <a:bodyPr anchorCtr="0" anchor="t" bIns="91425" lIns="91425" spcFirstLastPara="1" rIns="91425" wrap="square" tIns="91425">
-            <a:normAutofit/>
-          </a:bodyPr>
-          <a:lstStyle/>
-          <a:p>
-            <a:pPr indent="0" lvl="0" marL="0" rtl="0" algn="l">
-              <a:spcBef>
-                <a:spcPts val="0"/>
-              </a:spcBef>
-              <a:spcAft>
-                <a:spcPts val="0"/>
-              </a:spcAft>
-              <a:buNone/>
-            </a:pPr>
-            <a:r>
-              <a:rPr lang="en"/>
-              <a:t>Part C - C2.1</a:t>
-            </a:r>
-            <a:endParaRPr/>
-          </a:p>
-        </p:txBody>
-      </p:sp>
-      <p:sp>
-        <p:nvSpPr>
-          <p:cNvPr id="433" name="Google Shape;433;p35"/>
-          <p:cNvSpPr txBox="1"/>
-          <p:nvPr>
-            <p:ph idx="1" type="body"/>
-          </p:nvPr>
-        </p:nvSpPr>
-        <p:spPr>
-          <a:xfrm>
-            <a:off x="1303800" y="1689250"/>
-            <a:ext cx="7030500" cy="2541600"/>
-          </a:xfrm>
-          <a:prstGeom prst="rect">
-            <a:avLst/>
-          </a:prstGeom>
-        </p:spPr>
-        <p:txBody>
-          <a:bodyPr anchorCtr="0" anchor="t" bIns="91425" lIns="91425" spcFirstLastPara="1" rIns="91425" wrap="square" tIns="91425">
-            <a:normAutofit/>
-          </a:bodyPr>
-          <a:lstStyle/>
-          <a:p>
-            <a:pPr indent="0" lvl="0" marL="0" rtl="0" algn="l">
-              <a:spcBef>
-                <a:spcPts val="0"/>
-              </a:spcBef>
-              <a:spcAft>
-                <a:spcPts val="0"/>
-              </a:spcAft>
-              <a:buNone/>
-            </a:pPr>
-            <a:r>
-              <a:rPr lang="en" sz="1800"/>
-              <a:t>In this section we are using Random Forest Classifier with bootstrap enabled, that creates 100 trees using 50% of the training points.</a:t>
-            </a:r>
-            <a:endParaRPr sz="1800"/>
-          </a:p>
-          <a:p>
-            <a:pPr indent="0" lvl="0" marL="0" rtl="0" algn="l">
-              <a:spcBef>
-                <a:spcPts val="1200"/>
-              </a:spcBef>
-              <a:spcAft>
-                <a:spcPts val="1200"/>
-              </a:spcAft>
-              <a:buNone/>
-            </a:pPr>
-            <a:r>
-              <a:rPr lang="en" sz="1800"/>
-              <a:t>Just like before, we're going to iterate over the depth values </a:t>
-            </a:r>
-            <a:r>
-              <a:rPr b="1" lang="en" sz="1800"/>
-              <a:t>[1,15]</a:t>
-            </a:r>
-            <a:r>
-              <a:rPr lang="en" sz="1800"/>
-              <a:t> and for each one create a random forest with </a:t>
-            </a:r>
-            <a:r>
-              <a:rPr b="1" lang="en" sz="1800"/>
-              <a:t>γ=0.5</a:t>
-            </a:r>
-            <a:r>
-              <a:rPr lang="en" sz="1800"/>
-              <a:t>. Our aim is to find the depth with the highest accuracy.</a:t>
-            </a:r>
-            <a:endParaRPr sz="1800"/>
-          </a:p>
-        </p:txBody>
-      </p:sp>
     </p:spTree>
   </p:cSld>
   <p:clrMapOvr>
@@ -21709,6 +21911,143 @@
         </p:nvSpPr>
         <p:spPr>
           <a:xfrm>
+            <a:off x="1303800" y="1689250"/>
+            <a:ext cx="7030500" cy="2541600"/>
+          </a:xfrm>
+          <a:prstGeom prst="rect">
+            <a:avLst/>
+          </a:prstGeom>
+        </p:spPr>
+        <p:txBody>
+          <a:bodyPr anchorCtr="0" anchor="t" bIns="91425" lIns="91425" spcFirstLastPara="1" rIns="91425" wrap="square" tIns="91425">
+            <a:normAutofit/>
+          </a:bodyPr>
+          <a:lstStyle/>
+          <a:p>
+            <a:pPr indent="0" lvl="0" marL="0" rtl="0" algn="l">
+              <a:spcBef>
+                <a:spcPts val="0"/>
+              </a:spcBef>
+              <a:spcAft>
+                <a:spcPts val="0"/>
+              </a:spcAft>
+              <a:buNone/>
+            </a:pPr>
+            <a:r>
+              <a:rPr lang="en" sz="1800"/>
+              <a:t>In this section we are using Random Forest Classifier with bootstrap enabled, that creates 100 trees using 50% of the training points.</a:t>
+            </a:r>
+            <a:endParaRPr sz="1800"/>
+          </a:p>
+          <a:p>
+            <a:pPr indent="0" lvl="0" marL="0" rtl="0" algn="l">
+              <a:spcBef>
+                <a:spcPts val="1200"/>
+              </a:spcBef>
+              <a:spcAft>
+                <a:spcPts val="1200"/>
+              </a:spcAft>
+              <a:buNone/>
+            </a:pPr>
+            <a:r>
+              <a:rPr lang="en" sz="1800"/>
+              <a:t>Just like before, we're going to iterate over the depth values </a:t>
+            </a:r>
+            <a:r>
+              <a:rPr b="1" lang="en" sz="1800"/>
+              <a:t>[1,15]</a:t>
+            </a:r>
+            <a:r>
+              <a:rPr lang="en" sz="1800"/>
+              <a:t> and for each one create a random forest with </a:t>
+            </a:r>
+            <a:r>
+              <a:rPr b="1" lang="en" sz="1800"/>
+              <a:t>γ=0.5</a:t>
+            </a:r>
+            <a:r>
+              <a:rPr lang="en" sz="1800"/>
+              <a:t>. Our aim is to find the depth with the highest accuracy.</a:t>
+            </a:r>
+            <a:endParaRPr sz="1800"/>
+          </a:p>
+        </p:txBody>
+      </p:sp>
+    </p:spTree>
+  </p:cSld>
+  <p:clrMapOvr>
+    <a:masterClrMapping/>
+  </p:clrMapOvr>
+</p:sld>
+</file>
+
+<file path=ppt/slides/slide25.xml><?xml version="1.0" encoding="utf-8"?>
+<p:sld xmlns:a="http://schemas.openxmlformats.org/drawingml/2006/main" xmlns:r="http://schemas.openxmlformats.org/officeDocument/2006/relationships" xmlns:mc="http://schemas.openxmlformats.org/markup-compatibility/2006" xmlns:mv="urn:schemas-microsoft-com:mac:vml" xmlns:p="http://schemas.openxmlformats.org/presentationml/2006/main" xmlns:c="http://schemas.openxmlformats.org/drawingml/2006/chart" xmlns:dgm="http://schemas.openxmlformats.org/drawingml/2006/diagram" xmlns:o="urn:schemas-microsoft-com:office:office" xmlns:v="urn:schemas-microsoft-com:vml" xmlns:pvml="urn:schemas-microsoft-com:office:powerpoint" xmlns:com="http://schemas.openxmlformats.org/drawingml/2006/compatibility" xmlns:p14="http://schemas.microsoft.com/office/powerpoint/2010/main" xmlns:p15="http://schemas.microsoft.com/office/powerpoint/2012/main" xmlns:ahyp="http://schemas.microsoft.com/office/drawing/2018/hyperlinkcolor">
+  <p:cSld>
+    <p:spTree>
+      <p:nvGrpSpPr>
+        <p:cNvPr id="443" name="Shape 443"/>
+        <p:cNvGrpSpPr/>
+        <p:nvPr/>
+      </p:nvGrpSpPr>
+      <p:grpSpPr>
+        <a:xfrm>
+          <a:off x="0" y="0"/>
+          <a:ext cx="0" cy="0"/>
+          <a:chOff x="0" y="0"/>
+          <a:chExt cx="0" cy="0"/>
+        </a:xfrm>
+      </p:grpSpPr>
+      <p:sp>
+        <p:nvSpPr>
+          <p:cNvPr id="444" name="Google Shape;444;p37"/>
+          <p:cNvSpPr txBox="1"/>
+          <p:nvPr>
+            <p:ph type="title"/>
+          </p:nvPr>
+        </p:nvSpPr>
+        <p:spPr>
+          <a:xfrm>
+            <a:off x="1303800" y="598575"/>
+            <a:ext cx="7030500" cy="999300"/>
+          </a:xfrm>
+          <a:prstGeom prst="rect">
+            <a:avLst/>
+          </a:prstGeom>
+        </p:spPr>
+        <p:txBody>
+          <a:bodyPr anchorCtr="0" anchor="t" bIns="91425" lIns="91425" spcFirstLastPara="1" rIns="91425" wrap="square" tIns="91425">
+            <a:normAutofit/>
+          </a:bodyPr>
+          <a:lstStyle/>
+          <a:p>
+            <a:pPr indent="0" lvl="0" marL="0" rtl="0" algn="l">
+              <a:spcBef>
+                <a:spcPts val="0"/>
+              </a:spcBef>
+              <a:spcAft>
+                <a:spcPts val="0"/>
+              </a:spcAft>
+              <a:buNone/>
+            </a:pPr>
+            <a:r>
+              <a:rPr lang="en"/>
+              <a:t>Part C - C2.1</a:t>
+            </a:r>
+            <a:endParaRPr/>
+          </a:p>
+        </p:txBody>
+      </p:sp>
+      <p:sp>
+        <p:nvSpPr>
+          <p:cNvPr id="445" name="Google Shape;445;p37"/>
+          <p:cNvSpPr txBox="1"/>
+          <p:nvPr>
+            <p:ph idx="1" type="body"/>
+          </p:nvPr>
+        </p:nvSpPr>
+        <p:spPr>
+          <a:xfrm>
             <a:off x="1696475" y="1250775"/>
             <a:ext cx="7030500" cy="2541600"/>
           </a:xfrm>
@@ -21745,7 +22084,7 @@
       </p:sp>
       <p:pic>
         <p:nvPicPr>
-          <p:cNvPr id="440" name="Google Shape;440;p36"/>
+          <p:cNvPr id="446" name="Google Shape;446;p37"/>
           <p:cNvPicPr preferRelativeResize="0"/>
           <p:nvPr/>
         </p:nvPicPr>
@@ -21773,7 +22112,7 @@
       </p:pic>
       <p:sp>
         <p:nvSpPr>
-          <p:cNvPr id="441" name="Google Shape;441;p36"/>
+          <p:cNvPr id="447" name="Google Shape;447;p37"/>
           <p:cNvSpPr txBox="1"/>
           <p:nvPr/>
         </p:nvSpPr>
@@ -21888,12 +22227,12 @@
 </p:sld>
 </file>
 
-<file path=ppt/slides/slide25.xml><?xml version="1.0" encoding="utf-8"?>
+<file path=ppt/slides/slide26.xml><?xml version="1.0" encoding="utf-8"?>
 <p:sld xmlns:a="http://schemas.openxmlformats.org/drawingml/2006/main" xmlns:r="http://schemas.openxmlformats.org/officeDocument/2006/relationships" xmlns:mc="http://schemas.openxmlformats.org/markup-compatibility/2006" xmlns:mv="urn:schemas-microsoft-com:mac:vml" xmlns:p="http://schemas.openxmlformats.org/presentationml/2006/main" xmlns:c="http://schemas.openxmlformats.org/drawingml/2006/chart" xmlns:dgm="http://schemas.openxmlformats.org/drawingml/2006/diagram" xmlns:o="urn:schemas-microsoft-com:office:office" xmlns:v="urn:schemas-microsoft-com:vml" xmlns:pvml="urn:schemas-microsoft-com:office:powerpoint" xmlns:com="http://schemas.openxmlformats.org/drawingml/2006/compatibility" xmlns:p14="http://schemas.microsoft.com/office/powerpoint/2010/main" xmlns:p15="http://schemas.microsoft.com/office/powerpoint/2012/main" xmlns:ahyp="http://schemas.microsoft.com/office/drawing/2018/hyperlinkcolor">
   <p:cSld>
     <p:spTree>
       <p:nvGrpSpPr>
-        <p:cNvPr id="445" name="Shape 445"/>
+        <p:cNvPr id="451" name="Shape 451"/>
         <p:cNvGrpSpPr/>
         <p:nvPr/>
       </p:nvGrpSpPr>
@@ -21907,7 +22246,7 @@
       </p:grpSpPr>
       <p:sp>
         <p:nvSpPr>
-          <p:cNvPr id="446" name="Google Shape;446;p37"/>
+          <p:cNvPr id="452" name="Google Shape;452;p38"/>
           <p:cNvSpPr txBox="1"/>
           <p:nvPr>
             <p:ph type="title"/>
@@ -21947,7 +22286,7 @@
       </p:sp>
       <p:sp>
         <p:nvSpPr>
-          <p:cNvPr id="447" name="Google Shape;447;p37"/>
+          <p:cNvPr id="453" name="Google Shape;453;p38"/>
           <p:cNvSpPr txBox="1"/>
           <p:nvPr>
             <p:ph idx="1" type="body"/>
@@ -21987,7 +22326,7 @@
       </p:sp>
       <p:pic>
         <p:nvPicPr>
-          <p:cNvPr id="448" name="Google Shape;448;p37"/>
+          <p:cNvPr id="454" name="Google Shape;454;p38"/>
           <p:cNvPicPr preferRelativeResize="0"/>
           <p:nvPr/>
         </p:nvPicPr>
@@ -22013,158 +22352,6 @@
           </a:ln>
         </p:spPr>
       </p:pic>
-    </p:spTree>
-  </p:cSld>
-  <p:clrMapOvr>
-    <a:masterClrMapping/>
-  </p:clrMapOvr>
-</p:sld>
-</file>
-
-<file path=ppt/slides/slide26.xml><?xml version="1.0" encoding="utf-8"?>
-<p:sld xmlns:a="http://schemas.openxmlformats.org/drawingml/2006/main" xmlns:r="http://schemas.openxmlformats.org/officeDocument/2006/relationships" xmlns:mc="http://schemas.openxmlformats.org/markup-compatibility/2006" xmlns:mv="urn:schemas-microsoft-com:mac:vml" xmlns:p="http://schemas.openxmlformats.org/presentationml/2006/main" xmlns:c="http://schemas.openxmlformats.org/drawingml/2006/chart" xmlns:dgm="http://schemas.openxmlformats.org/drawingml/2006/diagram" xmlns:o="urn:schemas-microsoft-com:office:office" xmlns:v="urn:schemas-microsoft-com:vml" xmlns:pvml="urn:schemas-microsoft-com:office:powerpoint" xmlns:com="http://schemas.openxmlformats.org/drawingml/2006/compatibility" xmlns:p14="http://schemas.microsoft.com/office/powerpoint/2010/main" xmlns:p15="http://schemas.microsoft.com/office/powerpoint/2012/main" xmlns:ahyp="http://schemas.microsoft.com/office/drawing/2018/hyperlinkcolor">
-  <p:cSld>
-    <p:spTree>
-      <p:nvGrpSpPr>
-        <p:cNvPr id="452" name="Shape 452"/>
-        <p:cNvGrpSpPr/>
-        <p:nvPr/>
-      </p:nvGrpSpPr>
-      <p:grpSpPr>
-        <a:xfrm>
-          <a:off x="0" y="0"/>
-          <a:ext cx="0" cy="0"/>
-          <a:chOff x="0" y="0"/>
-          <a:chExt cx="0" cy="0"/>
-        </a:xfrm>
-      </p:grpSpPr>
-      <p:sp>
-        <p:nvSpPr>
-          <p:cNvPr id="453" name="Google Shape;453;p38"/>
-          <p:cNvSpPr txBox="1"/>
-          <p:nvPr>
-            <p:ph type="title"/>
-          </p:nvPr>
-        </p:nvSpPr>
-        <p:spPr>
-          <a:xfrm>
-            <a:off x="1303800" y="598575"/>
-            <a:ext cx="7030500" cy="999300"/>
-          </a:xfrm>
-          <a:prstGeom prst="rect">
-            <a:avLst/>
-          </a:prstGeom>
-        </p:spPr>
-        <p:txBody>
-          <a:bodyPr anchorCtr="0" anchor="t" bIns="91425" lIns="91425" spcFirstLastPara="1" rIns="91425" wrap="square" tIns="91425">
-            <a:normAutofit/>
-          </a:bodyPr>
-          <a:lstStyle/>
-          <a:p>
-            <a:pPr indent="0" lvl="0" marL="0" rtl="0" algn="l">
-              <a:spcBef>
-                <a:spcPts val="0"/>
-              </a:spcBef>
-              <a:spcAft>
-                <a:spcPts val="0"/>
-              </a:spcAft>
-              <a:buNone/>
-            </a:pPr>
-            <a:r>
-              <a:rPr lang="en"/>
-              <a:t>Part C - C2.3 </a:t>
-            </a:r>
-            <a:endParaRPr/>
-          </a:p>
-        </p:txBody>
-      </p:sp>
-      <p:sp>
-        <p:nvSpPr>
-          <p:cNvPr id="454" name="Google Shape;454;p38"/>
-          <p:cNvSpPr txBox="1"/>
-          <p:nvPr>
-            <p:ph idx="1" type="body"/>
-          </p:nvPr>
-        </p:nvSpPr>
-        <p:spPr>
-          <a:xfrm>
-            <a:off x="958350" y="1597875"/>
-            <a:ext cx="7721400" cy="3413700"/>
-          </a:xfrm>
-          <a:prstGeom prst="rect">
-            <a:avLst/>
-          </a:prstGeom>
-        </p:spPr>
-        <p:txBody>
-          <a:bodyPr anchorCtr="0" anchor="t" bIns="91425" lIns="91425" spcFirstLastPara="1" rIns="91425" wrap="square" tIns="91425">
-            <a:noAutofit/>
-          </a:bodyPr>
-          <a:lstStyle/>
-          <a:p>
-            <a:pPr indent="0" lvl="0" marL="0" marR="190500" rtl="0" algn="l">
-              <a:spcBef>
-                <a:spcPts val="0"/>
-              </a:spcBef>
-              <a:spcAft>
-                <a:spcPts val="0"/>
-              </a:spcAft>
-              <a:buNone/>
-            </a:pPr>
-            <a:r>
-              <a:rPr lang="en" sz="1800"/>
-              <a:t>Comparing the 2 decision boundaries we can conclude that the random forest classifier with γ = 0.5 achieves </a:t>
-            </a:r>
-            <a:r>
-              <a:rPr b="1" lang="en" sz="1800"/>
-              <a:t>higher accuracy</a:t>
-            </a:r>
-            <a:r>
-              <a:rPr lang="en" sz="1800"/>
-              <a:t> than the single decision tree classifier. </a:t>
-            </a:r>
-            <a:endParaRPr sz="1800"/>
-          </a:p>
-          <a:p>
-            <a:pPr indent="0" lvl="0" marL="0" marR="190500" rtl="0" algn="l">
-              <a:spcBef>
-                <a:spcPts val="500"/>
-              </a:spcBef>
-              <a:spcAft>
-                <a:spcPts val="0"/>
-              </a:spcAft>
-              <a:buNone/>
-            </a:pPr>
-            <a:r>
-              <a:rPr lang="en" sz="1800"/>
-              <a:t>The decision tree produces more rectangular boundaries while the random forest, by combining multiple trees, generates </a:t>
-            </a:r>
-            <a:r>
-              <a:rPr b="1" lang="en" sz="1800"/>
-              <a:t>smoother and more flexible boundaries</a:t>
-            </a:r>
-            <a:r>
-              <a:rPr lang="en" sz="1800"/>
-              <a:t>, better capturing complex patterns in the data. Using γ=0.5 ensures a balance between diversity and accuracy by training each tree on 50% of the data. This configuration avoids overfitting while maintaining a sufficient amount of information for accurate predictions.</a:t>
-            </a:r>
-            <a:endParaRPr sz="1800"/>
-          </a:p>
-          <a:p>
-            <a:pPr indent="0" lvl="0" marL="0" marR="190500" rtl="0" algn="l">
-              <a:spcBef>
-                <a:spcPts val="500"/>
-              </a:spcBef>
-              <a:spcAft>
-                <a:spcPts val="500"/>
-              </a:spcAft>
-              <a:buNone/>
-            </a:pPr>
-            <a:r>
-              <a:t/>
-            </a:r>
-            <a:endParaRPr sz="1800"/>
-          </a:p>
-        </p:txBody>
-      </p:sp>
     </p:spTree>
   </p:cSld>
   <p:clrMapOvr>
@@ -22209,7 +22396,7 @@
         </p:spPr>
         <p:txBody>
           <a:bodyPr anchorCtr="0" anchor="t" bIns="91425" lIns="91425" spcFirstLastPara="1" rIns="91425" wrap="square" tIns="91425">
-            <a:normAutofit fontScale="90000"/>
+            <a:normAutofit/>
           </a:bodyPr>
           <a:lstStyle/>
           <a:p>
@@ -22225,21 +22412,6 @@
             <a:r>
               <a:rPr lang="en"/>
               <a:t>Part C - C2.3 </a:t>
-            </a:r>
-            <a:endParaRPr/>
-          </a:p>
-          <a:p>
-            <a:pPr indent="0" lvl="0" marL="0" rtl="0" algn="l">
-              <a:spcBef>
-                <a:spcPts val="0"/>
-              </a:spcBef>
-              <a:spcAft>
-                <a:spcPts val="0"/>
-              </a:spcAft>
-              <a:buNone/>
-            </a:pPr>
-            <a:r>
-              <a:t/>
             </a:r>
             <a:endParaRPr/>
           </a:p>
@@ -22248,6 +22420,173 @@
       <p:sp>
         <p:nvSpPr>
           <p:cNvPr id="460" name="Google Shape;460;p39"/>
+          <p:cNvSpPr txBox="1"/>
+          <p:nvPr>
+            <p:ph idx="1" type="body"/>
+          </p:nvPr>
+        </p:nvSpPr>
+        <p:spPr>
+          <a:xfrm>
+            <a:off x="958350" y="1433475"/>
+            <a:ext cx="7721400" cy="3413700"/>
+          </a:xfrm>
+          <a:prstGeom prst="rect">
+            <a:avLst/>
+          </a:prstGeom>
+        </p:spPr>
+        <p:txBody>
+          <a:bodyPr anchorCtr="0" anchor="t" bIns="91425" lIns="91425" spcFirstLastPara="1" rIns="91425" wrap="square" tIns="91425">
+            <a:noAutofit/>
+          </a:bodyPr>
+          <a:lstStyle/>
+          <a:p>
+            <a:pPr indent="0" lvl="0" marL="0" marR="190500" rtl="0" algn="l">
+              <a:spcBef>
+                <a:spcPts val="0"/>
+              </a:spcBef>
+              <a:spcAft>
+                <a:spcPts val="0"/>
+              </a:spcAft>
+              <a:buNone/>
+            </a:pPr>
+            <a:r>
+              <a:rPr lang="en" sz="1800"/>
+              <a:t>Comparing the 2 decision boundaries we can conclude that the random forest classifier with γ = 0.5 achieves </a:t>
+            </a:r>
+            <a:r>
+              <a:rPr b="1" lang="en" sz="1800"/>
+              <a:t>higher accuracy</a:t>
+            </a:r>
+            <a:r>
+              <a:rPr lang="en" sz="1800"/>
+              <a:t> than the single decision tree classifier. </a:t>
+            </a:r>
+            <a:endParaRPr sz="1800"/>
+          </a:p>
+          <a:p>
+            <a:pPr indent="0" lvl="0" marL="0" marR="190500" rtl="0" algn="l">
+              <a:spcBef>
+                <a:spcPts val="500"/>
+              </a:spcBef>
+              <a:spcAft>
+                <a:spcPts val="0"/>
+              </a:spcAft>
+              <a:buNone/>
+            </a:pPr>
+            <a:r>
+              <a:rPr lang="en" sz="1800"/>
+              <a:t>The decision tree produces more rectangular boundaries while the random forest, by combining multiple trees, generates </a:t>
+            </a:r>
+            <a:r>
+              <a:rPr b="1" lang="en" sz="1800"/>
+              <a:t>smoother and more flexible boundaries</a:t>
+            </a:r>
+            <a:r>
+              <a:rPr lang="en" sz="1800"/>
+              <a:t>, better capturing complex patterns in the data. Using γ=0.5 ensures a balance between diversity and accuracy by training each tree on 50% of the data. This configuration avoids overfitting while maintaining a sufficient amount of information for accurate predictions.</a:t>
+            </a:r>
+            <a:endParaRPr sz="1800"/>
+          </a:p>
+          <a:p>
+            <a:pPr indent="0" lvl="0" marL="0" marR="190500" rtl="0" algn="l">
+              <a:spcBef>
+                <a:spcPts val="500"/>
+              </a:spcBef>
+              <a:spcAft>
+                <a:spcPts val="500"/>
+              </a:spcAft>
+              <a:buNone/>
+            </a:pPr>
+            <a:r>
+              <a:t/>
+            </a:r>
+            <a:endParaRPr sz="1800"/>
+          </a:p>
+        </p:txBody>
+      </p:sp>
+    </p:spTree>
+  </p:cSld>
+  <p:clrMapOvr>
+    <a:masterClrMapping/>
+  </p:clrMapOvr>
+</p:sld>
+</file>
+
+<file path=ppt/slides/slide28.xml><?xml version="1.0" encoding="utf-8"?>
+<p:sld xmlns:a="http://schemas.openxmlformats.org/drawingml/2006/main" xmlns:r="http://schemas.openxmlformats.org/officeDocument/2006/relationships" xmlns:mc="http://schemas.openxmlformats.org/markup-compatibility/2006" xmlns:mv="urn:schemas-microsoft-com:mac:vml" xmlns:p="http://schemas.openxmlformats.org/presentationml/2006/main" xmlns:c="http://schemas.openxmlformats.org/drawingml/2006/chart" xmlns:dgm="http://schemas.openxmlformats.org/drawingml/2006/diagram" xmlns:o="urn:schemas-microsoft-com:office:office" xmlns:v="urn:schemas-microsoft-com:vml" xmlns:pvml="urn:schemas-microsoft-com:office:powerpoint" xmlns:com="http://schemas.openxmlformats.org/drawingml/2006/compatibility" xmlns:p14="http://schemas.microsoft.com/office/powerpoint/2010/main" xmlns:p15="http://schemas.microsoft.com/office/powerpoint/2012/main" xmlns:ahyp="http://schemas.microsoft.com/office/drawing/2018/hyperlinkcolor">
+  <p:cSld>
+    <p:spTree>
+      <p:nvGrpSpPr>
+        <p:cNvPr id="464" name="Shape 464"/>
+        <p:cNvGrpSpPr/>
+        <p:nvPr/>
+      </p:nvGrpSpPr>
+      <p:grpSpPr>
+        <a:xfrm>
+          <a:off x="0" y="0"/>
+          <a:ext cx="0" cy="0"/>
+          <a:chOff x="0" y="0"/>
+          <a:chExt cx="0" cy="0"/>
+        </a:xfrm>
+      </p:grpSpPr>
+      <p:sp>
+        <p:nvSpPr>
+          <p:cNvPr id="465" name="Google Shape;465;p40"/>
+          <p:cNvSpPr txBox="1"/>
+          <p:nvPr>
+            <p:ph type="title"/>
+          </p:nvPr>
+        </p:nvSpPr>
+        <p:spPr>
+          <a:xfrm>
+            <a:off x="1303800" y="598575"/>
+            <a:ext cx="7030500" cy="999300"/>
+          </a:xfrm>
+          <a:prstGeom prst="rect">
+            <a:avLst/>
+          </a:prstGeom>
+        </p:spPr>
+        <p:txBody>
+          <a:bodyPr anchorCtr="0" anchor="t" bIns="91425" lIns="91425" spcFirstLastPara="1" rIns="91425" wrap="square" tIns="91425">
+            <a:normAutofit fontScale="90000"/>
+          </a:bodyPr>
+          <a:lstStyle/>
+          <a:p>
+            <a:pPr indent="0" lvl="0" marL="0" rtl="0" algn="l">
+              <a:spcBef>
+                <a:spcPts val="0"/>
+              </a:spcBef>
+              <a:spcAft>
+                <a:spcPts val="0"/>
+              </a:spcAft>
+              <a:buNone/>
+            </a:pPr>
+            <a:r>
+              <a:rPr lang="en"/>
+              <a:t>Part C - C2.3 </a:t>
+            </a:r>
+            <a:endParaRPr/>
+          </a:p>
+          <a:p>
+            <a:pPr indent="0" lvl="0" marL="0" rtl="0" algn="l">
+              <a:spcBef>
+                <a:spcPts val="0"/>
+              </a:spcBef>
+              <a:spcAft>
+                <a:spcPts val="0"/>
+              </a:spcAft>
+              <a:buNone/>
+            </a:pPr>
+            <a:r>
+              <a:t/>
+            </a:r>
+            <a:endParaRPr/>
+          </a:p>
+        </p:txBody>
+      </p:sp>
+      <p:sp>
+        <p:nvSpPr>
+          <p:cNvPr id="466" name="Google Shape;466;p40"/>
           <p:cNvSpPr txBox="1"/>
           <p:nvPr>
             <p:ph idx="1" type="body"/>
@@ -22287,7 +22626,7 @@
       </p:sp>
       <p:pic>
         <p:nvPicPr>
-          <p:cNvPr id="461" name="Google Shape;461;p39"/>
+          <p:cNvPr id="467" name="Google Shape;467;p40"/>
           <p:cNvPicPr preferRelativeResize="0"/>
           <p:nvPr/>
         </p:nvPicPr>
@@ -22321,12 +22660,12 @@
 </p:sld>
 </file>
 
-<file path=ppt/slides/slide28.xml><?xml version="1.0" encoding="utf-8"?>
+<file path=ppt/slides/slide29.xml><?xml version="1.0" encoding="utf-8"?>
 <p:sld xmlns:a="http://schemas.openxmlformats.org/drawingml/2006/main" xmlns:r="http://schemas.openxmlformats.org/officeDocument/2006/relationships" xmlns:mc="http://schemas.openxmlformats.org/markup-compatibility/2006" xmlns:mv="urn:schemas-microsoft-com:mac:vml" xmlns:p="http://schemas.openxmlformats.org/presentationml/2006/main" xmlns:c="http://schemas.openxmlformats.org/drawingml/2006/chart" xmlns:dgm="http://schemas.openxmlformats.org/drawingml/2006/diagram" xmlns:o="urn:schemas-microsoft-com:office:office" xmlns:v="urn:schemas-microsoft-com:vml" xmlns:pvml="urn:schemas-microsoft-com:office:powerpoint" xmlns:com="http://schemas.openxmlformats.org/drawingml/2006/compatibility" xmlns:p14="http://schemas.microsoft.com/office/powerpoint/2010/main" xmlns:p15="http://schemas.microsoft.com/office/powerpoint/2012/main" xmlns:ahyp="http://schemas.microsoft.com/office/drawing/2018/hyperlinkcolor">
   <p:cSld>
     <p:spTree>
       <p:nvGrpSpPr>
-        <p:cNvPr id="465" name="Shape 465"/>
+        <p:cNvPr id="471" name="Shape 471"/>
         <p:cNvGrpSpPr/>
         <p:nvPr/>
       </p:nvGrpSpPr>
@@ -22340,7 +22679,7 @@
       </p:grpSpPr>
       <p:sp>
         <p:nvSpPr>
-          <p:cNvPr id="466" name="Google Shape;466;p40"/>
+          <p:cNvPr id="472" name="Google Shape;472;p41"/>
           <p:cNvSpPr txBox="1"/>
           <p:nvPr>
             <p:ph type="title"/>
@@ -22372,7 +22711,7 @@
             </a:pPr>
             <a:r>
               <a:rPr lang="en"/>
-              <a:t>Part C - C2.3 </a:t>
+              <a:t>Part C - C2.3 - Effect of gamma </a:t>
             </a:r>
             <a:endParaRPr/>
           </a:p>
@@ -22380,7 +22719,7 @@
       </p:sp>
       <p:sp>
         <p:nvSpPr>
-          <p:cNvPr id="467" name="Google Shape;467;p40"/>
+          <p:cNvPr id="473" name="Google Shape;473;p41"/>
           <p:cNvSpPr txBox="1"/>
           <p:nvPr>
             <p:ph idx="1" type="body"/>
@@ -22388,8 +22727,8 @@
         </p:nvSpPr>
         <p:spPr>
           <a:xfrm>
-            <a:off x="1303800" y="1203150"/>
-            <a:ext cx="7840200" cy="1239900"/>
+            <a:off x="1156575" y="1163700"/>
+            <a:ext cx="7721400" cy="3413700"/>
           </a:xfrm>
           <a:prstGeom prst="rect">
             <a:avLst/>
@@ -22397,11 +22736,11 @@
         </p:spPr>
         <p:txBody>
           <a:bodyPr anchorCtr="0" anchor="t" bIns="91425" lIns="91425" spcFirstLastPara="1" rIns="91425" wrap="square" tIns="91425">
-            <a:normAutofit fontScale="47500" lnSpcReduction="10000"/>
+            <a:noAutofit/>
           </a:bodyPr>
           <a:lstStyle/>
           <a:p>
-            <a:pPr indent="0" lvl="0" marL="0" rtl="0" algn="l">
+            <a:pPr indent="0" lvl="0" marL="0" marR="190500" rtl="0" algn="l">
               <a:spcBef>
                 <a:spcPts val="0"/>
               </a:spcBef>
@@ -22411,928 +22750,52 @@
               <a:buNone/>
             </a:pPr>
             <a:r>
-              <a:rPr lang="en" sz="2850">
-                <a:solidFill>
-                  <a:srgbClr val="000000"/>
-                </a:solidFill>
-                <a:highlight>
-                  <a:srgbClr val="FFFFFF"/>
-                </a:highlight>
-                <a:latin typeface="Arial"/>
-                <a:ea typeface="Arial"/>
-                <a:cs typeface="Arial"/>
-                <a:sym typeface="Arial"/>
-              </a:rPr>
-              <a:t>In the Random Forest algorithm, the parameter γ represents the proportion of the training dataset used for each bootstrap sample. It directly influences the diversity and robustness of the model.</a:t>
-            </a:r>
-            <a:endParaRPr sz="2850">
-              <a:solidFill>
-                <a:srgbClr val="000000"/>
-              </a:solidFill>
-              <a:highlight>
-                <a:srgbClr val="FFFFFF"/>
-              </a:highlight>
-              <a:latin typeface="Arial"/>
-              <a:ea typeface="Arial"/>
-              <a:cs typeface="Arial"/>
-              <a:sym typeface="Arial"/>
-            </a:endParaRPr>
-          </a:p>
-          <a:p>
-            <a:pPr indent="0" lvl="0" marL="0" rtl="0" algn="l">
-              <a:spcBef>
-                <a:spcPts val="1100"/>
-              </a:spcBef>
-              <a:spcAft>
-                <a:spcPts val="0"/>
-              </a:spcAft>
-              <a:buNone/>
-            </a:pPr>
-            <a:r>
-              <a:rPr lang="en" sz="2850">
-                <a:solidFill>
-                  <a:srgbClr val="000000"/>
-                </a:solidFill>
-                <a:highlight>
-                  <a:srgbClr val="FFFFFF"/>
-                </a:highlight>
-                <a:latin typeface="Arial"/>
-                <a:ea typeface="Arial"/>
-                <a:cs typeface="Arial"/>
-                <a:sym typeface="Arial"/>
-              </a:rPr>
-              <a:t>Our expected performance based on the γ value is the following:</a:t>
-            </a:r>
-            <a:endParaRPr sz="2850">
-              <a:solidFill>
-                <a:srgbClr val="000000"/>
-              </a:solidFill>
-              <a:highlight>
-                <a:srgbClr val="FFFFFF"/>
-              </a:highlight>
-              <a:latin typeface="Arial"/>
-              <a:ea typeface="Arial"/>
-              <a:cs typeface="Arial"/>
-              <a:sym typeface="Arial"/>
-            </a:endParaRPr>
-          </a:p>
-          <a:p>
-            <a:pPr indent="0" lvl="0" marL="0" rtl="0" algn="l">
-              <a:spcBef>
-                <a:spcPts val="1100"/>
-              </a:spcBef>
-              <a:spcAft>
-                <a:spcPts val="1200"/>
-              </a:spcAft>
-              <a:buNone/>
-            </a:pPr>
-            <a:r>
-              <a:t/>
-            </a:r>
-            <a:endParaRPr/>
-          </a:p>
-        </p:txBody>
-      </p:sp>
-      <p:sp>
-        <p:nvSpPr>
-          <p:cNvPr id="468" name="Google Shape;468;p40"/>
-          <p:cNvSpPr txBox="1"/>
-          <p:nvPr/>
-        </p:nvSpPr>
-        <p:spPr>
-          <a:xfrm>
-            <a:off x="685525" y="2155550"/>
-            <a:ext cx="3777900" cy="3179400"/>
-          </a:xfrm>
-          <a:prstGeom prst="rect">
-            <a:avLst/>
-          </a:prstGeom>
-          <a:noFill/>
-          <a:ln>
-            <a:noFill/>
-          </a:ln>
-        </p:spPr>
-        <p:txBody>
-          <a:bodyPr anchorCtr="0" anchor="t" bIns="91425" lIns="91425" spcFirstLastPara="1" rIns="91425" wrap="square" tIns="91425">
-            <a:spAutoFit/>
-          </a:bodyPr>
-          <a:lstStyle/>
-          <a:p>
-            <a:pPr indent="0" lvl="0" marL="0" rtl="0" algn="l">
-              <a:lnSpc>
-                <a:spcPct val="115000"/>
-              </a:lnSpc>
-              <a:spcBef>
-                <a:spcPts val="0"/>
-              </a:spcBef>
-              <a:spcAft>
-                <a:spcPts val="0"/>
-              </a:spcAft>
-              <a:buNone/>
-            </a:pPr>
-            <a:r>
-              <a:rPr b="1" lang="en" sz="1050">
-                <a:solidFill>
-                  <a:schemeClr val="dk2"/>
-                </a:solidFill>
-                <a:latin typeface="Nunito"/>
-                <a:ea typeface="Nunito"/>
-                <a:cs typeface="Nunito"/>
-                <a:sym typeface="Nunito"/>
-              </a:rPr>
-              <a:t>Small γ</a:t>
-            </a:r>
-            <a:r>
-              <a:rPr lang="en" sz="1050">
-                <a:solidFill>
-                  <a:schemeClr val="dk2"/>
-                </a:solidFill>
-                <a:latin typeface="Nunito"/>
-                <a:ea typeface="Nunito"/>
-                <a:cs typeface="Nunito"/>
-                <a:sym typeface="Nunito"/>
-              </a:rPr>
-              <a:t> (e.g., 20%)</a:t>
-            </a:r>
-            <a:endParaRPr sz="1050">
-              <a:solidFill>
-                <a:schemeClr val="dk2"/>
-              </a:solidFill>
-              <a:latin typeface="Nunito"/>
-              <a:ea typeface="Nunito"/>
-              <a:cs typeface="Nunito"/>
-              <a:sym typeface="Nunito"/>
-            </a:endParaRPr>
-          </a:p>
-          <a:p>
-            <a:pPr indent="-295275" lvl="0" marL="457200" rtl="0" algn="l">
-              <a:lnSpc>
-                <a:spcPct val="115000"/>
-              </a:lnSpc>
-              <a:spcBef>
-                <a:spcPts val="1100"/>
-              </a:spcBef>
-              <a:spcAft>
-                <a:spcPts val="0"/>
-              </a:spcAft>
-              <a:buClr>
-                <a:schemeClr val="dk2"/>
-              </a:buClr>
-              <a:buSzPts val="1050"/>
-              <a:buFont typeface="Nunito"/>
-              <a:buChar char="●"/>
-            </a:pPr>
-            <a:r>
-              <a:rPr lang="en" sz="1050">
-                <a:solidFill>
-                  <a:schemeClr val="dk2"/>
-                </a:solidFill>
-                <a:latin typeface="Nunito"/>
-                <a:ea typeface="Nunito"/>
-                <a:cs typeface="Nunito"/>
-                <a:sym typeface="Nunito"/>
-              </a:rPr>
-              <a:t>Pros: High diversity among trees due to smaller sample sizes. Reduces overfitting, especially for noisy datasets.</a:t>
-            </a:r>
-            <a:endParaRPr sz="1050">
-              <a:solidFill>
-                <a:schemeClr val="dk2"/>
-              </a:solidFill>
-              <a:latin typeface="Nunito"/>
-              <a:ea typeface="Nunito"/>
-              <a:cs typeface="Nunito"/>
-              <a:sym typeface="Nunito"/>
-            </a:endParaRPr>
-          </a:p>
-          <a:p>
-            <a:pPr indent="-295275" lvl="0" marL="457200" rtl="0" algn="l">
-              <a:lnSpc>
-                <a:spcPct val="115000"/>
-              </a:lnSpc>
-              <a:spcBef>
-                <a:spcPts val="0"/>
-              </a:spcBef>
-              <a:spcAft>
-                <a:spcPts val="0"/>
-              </a:spcAft>
-              <a:buClr>
-                <a:schemeClr val="dk2"/>
-              </a:buClr>
-              <a:buSzPts val="1050"/>
-              <a:buFont typeface="Nunito"/>
-              <a:buChar char="●"/>
-            </a:pPr>
-            <a:r>
-              <a:rPr lang="en" sz="1050">
-                <a:solidFill>
-                  <a:schemeClr val="dk2"/>
-                </a:solidFill>
-                <a:latin typeface="Nunito"/>
-                <a:ea typeface="Nunito"/>
-                <a:cs typeface="Nunito"/>
-                <a:sym typeface="Nunito"/>
-              </a:rPr>
-              <a:t>Cons: May lead to underfitting since individual trees are trained on limited data.</a:t>
-            </a:r>
-            <a:endParaRPr sz="1050">
-              <a:solidFill>
-                <a:schemeClr val="dk2"/>
-              </a:solidFill>
-              <a:latin typeface="Nunito"/>
-              <a:ea typeface="Nunito"/>
-              <a:cs typeface="Nunito"/>
-              <a:sym typeface="Nunito"/>
-            </a:endParaRPr>
-          </a:p>
-          <a:p>
-            <a:pPr indent="0" lvl="0" marL="0" rtl="0" algn="l">
-              <a:lnSpc>
-                <a:spcPct val="115000"/>
-              </a:lnSpc>
-              <a:spcBef>
-                <a:spcPts val="1100"/>
-              </a:spcBef>
-              <a:spcAft>
-                <a:spcPts val="0"/>
-              </a:spcAft>
-              <a:buNone/>
-            </a:pPr>
-            <a:r>
-              <a:rPr b="1" lang="en" sz="1050">
-                <a:solidFill>
-                  <a:schemeClr val="dk2"/>
-                </a:solidFill>
-                <a:latin typeface="Nunito"/>
-                <a:ea typeface="Nunito"/>
-                <a:cs typeface="Nunito"/>
-                <a:sym typeface="Nunito"/>
-              </a:rPr>
-              <a:t>Medium γ </a:t>
-            </a:r>
-            <a:r>
-              <a:rPr lang="en" sz="1050">
-                <a:solidFill>
-                  <a:schemeClr val="dk2"/>
-                </a:solidFill>
-                <a:latin typeface="Nunito"/>
-                <a:ea typeface="Nunito"/>
-                <a:cs typeface="Nunito"/>
-                <a:sym typeface="Nunito"/>
-              </a:rPr>
-              <a:t>(e.g., 50%)</a:t>
-            </a:r>
-            <a:endParaRPr sz="1050">
-              <a:solidFill>
-                <a:schemeClr val="dk2"/>
-              </a:solidFill>
-              <a:latin typeface="Nunito"/>
-              <a:ea typeface="Nunito"/>
-              <a:cs typeface="Nunito"/>
-              <a:sym typeface="Nunito"/>
-            </a:endParaRPr>
-          </a:p>
-          <a:p>
-            <a:pPr indent="-295275" lvl="0" marL="457200" rtl="0" algn="l">
-              <a:lnSpc>
-                <a:spcPct val="115000"/>
-              </a:lnSpc>
-              <a:spcBef>
-                <a:spcPts val="1100"/>
-              </a:spcBef>
-              <a:spcAft>
-                <a:spcPts val="0"/>
-              </a:spcAft>
-              <a:buClr>
-                <a:schemeClr val="dk2"/>
-              </a:buClr>
-              <a:buSzPts val="1050"/>
-              <a:buFont typeface="Nunito"/>
-              <a:buChar char="●"/>
-            </a:pPr>
-            <a:r>
-              <a:rPr lang="en" sz="1050">
-                <a:solidFill>
-                  <a:schemeClr val="dk2"/>
-                </a:solidFill>
-                <a:latin typeface="Nunito"/>
-                <a:ea typeface="Nunito"/>
-                <a:cs typeface="Nunito"/>
-                <a:sym typeface="Nunito"/>
-              </a:rPr>
-              <a:t>Pros: Balanced approach between diversity and training data size. Provides sufficient information for each tree to learn patterns while retaining diversity.</a:t>
-            </a:r>
-            <a:endParaRPr sz="1050">
-              <a:solidFill>
-                <a:schemeClr val="dk2"/>
-              </a:solidFill>
-              <a:latin typeface="Nunito"/>
-              <a:ea typeface="Nunito"/>
-              <a:cs typeface="Nunito"/>
-              <a:sym typeface="Nunito"/>
-            </a:endParaRPr>
-          </a:p>
-          <a:p>
-            <a:pPr indent="-295275" lvl="0" marL="457200" rtl="0" algn="l">
-              <a:lnSpc>
-                <a:spcPct val="115000"/>
-              </a:lnSpc>
-              <a:spcBef>
-                <a:spcPts val="0"/>
-              </a:spcBef>
-              <a:spcAft>
-                <a:spcPts val="0"/>
-              </a:spcAft>
-              <a:buClr>
-                <a:schemeClr val="dk2"/>
-              </a:buClr>
-              <a:buSzPts val="1050"/>
-              <a:buFont typeface="Nunito"/>
-              <a:buChar char="●"/>
-            </a:pPr>
-            <a:r>
-              <a:rPr lang="en" sz="1050">
-                <a:solidFill>
-                  <a:schemeClr val="dk2"/>
-                </a:solidFill>
-                <a:latin typeface="Nunito"/>
-                <a:ea typeface="Nunito"/>
-                <a:cs typeface="Nunito"/>
-                <a:sym typeface="Nunito"/>
-              </a:rPr>
-              <a:t>Cons: Might not capture highly complex patterns if data is too sparse.</a:t>
-            </a:r>
-            <a:endParaRPr sz="1050">
-              <a:solidFill>
-                <a:schemeClr val="dk2"/>
-              </a:solidFill>
-              <a:latin typeface="Nunito"/>
-              <a:ea typeface="Nunito"/>
-              <a:cs typeface="Nunito"/>
-              <a:sym typeface="Nunito"/>
-            </a:endParaRPr>
-          </a:p>
-          <a:p>
-            <a:pPr indent="0" lvl="0" marL="0" rtl="0" algn="l">
-              <a:spcBef>
-                <a:spcPts val="1100"/>
-              </a:spcBef>
-              <a:spcAft>
-                <a:spcPts val="0"/>
-              </a:spcAft>
-              <a:buNone/>
-            </a:pPr>
-            <a:r>
-              <a:t/>
-            </a:r>
-            <a:endParaRPr sz="1300">
-              <a:solidFill>
-                <a:schemeClr val="dk2"/>
-              </a:solidFill>
-              <a:latin typeface="Nunito"/>
-              <a:ea typeface="Nunito"/>
-              <a:cs typeface="Nunito"/>
-              <a:sym typeface="Nunito"/>
-            </a:endParaRPr>
-          </a:p>
-        </p:txBody>
-      </p:sp>
-      <p:sp>
-        <p:nvSpPr>
-          <p:cNvPr id="469" name="Google Shape;469;p40"/>
-          <p:cNvSpPr txBox="1"/>
-          <p:nvPr/>
-        </p:nvSpPr>
-        <p:spPr>
-          <a:xfrm>
-            <a:off x="4856075" y="2155550"/>
-            <a:ext cx="4094100" cy="1416600"/>
-          </a:xfrm>
-          <a:prstGeom prst="rect">
-            <a:avLst/>
-          </a:prstGeom>
-          <a:noFill/>
-          <a:ln>
-            <a:noFill/>
-          </a:ln>
-        </p:spPr>
-        <p:txBody>
-          <a:bodyPr anchorCtr="0" anchor="t" bIns="91425" lIns="91425" spcFirstLastPara="1" rIns="91425" wrap="square" tIns="91425">
-            <a:spAutoFit/>
-          </a:bodyPr>
-          <a:lstStyle/>
-          <a:p>
-            <a:pPr indent="0" lvl="0" marL="0" rtl="0" algn="l">
-              <a:lnSpc>
-                <a:spcPct val="115000"/>
-              </a:lnSpc>
-              <a:spcBef>
-                <a:spcPts val="0"/>
-              </a:spcBef>
-              <a:spcAft>
-                <a:spcPts val="0"/>
-              </a:spcAft>
-              <a:buNone/>
-            </a:pPr>
-            <a:r>
-              <a:rPr b="1" lang="en" sz="1050">
-                <a:solidFill>
-                  <a:schemeClr val="dk2"/>
-                </a:solidFill>
-                <a:latin typeface="Nunito"/>
-                <a:ea typeface="Nunito"/>
-                <a:cs typeface="Nunito"/>
-                <a:sym typeface="Nunito"/>
-              </a:rPr>
-              <a:t>Large γ</a:t>
-            </a:r>
-            <a:r>
-              <a:rPr lang="en" sz="1050">
-                <a:solidFill>
-                  <a:schemeClr val="dk2"/>
-                </a:solidFill>
-                <a:latin typeface="Nunito"/>
-                <a:ea typeface="Nunito"/>
-                <a:cs typeface="Nunito"/>
-                <a:sym typeface="Nunito"/>
-              </a:rPr>
-              <a:t> (e.g., 80%)</a:t>
-            </a:r>
-            <a:endParaRPr sz="1050">
-              <a:solidFill>
-                <a:schemeClr val="dk2"/>
-              </a:solidFill>
-              <a:latin typeface="Nunito"/>
-              <a:ea typeface="Nunito"/>
-              <a:cs typeface="Nunito"/>
-              <a:sym typeface="Nunito"/>
-            </a:endParaRPr>
-          </a:p>
-          <a:p>
-            <a:pPr indent="-295275" lvl="0" marL="457200" rtl="0" algn="l">
-              <a:lnSpc>
-                <a:spcPct val="115000"/>
-              </a:lnSpc>
-              <a:spcBef>
-                <a:spcPts val="1100"/>
-              </a:spcBef>
-              <a:spcAft>
-                <a:spcPts val="0"/>
-              </a:spcAft>
-              <a:buClr>
-                <a:schemeClr val="dk2"/>
-              </a:buClr>
-              <a:buSzPts val="1050"/>
-              <a:buFont typeface="Nunito"/>
-              <a:buChar char="●"/>
-            </a:pPr>
-            <a:r>
-              <a:rPr lang="en" sz="1050">
-                <a:solidFill>
-                  <a:schemeClr val="dk2"/>
-                </a:solidFill>
-                <a:latin typeface="Nunito"/>
-                <a:ea typeface="Nunito"/>
-                <a:cs typeface="Nunito"/>
-                <a:sym typeface="Nunito"/>
-              </a:rPr>
-              <a:t>Pros: Higher accuracy in training, as each tree learns from a larger dataset. Suitable for large, clean datasets with low noise.</a:t>
-            </a:r>
-            <a:endParaRPr sz="1050">
-              <a:solidFill>
-                <a:schemeClr val="dk2"/>
-              </a:solidFill>
-              <a:latin typeface="Nunito"/>
-              <a:ea typeface="Nunito"/>
-              <a:cs typeface="Nunito"/>
-              <a:sym typeface="Nunito"/>
-            </a:endParaRPr>
-          </a:p>
-          <a:p>
-            <a:pPr indent="-295275" lvl="0" marL="457200" rtl="0" algn="l">
-              <a:lnSpc>
-                <a:spcPct val="115000"/>
-              </a:lnSpc>
-              <a:spcBef>
-                <a:spcPts val="0"/>
-              </a:spcBef>
-              <a:spcAft>
-                <a:spcPts val="0"/>
-              </a:spcAft>
-              <a:buClr>
-                <a:schemeClr val="dk2"/>
-              </a:buClr>
-              <a:buSzPts val="1050"/>
-              <a:buFont typeface="Nunito"/>
-              <a:buChar char="●"/>
-            </a:pPr>
-            <a:r>
-              <a:rPr lang="en" sz="1050">
-                <a:solidFill>
-                  <a:schemeClr val="dk2"/>
-                </a:solidFill>
-                <a:latin typeface="Nunito"/>
-                <a:ea typeface="Nunito"/>
-                <a:cs typeface="Nunito"/>
-                <a:sym typeface="Nunito"/>
-              </a:rPr>
-              <a:t>Cons: Reduces diversity, leading to overfitting. Poor generalization to unseen data.</a:t>
-            </a:r>
-            <a:endParaRPr sz="1050">
-              <a:solidFill>
-                <a:schemeClr val="dk2"/>
-              </a:solidFill>
-              <a:latin typeface="Nunito"/>
-              <a:ea typeface="Nunito"/>
-              <a:cs typeface="Nunito"/>
-              <a:sym typeface="Nunito"/>
-            </a:endParaRPr>
-          </a:p>
-        </p:txBody>
-      </p:sp>
-      <p:sp>
-        <p:nvSpPr>
-          <p:cNvPr id="470" name="Google Shape;470;p40"/>
-          <p:cNvSpPr txBox="1"/>
-          <p:nvPr/>
-        </p:nvSpPr>
-        <p:spPr>
-          <a:xfrm>
-            <a:off x="4856075" y="3572150"/>
-            <a:ext cx="4287900" cy="1720800"/>
-          </a:xfrm>
-          <a:prstGeom prst="rect">
-            <a:avLst/>
-          </a:prstGeom>
-          <a:noFill/>
-          <a:ln>
-            <a:noFill/>
-          </a:ln>
-        </p:spPr>
-        <p:txBody>
-          <a:bodyPr anchorCtr="0" anchor="t" bIns="91425" lIns="91425" spcFirstLastPara="1" rIns="91425" wrap="square" tIns="91425">
-            <a:spAutoFit/>
-          </a:bodyPr>
-          <a:lstStyle/>
-          <a:p>
-            <a:pPr indent="0" lvl="0" marL="0" rtl="0" algn="l">
-              <a:lnSpc>
-                <a:spcPct val="115000"/>
-              </a:lnSpc>
-              <a:spcBef>
-                <a:spcPts val="0"/>
-              </a:spcBef>
-              <a:spcAft>
-                <a:spcPts val="0"/>
-              </a:spcAft>
-              <a:buNone/>
-            </a:pPr>
-            <a:r>
-              <a:rPr lang="en" sz="1050">
-                <a:solidFill>
-                  <a:schemeClr val="dk2"/>
-                </a:solidFill>
-                <a:latin typeface="Nunito"/>
-                <a:ea typeface="Nunito"/>
-                <a:cs typeface="Nunito"/>
-                <a:sym typeface="Nunito"/>
-              </a:rPr>
-              <a:t>In our case the accuracy fluctuates between </a:t>
-            </a:r>
-            <a:r>
-              <a:rPr lang="en" sz="1200">
-                <a:solidFill>
-                  <a:schemeClr val="dk2"/>
-                </a:solidFill>
-                <a:latin typeface="Nunito"/>
-                <a:ea typeface="Nunito"/>
-                <a:cs typeface="Nunito"/>
-                <a:sym typeface="Nunito"/>
-              </a:rPr>
-              <a:t>0.8</a:t>
-            </a:r>
-            <a:r>
-              <a:rPr lang="en" sz="1050">
-                <a:solidFill>
-                  <a:schemeClr val="dk2"/>
-                </a:solidFill>
-                <a:latin typeface="Nunito"/>
-                <a:ea typeface="Nunito"/>
-                <a:cs typeface="Nunito"/>
-                <a:sym typeface="Nunito"/>
-              </a:rPr>
-              <a:t> and </a:t>
-            </a:r>
-            <a:r>
-              <a:rPr lang="en" sz="1200">
-                <a:solidFill>
-                  <a:schemeClr val="dk2"/>
-                </a:solidFill>
-                <a:latin typeface="Nunito"/>
-                <a:ea typeface="Nunito"/>
-                <a:cs typeface="Nunito"/>
-                <a:sym typeface="Nunito"/>
-              </a:rPr>
-              <a:t>0.8266</a:t>
-            </a:r>
-            <a:r>
-              <a:rPr lang="en" sz="1050">
-                <a:solidFill>
-                  <a:schemeClr val="dk2"/>
-                </a:solidFill>
-                <a:latin typeface="Nunito"/>
-                <a:ea typeface="Nunito"/>
-                <a:cs typeface="Nunito"/>
-                <a:sym typeface="Nunito"/>
-              </a:rPr>
-              <a:t>, </a:t>
-            </a:r>
-            <a:r>
-              <a:rPr lang="en" sz="1050">
-                <a:solidFill>
-                  <a:schemeClr val="dk2"/>
-                </a:solidFill>
-                <a:latin typeface="Nunito"/>
-                <a:ea typeface="Nunito"/>
-                <a:cs typeface="Nunito"/>
-                <a:sym typeface="Nunito"/>
-              </a:rPr>
-              <a:t>r</a:t>
-            </a:r>
-            <a:r>
-              <a:rPr lang="en" sz="1050">
-                <a:solidFill>
-                  <a:schemeClr val="dk2"/>
-                </a:solidFill>
-                <a:latin typeface="Nunito"/>
-                <a:ea typeface="Nunito"/>
-                <a:cs typeface="Nunito"/>
-                <a:sym typeface="Nunito"/>
-              </a:rPr>
-              <a:t>eaching its peak at </a:t>
-            </a:r>
-            <a:r>
-              <a:rPr b="1" lang="en" sz="1200">
-                <a:solidFill>
-                  <a:schemeClr val="dk2"/>
-                </a:solidFill>
-                <a:latin typeface="Nunito"/>
-                <a:ea typeface="Nunito"/>
-                <a:cs typeface="Nunito"/>
-                <a:sym typeface="Nunito"/>
-              </a:rPr>
-              <a:t>γ=40%</a:t>
-            </a:r>
-            <a:r>
-              <a:rPr lang="en" sz="1050">
-                <a:solidFill>
-                  <a:schemeClr val="dk2"/>
-                </a:solidFill>
-                <a:latin typeface="Nunito"/>
-                <a:ea typeface="Nunito"/>
-                <a:cs typeface="Nunito"/>
-                <a:sym typeface="Nunito"/>
-              </a:rPr>
-              <a:t>. The accuracy stays constant after that, indicating no real preference for a specific </a:t>
-            </a:r>
-            <a:r>
-              <a:rPr lang="en" sz="1200">
-                <a:solidFill>
-                  <a:schemeClr val="dk2"/>
-                </a:solidFill>
-                <a:latin typeface="Nunito"/>
-                <a:ea typeface="Nunito"/>
-                <a:cs typeface="Nunito"/>
-                <a:sym typeface="Nunito"/>
-              </a:rPr>
-              <a:t>γ</a:t>
-            </a:r>
-            <a:r>
-              <a:rPr lang="en" sz="1050">
-                <a:solidFill>
-                  <a:schemeClr val="dk2"/>
-                </a:solidFill>
-                <a:latin typeface="Nunito"/>
-                <a:ea typeface="Nunito"/>
-                <a:cs typeface="Nunito"/>
-                <a:sym typeface="Nunito"/>
-              </a:rPr>
-              <a:t> value. This could be because the dataset is relatively small and the model is not very complex.A typical default value of </a:t>
-            </a:r>
-            <a:r>
-              <a:rPr b="1" lang="en" sz="1050">
-                <a:solidFill>
-                  <a:schemeClr val="dk2"/>
-                </a:solidFill>
-                <a:latin typeface="Nunito"/>
-                <a:ea typeface="Nunito"/>
-                <a:cs typeface="Nunito"/>
-                <a:sym typeface="Nunito"/>
-              </a:rPr>
-              <a:t>γ = 0.5</a:t>
-            </a:r>
-            <a:r>
-              <a:rPr lang="en" sz="1050">
-                <a:solidFill>
-                  <a:schemeClr val="dk2"/>
-                </a:solidFill>
-                <a:latin typeface="Nunito"/>
-                <a:ea typeface="Nunito"/>
-                <a:cs typeface="Nunito"/>
-                <a:sym typeface="Nunito"/>
-              </a:rPr>
-              <a:t> often balances accuracy and generalization and leads to good results.</a:t>
-            </a:r>
-            <a:endParaRPr sz="1050">
-              <a:solidFill>
-                <a:schemeClr val="dk2"/>
-              </a:solidFill>
-              <a:latin typeface="Nunito"/>
-              <a:ea typeface="Nunito"/>
-              <a:cs typeface="Nunito"/>
-              <a:sym typeface="Nunito"/>
-            </a:endParaRPr>
-          </a:p>
-          <a:p>
-            <a:pPr indent="0" lvl="0" marL="0" rtl="0" algn="l">
-              <a:spcBef>
-                <a:spcPts val="1100"/>
-              </a:spcBef>
-              <a:spcAft>
-                <a:spcPts val="0"/>
-              </a:spcAft>
-              <a:buNone/>
-            </a:pPr>
-            <a:r>
-              <a:t/>
-            </a:r>
-            <a:endParaRPr sz="1300">
-              <a:solidFill>
-                <a:schemeClr val="dk2"/>
-              </a:solidFill>
-              <a:latin typeface="Nunito"/>
-              <a:ea typeface="Nunito"/>
-              <a:cs typeface="Nunito"/>
-              <a:sym typeface="Nunito"/>
-            </a:endParaRPr>
-          </a:p>
-        </p:txBody>
-      </p:sp>
-    </p:spTree>
-  </p:cSld>
-  <p:clrMapOvr>
-    <a:masterClrMapping/>
-  </p:clrMapOvr>
-</p:sld>
-</file>
-
-<file path=ppt/slides/slide29.xml><?xml version="1.0" encoding="utf-8"?>
-<p:sld xmlns:a="http://schemas.openxmlformats.org/drawingml/2006/main" xmlns:r="http://schemas.openxmlformats.org/officeDocument/2006/relationships" xmlns:mc="http://schemas.openxmlformats.org/markup-compatibility/2006" xmlns:mv="urn:schemas-microsoft-com:mac:vml" xmlns:p="http://schemas.openxmlformats.org/presentationml/2006/main" xmlns:c="http://schemas.openxmlformats.org/drawingml/2006/chart" xmlns:dgm="http://schemas.openxmlformats.org/drawingml/2006/diagram" xmlns:o="urn:schemas-microsoft-com:office:office" xmlns:v="urn:schemas-microsoft-com:vml" xmlns:pvml="urn:schemas-microsoft-com:office:powerpoint" xmlns:com="http://schemas.openxmlformats.org/drawingml/2006/compatibility" xmlns:p14="http://schemas.microsoft.com/office/powerpoint/2010/main" xmlns:p15="http://schemas.microsoft.com/office/powerpoint/2012/main" xmlns:ahyp="http://schemas.microsoft.com/office/drawing/2018/hyperlinkcolor">
-  <p:cSld>
-    <p:bg>
-      <p:bgPr>
-        <a:solidFill>
-          <a:schemeClr val="lt1"/>
-        </a:solidFill>
-      </p:bgPr>
-    </p:bg>
-    <p:spTree>
-      <p:nvGrpSpPr>
-        <p:cNvPr id="474" name="Shape 474"/>
-        <p:cNvGrpSpPr/>
-        <p:nvPr/>
-      </p:nvGrpSpPr>
-      <p:grpSpPr>
-        <a:xfrm>
-          <a:off x="0" y="0"/>
-          <a:ext cx="0" cy="0"/>
-          <a:chOff x="0" y="0"/>
-          <a:chExt cx="0" cy="0"/>
-        </a:xfrm>
-      </p:grpSpPr>
-      <p:sp>
-        <p:nvSpPr>
-          <p:cNvPr id="475" name="Google Shape;475;p41"/>
-          <p:cNvSpPr txBox="1"/>
-          <p:nvPr>
-            <p:ph idx="1" type="body"/>
-          </p:nvPr>
-        </p:nvSpPr>
-        <p:spPr>
-          <a:xfrm>
-            <a:off x="1303800" y="1597875"/>
-            <a:ext cx="7030500" cy="1435800"/>
-          </a:xfrm>
-          <a:prstGeom prst="rect">
-            <a:avLst/>
-          </a:prstGeom>
-        </p:spPr>
-        <p:txBody>
-          <a:bodyPr anchorCtr="0" anchor="t" bIns="91425" lIns="91425" spcFirstLastPara="1" rIns="91425" wrap="square" tIns="91425">
-            <a:normAutofit/>
-          </a:bodyPr>
-          <a:lstStyle/>
-          <a:p>
-            <a:pPr indent="0" lvl="0" marL="0" rtl="0" algn="l">
-              <a:spcBef>
-                <a:spcPts val="0"/>
-              </a:spcBef>
-              <a:spcAft>
-                <a:spcPts val="0"/>
-              </a:spcAft>
-              <a:buNone/>
-            </a:pPr>
-            <a:r>
               <a:rPr lang="en" sz="1800"/>
-              <a:t>Our goal in this assignment is to train our own model in order to accurately predict the labels from a test set.</a:t>
+              <a:t>In our case the accuracy fluctuates between 0.8 and 0.8266, reaching its peak at γ = 40%. The accuracy stays constant after that, indicating no real preference for a specific γ value.</a:t>
             </a:r>
             <a:endParaRPr sz="1800"/>
           </a:p>
           <a:p>
-            <a:pPr indent="0" lvl="0" marL="0" rtl="0" algn="l">
-              <a:spcBef>
-                <a:spcPts val="1200"/>
-              </a:spcBef>
-              <a:spcAft>
-                <a:spcPts val="1200"/>
+            <a:pPr indent="0" lvl="0" marL="0" marR="190500" rtl="0" algn="l">
+              <a:spcBef>
+                <a:spcPts val="500"/>
+              </a:spcBef>
+              <a:spcAft>
+                <a:spcPts val="0"/>
               </a:spcAft>
               <a:buNone/>
             </a:pPr>
             <a:r>
+              <a:t/>
+            </a:r>
+            <a:endParaRPr sz="1800"/>
+          </a:p>
+          <a:p>
+            <a:pPr indent="0" lvl="0" marL="0" marR="190500" rtl="0" algn="l">
+              <a:spcBef>
+                <a:spcPts val="500"/>
+              </a:spcBef>
+              <a:spcAft>
+                <a:spcPts val="500"/>
+              </a:spcAft>
+              <a:buNone/>
+            </a:pPr>
+            <a:r>
               <a:rPr lang="en" sz="1800"/>
-              <a:t>We first import the datasets into our project</a:t>
+              <a:t>In general, a small γ value may lead to underfitting since we're not using a lot of samples to train the individual trees. On the other hand, </a:t>
+            </a:r>
+            <a:r>
+              <a:rPr b="1" lang="en" sz="1800"/>
+              <a:t>we expect good results with a large γ value</a:t>
+            </a:r>
+            <a:r>
+              <a:rPr lang="en" sz="1800"/>
+              <a:t> since we're using a lot of samples with bootstrapping. The bootstrap sampling helps maintain diversity among trees, which is key to preventing overfitting. In fact, using a larger fraction of samples often leads to more stable individual trees.</a:t>
             </a:r>
             <a:endParaRPr sz="1800"/>
           </a:p>
         </p:txBody>
       </p:sp>
-      <p:sp>
-        <p:nvSpPr>
-          <p:cNvPr id="476" name="Google Shape;476;p41"/>
-          <p:cNvSpPr txBox="1"/>
-          <p:nvPr>
-            <p:ph type="title"/>
-          </p:nvPr>
-        </p:nvSpPr>
-        <p:spPr>
-          <a:xfrm>
-            <a:off x="1303800" y="598575"/>
-            <a:ext cx="7030500" cy="999300"/>
-          </a:xfrm>
-          <a:prstGeom prst="rect">
-            <a:avLst/>
-          </a:prstGeom>
-        </p:spPr>
-        <p:txBody>
-          <a:bodyPr anchorCtr="0" anchor="t" bIns="91425" lIns="91425" spcFirstLastPara="1" rIns="91425" wrap="square" tIns="91425">
-            <a:normAutofit/>
-          </a:bodyPr>
-          <a:lstStyle/>
-          <a:p>
-            <a:pPr indent="0" lvl="0" marL="0" rtl="0" algn="l">
-              <a:spcBef>
-                <a:spcPts val="0"/>
-              </a:spcBef>
-              <a:spcAft>
-                <a:spcPts val="0"/>
-              </a:spcAft>
-              <a:buNone/>
-            </a:pPr>
-            <a:r>
-              <a:rPr lang="en"/>
-              <a:t>Part D</a:t>
-            </a:r>
-            <a:endParaRPr/>
-          </a:p>
-        </p:txBody>
-      </p:sp>
-      <p:pic>
-        <p:nvPicPr>
-          <p:cNvPr id="477" name="Google Shape;477;p41"/>
-          <p:cNvPicPr preferRelativeResize="0"/>
-          <p:nvPr/>
-        </p:nvPicPr>
-        <p:blipFill>
-          <a:blip r:embed="rId3">
-            <a:alphaModFix/>
-          </a:blip>
-          <a:stretch>
-            <a:fillRect/>
-          </a:stretch>
-        </p:blipFill>
-        <p:spPr>
-          <a:xfrm>
-            <a:off x="1836375" y="3033675"/>
-            <a:ext cx="5735174" cy="1611400"/>
-          </a:xfrm>
-          <a:prstGeom prst="rect">
-            <a:avLst/>
-          </a:prstGeom>
-          <a:noFill/>
-          <a:ln>
-            <a:noFill/>
-          </a:ln>
-        </p:spPr>
-      </p:pic>
     </p:spTree>
   </p:cSld>
   <p:clrMapOvr>
@@ -23561,7 +23024,7 @@
     </p:bg>
     <p:spTree>
       <p:nvGrpSpPr>
-        <p:cNvPr id="481" name="Shape 481"/>
+        <p:cNvPr id="477" name="Shape 477"/>
         <p:cNvGrpSpPr/>
         <p:nvPr/>
       </p:nvGrpSpPr>
@@ -23575,7 +23038,163 @@
       </p:grpSpPr>
       <p:sp>
         <p:nvSpPr>
-          <p:cNvPr id="482" name="Google Shape;482;p42"/>
+          <p:cNvPr id="478" name="Google Shape;478;p42"/>
+          <p:cNvSpPr txBox="1"/>
+          <p:nvPr>
+            <p:ph idx="1" type="body"/>
+          </p:nvPr>
+        </p:nvSpPr>
+        <p:spPr>
+          <a:xfrm>
+            <a:off x="1303800" y="1597875"/>
+            <a:ext cx="7030500" cy="1435800"/>
+          </a:xfrm>
+          <a:prstGeom prst="rect">
+            <a:avLst/>
+          </a:prstGeom>
+        </p:spPr>
+        <p:txBody>
+          <a:bodyPr anchorCtr="0" anchor="t" bIns="91425" lIns="91425" spcFirstLastPara="1" rIns="91425" wrap="square" tIns="91425">
+            <a:normAutofit/>
+          </a:bodyPr>
+          <a:lstStyle/>
+          <a:p>
+            <a:pPr indent="0" lvl="0" marL="0" rtl="0" algn="l">
+              <a:spcBef>
+                <a:spcPts val="0"/>
+              </a:spcBef>
+              <a:spcAft>
+                <a:spcPts val="0"/>
+              </a:spcAft>
+              <a:buNone/>
+            </a:pPr>
+            <a:r>
+              <a:rPr lang="en" sz="1800"/>
+              <a:t>Our goal in this assignment is to train our own model in order to accurately predict the labels from a test set.</a:t>
+            </a:r>
+            <a:endParaRPr sz="1800"/>
+          </a:p>
+          <a:p>
+            <a:pPr indent="0" lvl="0" marL="0" rtl="0" algn="l">
+              <a:spcBef>
+                <a:spcPts val="1200"/>
+              </a:spcBef>
+              <a:spcAft>
+                <a:spcPts val="1200"/>
+              </a:spcAft>
+              <a:buNone/>
+            </a:pPr>
+            <a:r>
+              <a:rPr lang="en" sz="1800"/>
+              <a:t>We first import the datasets into our project</a:t>
+            </a:r>
+            <a:endParaRPr sz="1800"/>
+          </a:p>
+        </p:txBody>
+      </p:sp>
+      <p:sp>
+        <p:nvSpPr>
+          <p:cNvPr id="479" name="Google Shape;479;p42"/>
+          <p:cNvSpPr txBox="1"/>
+          <p:nvPr>
+            <p:ph type="title"/>
+          </p:nvPr>
+        </p:nvSpPr>
+        <p:spPr>
+          <a:xfrm>
+            <a:off x="1303800" y="598575"/>
+            <a:ext cx="7030500" cy="999300"/>
+          </a:xfrm>
+          <a:prstGeom prst="rect">
+            <a:avLst/>
+          </a:prstGeom>
+        </p:spPr>
+        <p:txBody>
+          <a:bodyPr anchorCtr="0" anchor="t" bIns="91425" lIns="91425" spcFirstLastPara="1" rIns="91425" wrap="square" tIns="91425">
+            <a:normAutofit/>
+          </a:bodyPr>
+          <a:lstStyle/>
+          <a:p>
+            <a:pPr indent="0" lvl="0" marL="0" rtl="0" algn="l">
+              <a:spcBef>
+                <a:spcPts val="0"/>
+              </a:spcBef>
+              <a:spcAft>
+                <a:spcPts val="0"/>
+              </a:spcAft>
+              <a:buNone/>
+            </a:pPr>
+            <a:r>
+              <a:rPr lang="en"/>
+              <a:t>Part D</a:t>
+            </a:r>
+            <a:endParaRPr/>
+          </a:p>
+        </p:txBody>
+      </p:sp>
+      <p:pic>
+        <p:nvPicPr>
+          <p:cNvPr id="480" name="Google Shape;480;p42"/>
+          <p:cNvPicPr preferRelativeResize="0"/>
+          <p:nvPr/>
+        </p:nvPicPr>
+        <p:blipFill>
+          <a:blip r:embed="rId3">
+            <a:alphaModFix/>
+          </a:blip>
+          <a:stretch>
+            <a:fillRect/>
+          </a:stretch>
+        </p:blipFill>
+        <p:spPr>
+          <a:xfrm>
+            <a:off x="1836375" y="3033675"/>
+            <a:ext cx="5735174" cy="1611400"/>
+          </a:xfrm>
+          <a:prstGeom prst="rect">
+            <a:avLst/>
+          </a:prstGeom>
+          <a:noFill/>
+          <a:ln>
+            <a:noFill/>
+          </a:ln>
+        </p:spPr>
+      </p:pic>
+    </p:spTree>
+  </p:cSld>
+  <p:clrMapOvr>
+    <a:masterClrMapping/>
+  </p:clrMapOvr>
+</p:sld>
+</file>
+
+<file path=ppt/slides/slide31.xml><?xml version="1.0" encoding="utf-8"?>
+<p:sld xmlns:a="http://schemas.openxmlformats.org/drawingml/2006/main" xmlns:r="http://schemas.openxmlformats.org/officeDocument/2006/relationships" xmlns:mc="http://schemas.openxmlformats.org/markup-compatibility/2006" xmlns:mv="urn:schemas-microsoft-com:mac:vml" xmlns:p="http://schemas.openxmlformats.org/presentationml/2006/main" xmlns:c="http://schemas.openxmlformats.org/drawingml/2006/chart" xmlns:dgm="http://schemas.openxmlformats.org/drawingml/2006/diagram" xmlns:o="urn:schemas-microsoft-com:office:office" xmlns:v="urn:schemas-microsoft-com:vml" xmlns:pvml="urn:schemas-microsoft-com:office:powerpoint" xmlns:com="http://schemas.openxmlformats.org/drawingml/2006/compatibility" xmlns:p14="http://schemas.microsoft.com/office/powerpoint/2010/main" xmlns:p15="http://schemas.microsoft.com/office/powerpoint/2012/main" xmlns:ahyp="http://schemas.microsoft.com/office/drawing/2018/hyperlinkcolor">
+  <p:cSld>
+    <p:bg>
+      <p:bgPr>
+        <a:solidFill>
+          <a:schemeClr val="lt1"/>
+        </a:solidFill>
+      </p:bgPr>
+    </p:bg>
+    <p:spTree>
+      <p:nvGrpSpPr>
+        <p:cNvPr id="484" name="Shape 484"/>
+        <p:cNvGrpSpPr/>
+        <p:nvPr/>
+      </p:nvGrpSpPr>
+      <p:grpSpPr>
+        <a:xfrm>
+          <a:off x="0" y="0"/>
+          <a:ext cx="0" cy="0"/>
+          <a:chOff x="0" y="0"/>
+          <a:chExt cx="0" cy="0"/>
+        </a:xfrm>
+      </p:grpSpPr>
+      <p:sp>
+        <p:nvSpPr>
+          <p:cNvPr id="485" name="Google Shape;485;p43"/>
           <p:cNvSpPr txBox="1"/>
           <p:nvPr>
             <p:ph idx="1" type="body"/>
@@ -23623,7 +23242,7 @@
       </p:sp>
       <p:sp>
         <p:nvSpPr>
-          <p:cNvPr id="483" name="Google Shape;483;p42"/>
+          <p:cNvPr id="486" name="Google Shape;486;p43"/>
           <p:cNvSpPr txBox="1"/>
           <p:nvPr>
             <p:ph type="title"/>
@@ -23663,7 +23282,7 @@
       </p:sp>
       <p:pic>
         <p:nvPicPr>
-          <p:cNvPr id="484" name="Google Shape;484;p42"/>
+          <p:cNvPr id="487" name="Google Shape;487;p43"/>
           <p:cNvPicPr preferRelativeResize="0"/>
           <p:nvPr/>
         </p:nvPicPr>
@@ -23697,7 +23316,7 @@
 </p:sld>
 </file>
 
-<file path=ppt/slides/slide31.xml><?xml version="1.0" encoding="utf-8"?>
+<file path=ppt/slides/slide32.xml><?xml version="1.0" encoding="utf-8"?>
 <p:sld xmlns:a="http://schemas.openxmlformats.org/drawingml/2006/main" xmlns:r="http://schemas.openxmlformats.org/officeDocument/2006/relationships" xmlns:mc="http://schemas.openxmlformats.org/markup-compatibility/2006" xmlns:mv="urn:schemas-microsoft-com:mac:vml" xmlns:p="http://schemas.openxmlformats.org/presentationml/2006/main" xmlns:c="http://schemas.openxmlformats.org/drawingml/2006/chart" xmlns:dgm="http://schemas.openxmlformats.org/drawingml/2006/diagram" xmlns:o="urn:schemas-microsoft-com:office:office" xmlns:v="urn:schemas-microsoft-com:vml" xmlns:pvml="urn:schemas-microsoft-com:office:powerpoint" xmlns:com="http://schemas.openxmlformats.org/drawingml/2006/compatibility" xmlns:p14="http://schemas.microsoft.com/office/powerpoint/2010/main" xmlns:p15="http://schemas.microsoft.com/office/powerpoint/2012/main" xmlns:ahyp="http://schemas.microsoft.com/office/drawing/2018/hyperlinkcolor">
   <p:cSld>
     <p:bg>
@@ -23709,7 +23328,7 @@
     </p:bg>
     <p:spTree>
       <p:nvGrpSpPr>
-        <p:cNvPr id="488" name="Shape 488"/>
+        <p:cNvPr id="491" name="Shape 491"/>
         <p:cNvGrpSpPr/>
         <p:nvPr/>
       </p:nvGrpSpPr>
@@ -23723,7 +23342,7 @@
       </p:grpSpPr>
       <p:sp>
         <p:nvSpPr>
-          <p:cNvPr id="489" name="Google Shape;489;p43"/>
+          <p:cNvPr id="492" name="Google Shape;492;p44"/>
           <p:cNvSpPr txBox="1"/>
           <p:nvPr>
             <p:ph idx="1" type="body"/>
@@ -23799,7 +23418,7 @@
       </p:sp>
       <p:sp>
         <p:nvSpPr>
-          <p:cNvPr id="490" name="Google Shape;490;p43"/>
+          <p:cNvPr id="493" name="Google Shape;493;p44"/>
           <p:cNvSpPr txBox="1"/>
           <p:nvPr>
             <p:ph type="title"/>
@@ -23845,7 +23464,7 @@
 </p:sld>
 </file>
 
-<file path=ppt/slides/slide32.xml><?xml version="1.0" encoding="utf-8"?>
+<file path=ppt/slides/slide33.xml><?xml version="1.0" encoding="utf-8"?>
 <p:sld xmlns:a="http://schemas.openxmlformats.org/drawingml/2006/main" xmlns:r="http://schemas.openxmlformats.org/officeDocument/2006/relationships" xmlns:mc="http://schemas.openxmlformats.org/markup-compatibility/2006" xmlns:mv="urn:schemas-microsoft-com:mac:vml" xmlns:p="http://schemas.openxmlformats.org/presentationml/2006/main" xmlns:c="http://schemas.openxmlformats.org/drawingml/2006/chart" xmlns:dgm="http://schemas.openxmlformats.org/drawingml/2006/diagram" xmlns:o="urn:schemas-microsoft-com:office:office" xmlns:v="urn:schemas-microsoft-com:vml" xmlns:pvml="urn:schemas-microsoft-com:office:powerpoint" xmlns:com="http://schemas.openxmlformats.org/drawingml/2006/compatibility" xmlns:p14="http://schemas.microsoft.com/office/powerpoint/2010/main" xmlns:p15="http://schemas.microsoft.com/office/powerpoint/2012/main" xmlns:ahyp="http://schemas.microsoft.com/office/drawing/2018/hyperlinkcolor">
   <p:cSld>
     <p:bg>
@@ -23857,7 +23476,7 @@
     </p:bg>
     <p:spTree>
       <p:nvGrpSpPr>
-        <p:cNvPr id="494" name="Shape 494"/>
+        <p:cNvPr id="497" name="Shape 497"/>
         <p:cNvGrpSpPr/>
         <p:nvPr/>
       </p:nvGrpSpPr>
@@ -23871,7 +23490,7 @@
       </p:grpSpPr>
       <p:sp>
         <p:nvSpPr>
-          <p:cNvPr id="495" name="Google Shape;495;p44"/>
+          <p:cNvPr id="498" name="Google Shape;498;p45"/>
           <p:cNvSpPr txBox="1"/>
           <p:nvPr>
             <p:ph type="title"/>
@@ -23911,7 +23530,7 @@
       </p:sp>
       <p:pic>
         <p:nvPicPr>
-          <p:cNvPr id="496" name="Google Shape;496;p44"/>
+          <p:cNvPr id="499" name="Google Shape;499;p45"/>
           <p:cNvPicPr preferRelativeResize="0"/>
           <p:nvPr/>
         </p:nvPicPr>
@@ -23939,7 +23558,7 @@
       </p:pic>
       <p:pic>
         <p:nvPicPr>
-          <p:cNvPr id="497" name="Google Shape;497;p44"/>
+          <p:cNvPr id="500" name="Google Shape;500;p45"/>
           <p:cNvPicPr preferRelativeResize="0"/>
           <p:nvPr/>
         </p:nvPicPr>
@@ -23972,7 +23591,7 @@
 </p:sld>
 </file>
 
-<file path=ppt/slides/slide33.xml><?xml version="1.0" encoding="utf-8"?>
+<file path=ppt/slides/slide34.xml><?xml version="1.0" encoding="utf-8"?>
 <p:sld xmlns:a="http://schemas.openxmlformats.org/drawingml/2006/main" xmlns:r="http://schemas.openxmlformats.org/officeDocument/2006/relationships" xmlns:mc="http://schemas.openxmlformats.org/markup-compatibility/2006" xmlns:mv="urn:schemas-microsoft-com:mac:vml" xmlns:p="http://schemas.openxmlformats.org/presentationml/2006/main" xmlns:c="http://schemas.openxmlformats.org/drawingml/2006/chart" xmlns:dgm="http://schemas.openxmlformats.org/drawingml/2006/diagram" xmlns:o="urn:schemas-microsoft-com:office:office" xmlns:v="urn:schemas-microsoft-com:vml" xmlns:pvml="urn:schemas-microsoft-com:office:powerpoint" xmlns:com="http://schemas.openxmlformats.org/drawingml/2006/compatibility" xmlns:p14="http://schemas.microsoft.com/office/powerpoint/2010/main" xmlns:p15="http://schemas.microsoft.com/office/powerpoint/2012/main" xmlns:ahyp="http://schemas.microsoft.com/office/drawing/2018/hyperlinkcolor">
   <p:cSld>
     <p:bg>
@@ -23984,7 +23603,7 @@
     </p:bg>
     <p:spTree>
       <p:nvGrpSpPr>
-        <p:cNvPr id="501" name="Shape 501"/>
+        <p:cNvPr id="504" name="Shape 504"/>
         <p:cNvGrpSpPr/>
         <p:nvPr/>
       </p:nvGrpSpPr>
@@ -23998,7 +23617,7 @@
       </p:grpSpPr>
       <p:sp>
         <p:nvSpPr>
-          <p:cNvPr id="502" name="Google Shape;502;p45"/>
+          <p:cNvPr id="505" name="Google Shape;505;p46"/>
           <p:cNvSpPr txBox="1"/>
           <p:nvPr>
             <p:ph type="title"/>
@@ -24038,7 +23657,7 @@
       </p:sp>
       <p:pic>
         <p:nvPicPr>
-          <p:cNvPr id="503" name="Google Shape;503;p45"/>
+          <p:cNvPr id="506" name="Google Shape;506;p46"/>
           <p:cNvPicPr preferRelativeResize="0"/>
           <p:nvPr/>
         </p:nvPicPr>
@@ -24072,7 +23691,7 @@
 </p:sld>
 </file>
 
-<file path=ppt/slides/slide34.xml><?xml version="1.0" encoding="utf-8"?>
+<file path=ppt/slides/slide35.xml><?xml version="1.0" encoding="utf-8"?>
 <p:sld xmlns:a="http://schemas.openxmlformats.org/drawingml/2006/main" xmlns:r="http://schemas.openxmlformats.org/officeDocument/2006/relationships" xmlns:mc="http://schemas.openxmlformats.org/markup-compatibility/2006" xmlns:mv="urn:schemas-microsoft-com:mac:vml" xmlns:p="http://schemas.openxmlformats.org/presentationml/2006/main" xmlns:c="http://schemas.openxmlformats.org/drawingml/2006/chart" xmlns:dgm="http://schemas.openxmlformats.org/drawingml/2006/diagram" xmlns:o="urn:schemas-microsoft-com:office:office" xmlns:v="urn:schemas-microsoft-com:vml" xmlns:pvml="urn:schemas-microsoft-com:office:powerpoint" xmlns:com="http://schemas.openxmlformats.org/drawingml/2006/compatibility" xmlns:p14="http://schemas.microsoft.com/office/powerpoint/2010/main" xmlns:p15="http://schemas.microsoft.com/office/powerpoint/2012/main" xmlns:ahyp="http://schemas.microsoft.com/office/drawing/2018/hyperlinkcolor">
   <p:cSld>
     <p:bg>
@@ -24084,7 +23703,7 @@
     </p:bg>
     <p:spTree>
       <p:nvGrpSpPr>
-        <p:cNvPr id="507" name="Shape 507"/>
+        <p:cNvPr id="510" name="Shape 510"/>
         <p:cNvGrpSpPr/>
         <p:nvPr/>
       </p:nvGrpSpPr>
@@ -24098,7 +23717,107 @@
       </p:grpSpPr>
       <p:sp>
         <p:nvSpPr>
-          <p:cNvPr id="508" name="Google Shape;508;p46"/>
+          <p:cNvPr id="511" name="Google Shape;511;p47"/>
+          <p:cNvSpPr txBox="1"/>
+          <p:nvPr>
+            <p:ph type="title"/>
+          </p:nvPr>
+        </p:nvSpPr>
+        <p:spPr>
+          <a:xfrm>
+            <a:off x="1303800" y="598575"/>
+            <a:ext cx="7030500" cy="999300"/>
+          </a:xfrm>
+          <a:prstGeom prst="rect">
+            <a:avLst/>
+          </a:prstGeom>
+        </p:spPr>
+        <p:txBody>
+          <a:bodyPr anchorCtr="0" anchor="t" bIns="91425" lIns="91425" spcFirstLastPara="1" rIns="91425" wrap="square" tIns="91425">
+            <a:normAutofit/>
+          </a:bodyPr>
+          <a:lstStyle/>
+          <a:p>
+            <a:pPr indent="0" lvl="0" marL="0" rtl="0" algn="l">
+              <a:spcBef>
+                <a:spcPts val="0"/>
+              </a:spcBef>
+              <a:spcAft>
+                <a:spcPts val="0"/>
+              </a:spcAft>
+              <a:buNone/>
+            </a:pPr>
+            <a:r>
+              <a:rPr lang="en"/>
+              <a:t>Part D - 5 fold cross validation</a:t>
+            </a:r>
+            <a:endParaRPr/>
+          </a:p>
+        </p:txBody>
+      </p:sp>
+      <p:pic>
+        <p:nvPicPr>
+          <p:cNvPr id="512" name="Google Shape;512;p47"/>
+          <p:cNvPicPr preferRelativeResize="0"/>
+          <p:nvPr/>
+        </p:nvPicPr>
+        <p:blipFill>
+          <a:blip r:embed="rId3">
+            <a:alphaModFix/>
+          </a:blip>
+          <a:stretch>
+            <a:fillRect/>
+          </a:stretch>
+        </p:blipFill>
+        <p:spPr>
+          <a:xfrm>
+            <a:off x="713650" y="1363600"/>
+            <a:ext cx="7693550" cy="3346700"/>
+          </a:xfrm>
+          <a:prstGeom prst="rect">
+            <a:avLst/>
+          </a:prstGeom>
+          <a:noFill/>
+          <a:ln>
+            <a:noFill/>
+          </a:ln>
+        </p:spPr>
+      </p:pic>
+    </p:spTree>
+  </p:cSld>
+  <p:clrMapOvr>
+    <a:masterClrMapping/>
+  </p:clrMapOvr>
+</p:sld>
+</file>
+
+<file path=ppt/slides/slide36.xml><?xml version="1.0" encoding="utf-8"?>
+<p:sld xmlns:a="http://schemas.openxmlformats.org/drawingml/2006/main" xmlns:r="http://schemas.openxmlformats.org/officeDocument/2006/relationships" xmlns:mc="http://schemas.openxmlformats.org/markup-compatibility/2006" xmlns:mv="urn:schemas-microsoft-com:mac:vml" xmlns:p="http://schemas.openxmlformats.org/presentationml/2006/main" xmlns:c="http://schemas.openxmlformats.org/drawingml/2006/chart" xmlns:dgm="http://schemas.openxmlformats.org/drawingml/2006/diagram" xmlns:o="urn:schemas-microsoft-com:office:office" xmlns:v="urn:schemas-microsoft-com:vml" xmlns:pvml="urn:schemas-microsoft-com:office:powerpoint" xmlns:com="http://schemas.openxmlformats.org/drawingml/2006/compatibility" xmlns:p14="http://schemas.microsoft.com/office/powerpoint/2010/main" xmlns:p15="http://schemas.microsoft.com/office/powerpoint/2012/main" xmlns:ahyp="http://schemas.microsoft.com/office/drawing/2018/hyperlinkcolor">
+  <p:cSld>
+    <p:bg>
+      <p:bgPr>
+        <a:solidFill>
+          <a:schemeClr val="lt1"/>
+        </a:solidFill>
+      </p:bgPr>
+    </p:bg>
+    <p:spTree>
+      <p:nvGrpSpPr>
+        <p:cNvPr id="516" name="Shape 516"/>
+        <p:cNvGrpSpPr/>
+        <p:nvPr/>
+      </p:nvGrpSpPr>
+      <p:grpSpPr>
+        <a:xfrm>
+          <a:off x="0" y="0"/>
+          <a:ext cx="0" cy="0"/>
+          <a:chOff x="0" y="0"/>
+          <a:chExt cx="0" cy="0"/>
+        </a:xfrm>
+      </p:grpSpPr>
+      <p:sp>
+        <p:nvSpPr>
+          <p:cNvPr id="517" name="Google Shape;517;p48"/>
           <p:cNvSpPr txBox="1"/>
           <p:nvPr>
             <p:ph idx="1" type="body"/>
@@ -24138,7 +23857,7 @@
       </p:sp>
       <p:sp>
         <p:nvSpPr>
-          <p:cNvPr id="509" name="Google Shape;509;p46"/>
+          <p:cNvPr id="518" name="Google Shape;518;p48"/>
           <p:cNvSpPr txBox="1"/>
           <p:nvPr>
             <p:ph type="title"/>
@@ -24178,7 +23897,7 @@
       </p:sp>
       <p:pic>
         <p:nvPicPr>
-          <p:cNvPr id="510" name="Google Shape;510;p46"/>
+          <p:cNvPr id="519" name="Google Shape;519;p48"/>
           <p:cNvPicPr preferRelativeResize="0"/>
           <p:nvPr/>
         </p:nvPicPr>
@@ -24212,7 +23931,7 @@
 </p:sld>
 </file>
 
-<file path=ppt/slides/slide35.xml><?xml version="1.0" encoding="utf-8"?>
+<file path=ppt/slides/slide37.xml><?xml version="1.0" encoding="utf-8"?>
 <p:sld xmlns:a="http://schemas.openxmlformats.org/drawingml/2006/main" xmlns:r="http://schemas.openxmlformats.org/officeDocument/2006/relationships" xmlns:mc="http://schemas.openxmlformats.org/markup-compatibility/2006" xmlns:mv="urn:schemas-microsoft-com:mac:vml" xmlns:p="http://schemas.openxmlformats.org/presentationml/2006/main" xmlns:c="http://schemas.openxmlformats.org/drawingml/2006/chart" xmlns:dgm="http://schemas.openxmlformats.org/drawingml/2006/diagram" xmlns:o="urn:schemas-microsoft-com:office:office" xmlns:v="urn:schemas-microsoft-com:vml" xmlns:pvml="urn:schemas-microsoft-com:office:powerpoint" xmlns:com="http://schemas.openxmlformats.org/drawingml/2006/compatibility" xmlns:p14="http://schemas.microsoft.com/office/powerpoint/2010/main" xmlns:p15="http://schemas.microsoft.com/office/powerpoint/2012/main" xmlns:ahyp="http://schemas.microsoft.com/office/drawing/2018/hyperlinkcolor">
   <p:cSld>
     <p:bg>
@@ -24224,7 +23943,7 @@
     </p:bg>
     <p:spTree>
       <p:nvGrpSpPr>
-        <p:cNvPr id="514" name="Shape 514"/>
+        <p:cNvPr id="523" name="Shape 523"/>
         <p:cNvGrpSpPr/>
         <p:nvPr/>
       </p:nvGrpSpPr>
@@ -24238,7 +23957,7 @@
       </p:grpSpPr>
       <p:sp>
         <p:nvSpPr>
-          <p:cNvPr id="515" name="Google Shape;515;p47"/>
+          <p:cNvPr id="524" name="Google Shape;524;p49"/>
           <p:cNvSpPr txBox="1"/>
           <p:nvPr>
             <p:ph type="title"/>
@@ -24278,7 +23997,7 @@
       </p:sp>
       <p:sp>
         <p:nvSpPr>
-          <p:cNvPr id="516" name="Google Shape;516;p47"/>
+          <p:cNvPr id="525" name="Google Shape;525;p49"/>
           <p:cNvSpPr txBox="1"/>
           <p:nvPr>
             <p:ph idx="1" type="body"/>
@@ -24677,7 +24396,7 @@
 </p:sld>
 </file>
 
-<file path=ppt/slides/slide36.xml><?xml version="1.0" encoding="utf-8"?>
+<file path=ppt/slides/slide38.xml><?xml version="1.0" encoding="utf-8"?>
 <p:sld xmlns:a="http://schemas.openxmlformats.org/drawingml/2006/main" xmlns:r="http://schemas.openxmlformats.org/officeDocument/2006/relationships" xmlns:mc="http://schemas.openxmlformats.org/markup-compatibility/2006" xmlns:mv="urn:schemas-microsoft-com:mac:vml" xmlns:p="http://schemas.openxmlformats.org/presentationml/2006/main" xmlns:c="http://schemas.openxmlformats.org/drawingml/2006/chart" xmlns:dgm="http://schemas.openxmlformats.org/drawingml/2006/diagram" xmlns:o="urn:schemas-microsoft-com:office:office" xmlns:v="urn:schemas-microsoft-com:vml" xmlns:pvml="urn:schemas-microsoft-com:office:powerpoint" xmlns:com="http://schemas.openxmlformats.org/drawingml/2006/compatibility" xmlns:p14="http://schemas.microsoft.com/office/powerpoint/2010/main" xmlns:p15="http://schemas.microsoft.com/office/powerpoint/2012/main" xmlns:ahyp="http://schemas.microsoft.com/office/drawing/2018/hyperlinkcolor">
   <p:cSld>
     <p:bg>
@@ -24689,7 +24408,7 @@
     </p:bg>
     <p:spTree>
       <p:nvGrpSpPr>
-        <p:cNvPr id="520" name="Shape 520"/>
+        <p:cNvPr id="529" name="Shape 529"/>
         <p:cNvGrpSpPr/>
         <p:nvPr/>
       </p:nvGrpSpPr>
@@ -24703,7 +24422,7 @@
       </p:grpSpPr>
       <p:sp>
         <p:nvSpPr>
-          <p:cNvPr id="521" name="Google Shape;521;p48"/>
+          <p:cNvPr id="530" name="Google Shape;530;p50"/>
           <p:cNvSpPr txBox="1"/>
           <p:nvPr>
             <p:ph type="title"/>
@@ -24743,7 +24462,7 @@
       </p:sp>
       <p:sp>
         <p:nvSpPr>
-          <p:cNvPr id="522" name="Google Shape;522;p48"/>
+          <p:cNvPr id="531" name="Google Shape;531;p50"/>
           <p:cNvSpPr txBox="1"/>
           <p:nvPr>
             <p:ph idx="1" type="body"/>
@@ -25140,7 +24859,7 @@
 </p:sld>
 </file>
 
-<file path=ppt/slides/slide37.xml><?xml version="1.0" encoding="utf-8"?>
+<file path=ppt/slides/slide39.xml><?xml version="1.0" encoding="utf-8"?>
 <p:sld xmlns:a="http://schemas.openxmlformats.org/drawingml/2006/main" xmlns:r="http://schemas.openxmlformats.org/officeDocument/2006/relationships" xmlns:mc="http://schemas.openxmlformats.org/markup-compatibility/2006" xmlns:mv="urn:schemas-microsoft-com:mac:vml" xmlns:p="http://schemas.openxmlformats.org/presentationml/2006/main" xmlns:c="http://schemas.openxmlformats.org/drawingml/2006/chart" xmlns:dgm="http://schemas.openxmlformats.org/drawingml/2006/diagram" xmlns:o="urn:schemas-microsoft-com:office:office" xmlns:v="urn:schemas-microsoft-com:vml" xmlns:pvml="urn:schemas-microsoft-com:office:powerpoint" xmlns:com="http://schemas.openxmlformats.org/drawingml/2006/compatibility" xmlns:p14="http://schemas.microsoft.com/office/powerpoint/2010/main" xmlns:p15="http://schemas.microsoft.com/office/powerpoint/2012/main" xmlns:ahyp="http://schemas.microsoft.com/office/drawing/2018/hyperlinkcolor">
   <p:cSld>
     <p:bg>
@@ -25152,7 +24871,7 @@
     </p:bg>
     <p:spTree>
       <p:nvGrpSpPr>
-        <p:cNvPr id="526" name="Shape 526"/>
+        <p:cNvPr id="535" name="Shape 535"/>
         <p:cNvGrpSpPr/>
         <p:nvPr/>
       </p:nvGrpSpPr>
@@ -25166,7 +24885,7 @@
       </p:grpSpPr>
       <p:sp>
         <p:nvSpPr>
-          <p:cNvPr id="527" name="Google Shape;527;p49"/>
+          <p:cNvPr id="536" name="Google Shape;536;p51"/>
           <p:cNvSpPr txBox="1"/>
           <p:nvPr>
             <p:ph type="title"/>
@@ -25206,7 +24925,7 @@
       </p:sp>
       <p:sp>
         <p:nvSpPr>
-          <p:cNvPr id="528" name="Google Shape;528;p49"/>
+          <p:cNvPr id="537" name="Google Shape;537;p51"/>
           <p:cNvSpPr txBox="1"/>
           <p:nvPr>
             <p:ph idx="1" type="body"/>
@@ -25618,7 +25337,7 @@
       </p:sp>
       <p:sp>
         <p:nvSpPr>
-          <p:cNvPr id="529" name="Google Shape;529;p49"/>
+          <p:cNvPr id="538" name="Google Shape;538;p51"/>
           <p:cNvSpPr txBox="1"/>
           <p:nvPr>
             <p:ph idx="1" type="body"/>
@@ -25821,414 +25540,6 @@
           </a:p>
         </p:txBody>
       </p:sp>
-    </p:spTree>
-  </p:cSld>
-  <p:clrMapOvr>
-    <a:masterClrMapping/>
-  </p:clrMapOvr>
-</p:sld>
-</file>
-
-<file path=ppt/slides/slide38.xml><?xml version="1.0" encoding="utf-8"?>
-<p:sld xmlns:a="http://schemas.openxmlformats.org/drawingml/2006/main" xmlns:r="http://schemas.openxmlformats.org/officeDocument/2006/relationships" xmlns:mc="http://schemas.openxmlformats.org/markup-compatibility/2006" xmlns:mv="urn:schemas-microsoft-com:mac:vml" xmlns:p="http://schemas.openxmlformats.org/presentationml/2006/main" xmlns:c="http://schemas.openxmlformats.org/drawingml/2006/chart" xmlns:dgm="http://schemas.openxmlformats.org/drawingml/2006/diagram" xmlns:o="urn:schemas-microsoft-com:office:office" xmlns:v="urn:schemas-microsoft-com:vml" xmlns:pvml="urn:schemas-microsoft-com:office:powerpoint" xmlns:com="http://schemas.openxmlformats.org/drawingml/2006/compatibility" xmlns:p14="http://schemas.microsoft.com/office/powerpoint/2010/main" xmlns:p15="http://schemas.microsoft.com/office/powerpoint/2012/main" xmlns:ahyp="http://schemas.microsoft.com/office/drawing/2018/hyperlinkcolor">
-  <p:cSld>
-    <p:bg>
-      <p:bgPr>
-        <a:solidFill>
-          <a:schemeClr val="lt1"/>
-        </a:solidFill>
-      </p:bgPr>
-    </p:bg>
-    <p:spTree>
-      <p:nvGrpSpPr>
-        <p:cNvPr id="533" name="Shape 533"/>
-        <p:cNvGrpSpPr/>
-        <p:nvPr/>
-      </p:nvGrpSpPr>
-      <p:grpSpPr>
-        <a:xfrm>
-          <a:off x="0" y="0"/>
-          <a:ext cx="0" cy="0"/>
-          <a:chOff x="0" y="0"/>
-          <a:chExt cx="0" cy="0"/>
-        </a:xfrm>
-      </p:grpSpPr>
-      <p:sp>
-        <p:nvSpPr>
-          <p:cNvPr id="534" name="Google Shape;534;p50"/>
-          <p:cNvSpPr txBox="1"/>
-          <p:nvPr>
-            <p:ph idx="1" type="body"/>
-          </p:nvPr>
-        </p:nvSpPr>
-        <p:spPr>
-          <a:xfrm>
-            <a:off x="1303800" y="1597875"/>
-            <a:ext cx="7030500" cy="761700"/>
-          </a:xfrm>
-          <a:prstGeom prst="rect">
-            <a:avLst/>
-          </a:prstGeom>
-        </p:spPr>
-        <p:txBody>
-          <a:bodyPr anchorCtr="0" anchor="t" bIns="91425" lIns="91425" spcFirstLastPara="1" rIns="91425" wrap="square" tIns="91425">
-            <a:normAutofit lnSpcReduction="10000"/>
-          </a:bodyPr>
-          <a:lstStyle/>
-          <a:p>
-            <a:pPr indent="0" lvl="0" marL="0" rtl="0" algn="l">
-              <a:spcBef>
-                <a:spcPts val="0"/>
-              </a:spcBef>
-              <a:spcAft>
-                <a:spcPts val="1200"/>
-              </a:spcAft>
-              <a:buNone/>
-            </a:pPr>
-            <a:r>
-              <a:rPr lang="en" sz="1800"/>
-              <a:t>We will select the model with the best accuracy, using the optimal hyperparameters</a:t>
-            </a:r>
-            <a:endParaRPr sz="1800"/>
-          </a:p>
-        </p:txBody>
-      </p:sp>
-      <p:sp>
-        <p:nvSpPr>
-          <p:cNvPr id="535" name="Google Shape;535;p50"/>
-          <p:cNvSpPr txBox="1"/>
-          <p:nvPr>
-            <p:ph type="title"/>
-          </p:nvPr>
-        </p:nvSpPr>
-        <p:spPr>
-          <a:xfrm>
-            <a:off x="1303800" y="598575"/>
-            <a:ext cx="7030500" cy="999300"/>
-          </a:xfrm>
-          <a:prstGeom prst="rect">
-            <a:avLst/>
-          </a:prstGeom>
-        </p:spPr>
-        <p:txBody>
-          <a:bodyPr anchorCtr="0" anchor="t" bIns="91425" lIns="91425" spcFirstLastPara="1" rIns="91425" wrap="square" tIns="91425">
-            <a:normAutofit/>
-          </a:bodyPr>
-          <a:lstStyle/>
-          <a:p>
-            <a:pPr indent="0" lvl="0" marL="0" rtl="0" algn="l">
-              <a:spcBef>
-                <a:spcPts val="0"/>
-              </a:spcBef>
-              <a:spcAft>
-                <a:spcPts val="0"/>
-              </a:spcAft>
-              <a:buNone/>
-            </a:pPr>
-            <a:r>
-              <a:rPr lang="en"/>
-              <a:t>Part D</a:t>
-            </a:r>
-            <a:endParaRPr/>
-          </a:p>
-        </p:txBody>
-      </p:sp>
-      <p:pic>
-        <p:nvPicPr>
-          <p:cNvPr id="536" name="Google Shape;536;p50"/>
-          <p:cNvPicPr preferRelativeResize="0"/>
-          <p:nvPr/>
-        </p:nvPicPr>
-        <p:blipFill>
-          <a:blip r:embed="rId3">
-            <a:alphaModFix/>
-          </a:blip>
-          <a:stretch>
-            <a:fillRect/>
-          </a:stretch>
-        </p:blipFill>
-        <p:spPr>
-          <a:xfrm>
-            <a:off x="1799838" y="2466300"/>
-            <a:ext cx="6038426" cy="1183700"/>
-          </a:xfrm>
-          <a:prstGeom prst="rect">
-            <a:avLst/>
-          </a:prstGeom>
-          <a:noFill/>
-          <a:ln>
-            <a:noFill/>
-          </a:ln>
-        </p:spPr>
-      </p:pic>
-      <p:sp>
-        <p:nvSpPr>
-          <p:cNvPr id="537" name="Google Shape;537;p50"/>
-          <p:cNvSpPr txBox="1"/>
-          <p:nvPr>
-            <p:ph idx="1" type="body"/>
-          </p:nvPr>
-        </p:nvSpPr>
-        <p:spPr>
-          <a:xfrm>
-            <a:off x="1303813" y="3650000"/>
-            <a:ext cx="7030500" cy="1634100"/>
-          </a:xfrm>
-          <a:prstGeom prst="rect">
-            <a:avLst/>
-          </a:prstGeom>
-        </p:spPr>
-        <p:txBody>
-          <a:bodyPr anchorCtr="0" anchor="t" bIns="91425" lIns="91425" spcFirstLastPara="1" rIns="91425" wrap="square" tIns="91425">
-            <a:normAutofit/>
-          </a:bodyPr>
-          <a:lstStyle/>
-          <a:p>
-            <a:pPr indent="0" lvl="0" marL="0" rtl="0" algn="l">
-              <a:spcBef>
-                <a:spcPts val="0"/>
-              </a:spcBef>
-              <a:spcAft>
-                <a:spcPts val="0"/>
-              </a:spcAft>
-              <a:buNone/>
-            </a:pPr>
-            <a:r>
-              <a:rPr b="1" lang="en" sz="1600"/>
-              <a:t>Best Model:</a:t>
-            </a:r>
-            <a:r>
-              <a:rPr lang="en" sz="1600"/>
-              <a:t> SVM with accuracy 0.8534</a:t>
-            </a:r>
-            <a:endParaRPr sz="1600"/>
-          </a:p>
-          <a:p>
-            <a:pPr indent="0" lvl="0" marL="0" rtl="0" algn="l">
-              <a:spcBef>
-                <a:spcPts val="0"/>
-              </a:spcBef>
-              <a:spcAft>
-                <a:spcPts val="0"/>
-              </a:spcAft>
-              <a:buNone/>
-            </a:pPr>
-            <a:r>
-              <a:rPr b="1" lang="en" sz="1600"/>
-              <a:t>Hyperparameters of the best model:</a:t>
-            </a:r>
-            <a:endParaRPr sz="1600"/>
-          </a:p>
-          <a:p>
-            <a:pPr indent="-307975" lvl="0" marL="457200" rtl="0" algn="l">
-              <a:lnSpc>
-                <a:spcPct val="95000"/>
-              </a:lnSpc>
-              <a:spcBef>
-                <a:spcPts val="0"/>
-              </a:spcBef>
-              <a:spcAft>
-                <a:spcPts val="0"/>
-              </a:spcAft>
-              <a:buSzPts val="1250"/>
-              <a:buChar char="●"/>
-            </a:pPr>
-            <a:r>
-              <a:rPr lang="en" sz="1250"/>
-              <a:t>Regularization Parameter (C): 10</a:t>
-            </a:r>
-            <a:endParaRPr sz="1250"/>
-          </a:p>
-          <a:p>
-            <a:pPr indent="-307975" lvl="0" marL="457200" rtl="0" algn="l">
-              <a:lnSpc>
-                <a:spcPct val="95000"/>
-              </a:lnSpc>
-              <a:spcBef>
-                <a:spcPts val="0"/>
-              </a:spcBef>
-              <a:spcAft>
-                <a:spcPts val="0"/>
-              </a:spcAft>
-              <a:buSzPts val="1250"/>
-              <a:buChar char="●"/>
-            </a:pPr>
-            <a:r>
-              <a:rPr lang="en" sz="1250"/>
-              <a:t>Kernel Coefficient (gamma): auto</a:t>
-            </a:r>
-            <a:endParaRPr sz="1250"/>
-          </a:p>
-          <a:p>
-            <a:pPr indent="-307975" lvl="0" marL="457200" rtl="0" algn="l">
-              <a:lnSpc>
-                <a:spcPct val="95000"/>
-              </a:lnSpc>
-              <a:spcBef>
-                <a:spcPts val="0"/>
-              </a:spcBef>
-              <a:spcAft>
-                <a:spcPts val="0"/>
-              </a:spcAft>
-              <a:buSzPts val="1250"/>
-              <a:buChar char="●"/>
-            </a:pPr>
-            <a:r>
-              <a:rPr lang="en" sz="1250"/>
-              <a:t>Kernel Type: rbf</a:t>
-            </a:r>
-            <a:endParaRPr sz="1800"/>
-          </a:p>
-        </p:txBody>
-      </p:sp>
-    </p:spTree>
-  </p:cSld>
-  <p:clrMapOvr>
-    <a:masterClrMapping/>
-  </p:clrMapOvr>
-</p:sld>
-</file>
-
-<file path=ppt/slides/slide39.xml><?xml version="1.0" encoding="utf-8"?>
-<p:sld xmlns:a="http://schemas.openxmlformats.org/drawingml/2006/main" xmlns:r="http://schemas.openxmlformats.org/officeDocument/2006/relationships" xmlns:mc="http://schemas.openxmlformats.org/markup-compatibility/2006" xmlns:mv="urn:schemas-microsoft-com:mac:vml" xmlns:p="http://schemas.openxmlformats.org/presentationml/2006/main" xmlns:c="http://schemas.openxmlformats.org/drawingml/2006/chart" xmlns:dgm="http://schemas.openxmlformats.org/drawingml/2006/diagram" xmlns:o="urn:schemas-microsoft-com:office:office" xmlns:v="urn:schemas-microsoft-com:vml" xmlns:pvml="urn:schemas-microsoft-com:office:powerpoint" xmlns:com="http://schemas.openxmlformats.org/drawingml/2006/compatibility" xmlns:p14="http://schemas.microsoft.com/office/powerpoint/2010/main" xmlns:p15="http://schemas.microsoft.com/office/powerpoint/2012/main" xmlns:ahyp="http://schemas.microsoft.com/office/drawing/2018/hyperlinkcolor">
-  <p:cSld>
-    <p:bg>
-      <p:bgPr>
-        <a:solidFill>
-          <a:schemeClr val="lt1"/>
-        </a:solidFill>
-      </p:bgPr>
-    </p:bg>
-    <p:spTree>
-      <p:nvGrpSpPr>
-        <p:cNvPr id="541" name="Shape 541"/>
-        <p:cNvGrpSpPr/>
-        <p:nvPr/>
-      </p:nvGrpSpPr>
-      <p:grpSpPr>
-        <a:xfrm>
-          <a:off x="0" y="0"/>
-          <a:ext cx="0" cy="0"/>
-          <a:chOff x="0" y="0"/>
-          <a:chExt cx="0" cy="0"/>
-        </a:xfrm>
-      </p:grpSpPr>
-      <p:sp>
-        <p:nvSpPr>
-          <p:cNvPr id="542" name="Google Shape;542;p51"/>
-          <p:cNvSpPr txBox="1"/>
-          <p:nvPr>
-            <p:ph idx="1" type="body"/>
-          </p:nvPr>
-        </p:nvSpPr>
-        <p:spPr>
-          <a:xfrm>
-            <a:off x="1303800" y="1597875"/>
-            <a:ext cx="7030500" cy="999300"/>
-          </a:xfrm>
-          <a:prstGeom prst="rect">
-            <a:avLst/>
-          </a:prstGeom>
-        </p:spPr>
-        <p:txBody>
-          <a:bodyPr anchorCtr="0" anchor="t" bIns="91425" lIns="91425" spcFirstLastPara="1" rIns="91425" wrap="square" tIns="91425">
-            <a:normAutofit lnSpcReduction="20000"/>
-          </a:bodyPr>
-          <a:lstStyle/>
-          <a:p>
-            <a:pPr indent="0" lvl="0" marL="0" rtl="0" algn="l">
-              <a:spcBef>
-                <a:spcPts val="0"/>
-              </a:spcBef>
-              <a:spcAft>
-                <a:spcPts val="1200"/>
-              </a:spcAft>
-              <a:buNone/>
-            </a:pPr>
-            <a:r>
-              <a:rPr lang="en" sz="1800"/>
-              <a:t>The model with the highest accuracy is </a:t>
-            </a:r>
-            <a:r>
-              <a:rPr b="1" lang="en" sz="1800"/>
-              <a:t>SVM (Support Vector Machine)</a:t>
-            </a:r>
-            <a:r>
-              <a:rPr lang="en" sz="1800"/>
-              <a:t> with hyperparameters shown below. We will use this model to make predictions on the test dataset</a:t>
-            </a:r>
-            <a:endParaRPr sz="1800"/>
-          </a:p>
-        </p:txBody>
-      </p:sp>
-      <p:sp>
-        <p:nvSpPr>
-          <p:cNvPr id="543" name="Google Shape;543;p51"/>
-          <p:cNvSpPr txBox="1"/>
-          <p:nvPr>
-            <p:ph type="title"/>
-          </p:nvPr>
-        </p:nvSpPr>
-        <p:spPr>
-          <a:xfrm>
-            <a:off x="1303800" y="598575"/>
-            <a:ext cx="7030500" cy="999300"/>
-          </a:xfrm>
-          <a:prstGeom prst="rect">
-            <a:avLst/>
-          </a:prstGeom>
-        </p:spPr>
-        <p:txBody>
-          <a:bodyPr anchorCtr="0" anchor="t" bIns="91425" lIns="91425" spcFirstLastPara="1" rIns="91425" wrap="square" tIns="91425">
-            <a:normAutofit/>
-          </a:bodyPr>
-          <a:lstStyle/>
-          <a:p>
-            <a:pPr indent="0" lvl="0" marL="0" rtl="0" algn="l">
-              <a:spcBef>
-                <a:spcPts val="0"/>
-              </a:spcBef>
-              <a:spcAft>
-                <a:spcPts val="0"/>
-              </a:spcAft>
-              <a:buNone/>
-            </a:pPr>
-            <a:r>
-              <a:rPr lang="en"/>
-              <a:t>Part D - Best model</a:t>
-            </a:r>
-            <a:endParaRPr/>
-          </a:p>
-        </p:txBody>
-      </p:sp>
-      <p:pic>
-        <p:nvPicPr>
-          <p:cNvPr id="544" name="Google Shape;544;p51"/>
-          <p:cNvPicPr preferRelativeResize="0"/>
-          <p:nvPr/>
-        </p:nvPicPr>
-        <p:blipFill>
-          <a:blip r:embed="rId3">
-            <a:alphaModFix/>
-          </a:blip>
-          <a:stretch>
-            <a:fillRect/>
-          </a:stretch>
-        </p:blipFill>
-        <p:spPr>
-          <a:xfrm>
-            <a:off x="1396675" y="2651700"/>
-            <a:ext cx="6844753" cy="999300"/>
-          </a:xfrm>
-          <a:prstGeom prst="rect">
-            <a:avLst/>
-          </a:prstGeom>
-          <a:noFill/>
-          <a:ln>
-            <a:noFill/>
-          </a:ln>
-        </p:spPr>
-      </p:pic>
     </p:spTree>
   </p:cSld>
   <p:clrMapOvr>
@@ -26431,7 +25742,7 @@
     </p:bg>
     <p:spTree>
       <p:nvGrpSpPr>
-        <p:cNvPr id="548" name="Shape 548"/>
+        <p:cNvPr id="542" name="Shape 542"/>
         <p:cNvGrpSpPr/>
         <p:nvPr/>
       </p:nvGrpSpPr>
@@ -26445,7 +25756,267 @@
       </p:grpSpPr>
       <p:sp>
         <p:nvSpPr>
-          <p:cNvPr id="549" name="Google Shape;549;p52"/>
+          <p:cNvPr id="543" name="Google Shape;543;p52"/>
+          <p:cNvSpPr txBox="1"/>
+          <p:nvPr>
+            <p:ph idx="1" type="body"/>
+          </p:nvPr>
+        </p:nvSpPr>
+        <p:spPr>
+          <a:xfrm>
+            <a:off x="1303800" y="1597875"/>
+            <a:ext cx="7030500" cy="761700"/>
+          </a:xfrm>
+          <a:prstGeom prst="rect">
+            <a:avLst/>
+          </a:prstGeom>
+        </p:spPr>
+        <p:txBody>
+          <a:bodyPr anchorCtr="0" anchor="t" bIns="91425" lIns="91425" spcFirstLastPara="1" rIns="91425" wrap="square" tIns="91425">
+            <a:normAutofit lnSpcReduction="10000"/>
+          </a:bodyPr>
+          <a:lstStyle/>
+          <a:p>
+            <a:pPr indent="0" lvl="0" marL="0" rtl="0" algn="l">
+              <a:spcBef>
+                <a:spcPts val="0"/>
+              </a:spcBef>
+              <a:spcAft>
+                <a:spcPts val="1200"/>
+              </a:spcAft>
+              <a:buNone/>
+            </a:pPr>
+            <a:r>
+              <a:rPr lang="en" sz="1800"/>
+              <a:t>We will select the model with the best accuracy, using the optimal hyperparameters</a:t>
+            </a:r>
+            <a:endParaRPr sz="1800"/>
+          </a:p>
+        </p:txBody>
+      </p:sp>
+      <p:sp>
+        <p:nvSpPr>
+          <p:cNvPr id="544" name="Google Shape;544;p52"/>
+          <p:cNvSpPr txBox="1"/>
+          <p:nvPr>
+            <p:ph type="title"/>
+          </p:nvPr>
+        </p:nvSpPr>
+        <p:spPr>
+          <a:xfrm>
+            <a:off x="1303800" y="598575"/>
+            <a:ext cx="7030500" cy="999300"/>
+          </a:xfrm>
+          <a:prstGeom prst="rect">
+            <a:avLst/>
+          </a:prstGeom>
+        </p:spPr>
+        <p:txBody>
+          <a:bodyPr anchorCtr="0" anchor="t" bIns="91425" lIns="91425" spcFirstLastPara="1" rIns="91425" wrap="square" tIns="91425">
+            <a:normAutofit/>
+          </a:bodyPr>
+          <a:lstStyle/>
+          <a:p>
+            <a:pPr indent="0" lvl="0" marL="0" rtl="0" algn="l">
+              <a:spcBef>
+                <a:spcPts val="0"/>
+              </a:spcBef>
+              <a:spcAft>
+                <a:spcPts val="0"/>
+              </a:spcAft>
+              <a:buNone/>
+            </a:pPr>
+            <a:r>
+              <a:rPr lang="en"/>
+              <a:t>Part D</a:t>
+            </a:r>
+            <a:endParaRPr/>
+          </a:p>
+        </p:txBody>
+      </p:sp>
+      <p:pic>
+        <p:nvPicPr>
+          <p:cNvPr id="545" name="Google Shape;545;p52"/>
+          <p:cNvPicPr preferRelativeResize="0"/>
+          <p:nvPr/>
+        </p:nvPicPr>
+        <p:blipFill>
+          <a:blip r:embed="rId3">
+            <a:alphaModFix/>
+          </a:blip>
+          <a:stretch>
+            <a:fillRect/>
+          </a:stretch>
+        </p:blipFill>
+        <p:spPr>
+          <a:xfrm>
+            <a:off x="1799838" y="2466300"/>
+            <a:ext cx="6038426" cy="1183700"/>
+          </a:xfrm>
+          <a:prstGeom prst="rect">
+            <a:avLst/>
+          </a:prstGeom>
+          <a:noFill/>
+          <a:ln>
+            <a:noFill/>
+          </a:ln>
+        </p:spPr>
+      </p:pic>
+      <p:sp>
+        <p:nvSpPr>
+          <p:cNvPr id="546" name="Google Shape;546;p52"/>
+          <p:cNvSpPr txBox="1"/>
+          <p:nvPr>
+            <p:ph idx="1" type="body"/>
+          </p:nvPr>
+        </p:nvSpPr>
+        <p:spPr>
+          <a:xfrm>
+            <a:off x="1303813" y="3650000"/>
+            <a:ext cx="7030500" cy="1634100"/>
+          </a:xfrm>
+          <a:prstGeom prst="rect">
+            <a:avLst/>
+          </a:prstGeom>
+        </p:spPr>
+        <p:txBody>
+          <a:bodyPr anchorCtr="0" anchor="t" bIns="91425" lIns="91425" spcFirstLastPara="1" rIns="91425" wrap="square" tIns="91425">
+            <a:normAutofit/>
+          </a:bodyPr>
+          <a:lstStyle/>
+          <a:p>
+            <a:pPr indent="0" lvl="0" marL="0" rtl="0" algn="l">
+              <a:spcBef>
+                <a:spcPts val="0"/>
+              </a:spcBef>
+              <a:spcAft>
+                <a:spcPts val="0"/>
+              </a:spcAft>
+              <a:buNone/>
+            </a:pPr>
+            <a:r>
+              <a:rPr b="1" lang="en" sz="1600"/>
+              <a:t>Best Model:</a:t>
+            </a:r>
+            <a:r>
+              <a:rPr lang="en" sz="1600"/>
+              <a:t> SVM with accuracy 0.8534</a:t>
+            </a:r>
+            <a:endParaRPr sz="1600"/>
+          </a:p>
+          <a:p>
+            <a:pPr indent="0" lvl="0" marL="0" rtl="0" algn="l">
+              <a:spcBef>
+                <a:spcPts val="0"/>
+              </a:spcBef>
+              <a:spcAft>
+                <a:spcPts val="0"/>
+              </a:spcAft>
+              <a:buNone/>
+            </a:pPr>
+            <a:r>
+              <a:rPr b="1" lang="en" sz="1600"/>
+              <a:t>Hyperparameters of the best model:</a:t>
+            </a:r>
+            <a:endParaRPr sz="1600"/>
+          </a:p>
+          <a:p>
+            <a:pPr indent="-307975" lvl="0" marL="457200" rtl="0" algn="l">
+              <a:lnSpc>
+                <a:spcPct val="95000"/>
+              </a:lnSpc>
+              <a:spcBef>
+                <a:spcPts val="0"/>
+              </a:spcBef>
+              <a:spcAft>
+                <a:spcPts val="0"/>
+              </a:spcAft>
+              <a:buSzPts val="1250"/>
+              <a:buChar char="●"/>
+            </a:pPr>
+            <a:r>
+              <a:rPr lang="en" sz="1250"/>
+              <a:t>Regularization Parameter (C): 10</a:t>
+            </a:r>
+            <a:endParaRPr sz="1250"/>
+          </a:p>
+          <a:p>
+            <a:pPr indent="-307975" lvl="0" marL="457200" rtl="0" algn="l">
+              <a:lnSpc>
+                <a:spcPct val="95000"/>
+              </a:lnSpc>
+              <a:spcBef>
+                <a:spcPts val="0"/>
+              </a:spcBef>
+              <a:spcAft>
+                <a:spcPts val="0"/>
+              </a:spcAft>
+              <a:buSzPts val="1250"/>
+              <a:buChar char="●"/>
+            </a:pPr>
+            <a:r>
+              <a:rPr lang="en" sz="1250"/>
+              <a:t>Kernel Coefficient (gamma): auto</a:t>
+            </a:r>
+            <a:endParaRPr sz="1250"/>
+          </a:p>
+          <a:p>
+            <a:pPr indent="-307975" lvl="0" marL="457200" rtl="0" algn="l">
+              <a:lnSpc>
+                <a:spcPct val="95000"/>
+              </a:lnSpc>
+              <a:spcBef>
+                <a:spcPts val="0"/>
+              </a:spcBef>
+              <a:spcAft>
+                <a:spcPts val="0"/>
+              </a:spcAft>
+              <a:buSzPts val="1250"/>
+              <a:buChar char="●"/>
+            </a:pPr>
+            <a:r>
+              <a:rPr lang="en" sz="1250"/>
+              <a:t>Kernel Type: rbf</a:t>
+            </a:r>
+            <a:endParaRPr sz="1800"/>
+          </a:p>
+        </p:txBody>
+      </p:sp>
+    </p:spTree>
+  </p:cSld>
+  <p:clrMapOvr>
+    <a:masterClrMapping/>
+  </p:clrMapOvr>
+</p:sld>
+</file>
+
+<file path=ppt/slides/slide41.xml><?xml version="1.0" encoding="utf-8"?>
+<p:sld xmlns:a="http://schemas.openxmlformats.org/drawingml/2006/main" xmlns:r="http://schemas.openxmlformats.org/officeDocument/2006/relationships" xmlns:mc="http://schemas.openxmlformats.org/markup-compatibility/2006" xmlns:mv="urn:schemas-microsoft-com:mac:vml" xmlns:p="http://schemas.openxmlformats.org/presentationml/2006/main" xmlns:c="http://schemas.openxmlformats.org/drawingml/2006/chart" xmlns:dgm="http://schemas.openxmlformats.org/drawingml/2006/diagram" xmlns:o="urn:schemas-microsoft-com:office:office" xmlns:v="urn:schemas-microsoft-com:vml" xmlns:pvml="urn:schemas-microsoft-com:office:powerpoint" xmlns:com="http://schemas.openxmlformats.org/drawingml/2006/compatibility" xmlns:p14="http://schemas.microsoft.com/office/powerpoint/2010/main" xmlns:p15="http://schemas.microsoft.com/office/powerpoint/2012/main" xmlns:ahyp="http://schemas.microsoft.com/office/drawing/2018/hyperlinkcolor">
+  <p:cSld>
+    <p:bg>
+      <p:bgPr>
+        <a:solidFill>
+          <a:schemeClr val="lt1"/>
+        </a:solidFill>
+      </p:bgPr>
+    </p:bg>
+    <p:spTree>
+      <p:nvGrpSpPr>
+        <p:cNvPr id="550" name="Shape 550"/>
+        <p:cNvGrpSpPr/>
+        <p:nvPr/>
+      </p:nvGrpSpPr>
+      <p:grpSpPr>
+        <a:xfrm>
+          <a:off x="0" y="0"/>
+          <a:ext cx="0" cy="0"/>
+          <a:chOff x="0" y="0"/>
+          <a:chExt cx="0" cy="0"/>
+        </a:xfrm>
+      </p:grpSpPr>
+      <p:sp>
+        <p:nvSpPr>
+          <p:cNvPr id="551" name="Google Shape;551;p53"/>
           <p:cNvSpPr txBox="1"/>
           <p:nvPr>
             <p:ph idx="1" type="body"/>
@@ -26477,7 +26048,15 @@
             </a:pPr>
             <a:r>
               <a:rPr lang="en" sz="1800"/>
-              <a:t>Now we're going to train the model on the entire dataset, and then make predictions on the test dataset. We will then save the predictions to a numpy file.</a:t>
+              <a:t>The model with the highest accuracy is </a:t>
+            </a:r>
+            <a:r>
+              <a:rPr b="1" lang="en" sz="1800"/>
+              <a:t>SVM (Support Vector Machine)</a:t>
+            </a:r>
+            <a:r>
+              <a:rPr lang="en" sz="1800"/>
+              <a:t> with hyperparameters shown below. We will use this model to make predictions on the test dataset</a:t>
             </a:r>
             <a:endParaRPr sz="1800"/>
           </a:p>
@@ -26485,7 +26064,7 @@
       </p:sp>
       <p:sp>
         <p:nvSpPr>
-          <p:cNvPr id="550" name="Google Shape;550;p52"/>
+          <p:cNvPr id="552" name="Google Shape;552;p53"/>
           <p:cNvSpPr txBox="1"/>
           <p:nvPr>
             <p:ph type="title"/>
@@ -26517,7 +26096,7 @@
             </a:pPr>
             <a:r>
               <a:rPr lang="en"/>
-              <a:t>Part D</a:t>
+              <a:t>Part D - Best model</a:t>
             </a:r>
             <a:endParaRPr/>
           </a:p>
@@ -26525,7 +26104,147 @@
       </p:sp>
       <p:pic>
         <p:nvPicPr>
-          <p:cNvPr id="551" name="Google Shape;551;p52"/>
+          <p:cNvPr id="553" name="Google Shape;553;p53"/>
+          <p:cNvPicPr preferRelativeResize="0"/>
+          <p:nvPr/>
+        </p:nvPicPr>
+        <p:blipFill>
+          <a:blip r:embed="rId3">
+            <a:alphaModFix/>
+          </a:blip>
+          <a:stretch>
+            <a:fillRect/>
+          </a:stretch>
+        </p:blipFill>
+        <p:spPr>
+          <a:xfrm>
+            <a:off x="1396675" y="2651700"/>
+            <a:ext cx="6844753" cy="999300"/>
+          </a:xfrm>
+          <a:prstGeom prst="rect">
+            <a:avLst/>
+          </a:prstGeom>
+          <a:noFill/>
+          <a:ln>
+            <a:noFill/>
+          </a:ln>
+        </p:spPr>
+      </p:pic>
+    </p:spTree>
+  </p:cSld>
+  <p:clrMapOvr>
+    <a:masterClrMapping/>
+  </p:clrMapOvr>
+</p:sld>
+</file>
+
+<file path=ppt/slides/slide42.xml><?xml version="1.0" encoding="utf-8"?>
+<p:sld xmlns:a="http://schemas.openxmlformats.org/drawingml/2006/main" xmlns:r="http://schemas.openxmlformats.org/officeDocument/2006/relationships" xmlns:mc="http://schemas.openxmlformats.org/markup-compatibility/2006" xmlns:mv="urn:schemas-microsoft-com:mac:vml" xmlns:p="http://schemas.openxmlformats.org/presentationml/2006/main" xmlns:c="http://schemas.openxmlformats.org/drawingml/2006/chart" xmlns:dgm="http://schemas.openxmlformats.org/drawingml/2006/diagram" xmlns:o="urn:schemas-microsoft-com:office:office" xmlns:v="urn:schemas-microsoft-com:vml" xmlns:pvml="urn:schemas-microsoft-com:office:powerpoint" xmlns:com="http://schemas.openxmlformats.org/drawingml/2006/compatibility" xmlns:p14="http://schemas.microsoft.com/office/powerpoint/2010/main" xmlns:p15="http://schemas.microsoft.com/office/powerpoint/2012/main" xmlns:ahyp="http://schemas.microsoft.com/office/drawing/2018/hyperlinkcolor">
+  <p:cSld>
+    <p:bg>
+      <p:bgPr>
+        <a:solidFill>
+          <a:schemeClr val="lt1"/>
+        </a:solidFill>
+      </p:bgPr>
+    </p:bg>
+    <p:spTree>
+      <p:nvGrpSpPr>
+        <p:cNvPr id="557" name="Shape 557"/>
+        <p:cNvGrpSpPr/>
+        <p:nvPr/>
+      </p:nvGrpSpPr>
+      <p:grpSpPr>
+        <a:xfrm>
+          <a:off x="0" y="0"/>
+          <a:ext cx="0" cy="0"/>
+          <a:chOff x="0" y="0"/>
+          <a:chExt cx="0" cy="0"/>
+        </a:xfrm>
+      </p:grpSpPr>
+      <p:sp>
+        <p:nvSpPr>
+          <p:cNvPr id="558" name="Google Shape;558;p54"/>
+          <p:cNvSpPr txBox="1"/>
+          <p:nvPr>
+            <p:ph idx="1" type="body"/>
+          </p:nvPr>
+        </p:nvSpPr>
+        <p:spPr>
+          <a:xfrm>
+            <a:off x="1303800" y="1597875"/>
+            <a:ext cx="7030500" cy="999300"/>
+          </a:xfrm>
+          <a:prstGeom prst="rect">
+            <a:avLst/>
+          </a:prstGeom>
+        </p:spPr>
+        <p:txBody>
+          <a:bodyPr anchorCtr="0" anchor="t" bIns="91425" lIns="91425" spcFirstLastPara="1" rIns="91425" wrap="square" tIns="91425">
+            <a:normAutofit lnSpcReduction="20000"/>
+          </a:bodyPr>
+          <a:lstStyle/>
+          <a:p>
+            <a:pPr indent="0" lvl="0" marL="0" rtl="0" algn="l">
+              <a:spcBef>
+                <a:spcPts val="0"/>
+              </a:spcBef>
+              <a:spcAft>
+                <a:spcPts val="1200"/>
+              </a:spcAft>
+              <a:buNone/>
+            </a:pPr>
+            <a:r>
+              <a:rPr lang="en" sz="1800"/>
+              <a:t>Now we're going to train the model on the entire dataset, and then make predictions on the test dataset. We will then save the predictions to a numpy file.</a:t>
+            </a:r>
+            <a:endParaRPr sz="1800"/>
+          </a:p>
+        </p:txBody>
+      </p:sp>
+      <p:sp>
+        <p:nvSpPr>
+          <p:cNvPr id="559" name="Google Shape;559;p54"/>
+          <p:cNvSpPr txBox="1"/>
+          <p:nvPr>
+            <p:ph type="title"/>
+          </p:nvPr>
+        </p:nvSpPr>
+        <p:spPr>
+          <a:xfrm>
+            <a:off x="1303800" y="598575"/>
+            <a:ext cx="7030500" cy="999300"/>
+          </a:xfrm>
+          <a:prstGeom prst="rect">
+            <a:avLst/>
+          </a:prstGeom>
+        </p:spPr>
+        <p:txBody>
+          <a:bodyPr anchorCtr="0" anchor="t" bIns="91425" lIns="91425" spcFirstLastPara="1" rIns="91425" wrap="square" tIns="91425">
+            <a:normAutofit/>
+          </a:bodyPr>
+          <a:lstStyle/>
+          <a:p>
+            <a:pPr indent="0" lvl="0" marL="0" rtl="0" algn="l">
+              <a:spcBef>
+                <a:spcPts val="0"/>
+              </a:spcBef>
+              <a:spcAft>
+                <a:spcPts val="0"/>
+              </a:spcAft>
+              <a:buNone/>
+            </a:pPr>
+            <a:r>
+              <a:rPr lang="en"/>
+              <a:t>Part D</a:t>
+            </a:r>
+            <a:endParaRPr/>
+          </a:p>
+        </p:txBody>
+      </p:sp>
+      <p:pic>
+        <p:nvPicPr>
+          <p:cNvPr id="560" name="Google Shape;560;p54"/>
           <p:cNvPicPr preferRelativeResize="0"/>
           <p:nvPr/>
         </p:nvPicPr>
@@ -26559,7 +26278,7 @@
 </p:sld>
 </file>
 
-<file path=ppt/slides/slide41.xml><?xml version="1.0" encoding="utf-8"?>
+<file path=ppt/slides/slide43.xml><?xml version="1.0" encoding="utf-8"?>
 <p:sld xmlns:a="http://schemas.openxmlformats.org/drawingml/2006/main" xmlns:r="http://schemas.openxmlformats.org/officeDocument/2006/relationships" xmlns:mc="http://schemas.openxmlformats.org/markup-compatibility/2006" xmlns:mv="urn:schemas-microsoft-com:mac:vml" xmlns:p="http://schemas.openxmlformats.org/presentationml/2006/main" xmlns:c="http://schemas.openxmlformats.org/drawingml/2006/chart" xmlns:dgm="http://schemas.openxmlformats.org/drawingml/2006/diagram" xmlns:o="urn:schemas-microsoft-com:office:office" xmlns:v="urn:schemas-microsoft-com:vml" xmlns:pvml="urn:schemas-microsoft-com:office:powerpoint" xmlns:com="http://schemas.openxmlformats.org/drawingml/2006/compatibility" xmlns:p14="http://schemas.microsoft.com/office/powerpoint/2010/main" xmlns:p15="http://schemas.microsoft.com/office/powerpoint/2012/main" xmlns:ahyp="http://schemas.microsoft.com/office/drawing/2018/hyperlinkcolor">
   <p:cSld>
     <p:bg>
@@ -26571,7 +26290,7 @@
     </p:bg>
     <p:spTree>
       <p:nvGrpSpPr>
-        <p:cNvPr id="555" name="Shape 555"/>
+        <p:cNvPr id="564" name="Shape 564"/>
         <p:cNvGrpSpPr/>
         <p:nvPr/>
       </p:nvGrpSpPr>
@@ -26585,7 +26304,7 @@
       </p:grpSpPr>
       <p:sp>
         <p:nvSpPr>
-          <p:cNvPr id="556" name="Google Shape;556;p53"/>
+          <p:cNvPr id="565" name="Google Shape;565;p55"/>
           <p:cNvSpPr txBox="1"/>
           <p:nvPr>
             <p:ph type="title"/>
@@ -26618,7 +26337,7 @@
             </a:pPr>
             <a:r>
               <a:rPr lang="en" sz="4000"/>
-              <a:t>Thank you for your time</a:t>
+              <a:t>Thank you for your time!</a:t>
             </a:r>
             <a:endParaRPr sz="4000"/>
           </a:p>
@@ -27254,13 +26973,12 @@
           <p:cNvPicPr preferRelativeResize="0"/>
           <p:nvPr/>
         </p:nvPicPr>
-        <p:blipFill>
+        <p:blipFill rotWithShape="1">
           <a:blip r:embed="rId3">
             <a:alphaModFix/>
           </a:blip>
-          <a:stretch>
-            <a:fillRect/>
-          </a:stretch>
+          <a:srcRect b="0" l="0" r="0" t="0"/>
+          <a:stretch/>
         </p:blipFill>
         <p:spPr>
           <a:xfrm>
@@ -27512,6 +27230,285 @@
 </file>
 
 <file path=ppt/theme/theme1.xml><?xml version="1.0" encoding="utf-8"?>
+<a:theme xmlns:a="http://schemas.openxmlformats.org/drawingml/2006/main" xmlns:r="http://schemas.openxmlformats.org/officeDocument/2006/relationships">
+  <a:themeElements>
+    <a:clrScheme name="Default">
+      <a:dk1>
+        <a:srgbClr val="000000"/>
+      </a:dk1>
+      <a:lt1>
+        <a:srgbClr val="FFFFFF"/>
+      </a:lt1>
+      <a:dk2>
+        <a:srgbClr val="158158"/>
+      </a:dk2>
+      <a:lt2>
+        <a:srgbClr val="F3F3F3"/>
+      </a:lt2>
+      <a:accent1>
+        <a:srgbClr val="058DC7"/>
+      </a:accent1>
+      <a:accent2>
+        <a:srgbClr val="50B432"/>
+      </a:accent2>
+      <a:accent3>
+        <a:srgbClr val="ED561B"/>
+      </a:accent3>
+      <a:accent4>
+        <a:srgbClr val="EDEF00"/>
+      </a:accent4>
+      <a:accent5>
+        <a:srgbClr val="24CBE5"/>
+      </a:accent5>
+      <a:accent6>
+        <a:srgbClr val="64E572"/>
+      </a:accent6>
+      <a:hlink>
+        <a:srgbClr val="2200CC"/>
+      </a:hlink>
+      <a:folHlink>
+        <a:srgbClr val="551A8B"/>
+      </a:folHlink>
+    </a:clrScheme>
+    <a:fontScheme name="Office">
+      <a:majorFont>
+        <a:latin typeface="Arial"/>
+        <a:ea typeface=""/>
+        <a:cs typeface=""/>
+        <a:font script="Jpan" typeface="ＭＳ Ｐゴシック"/>
+        <a:font script="Hang" typeface="맑은 고딕"/>
+        <a:font script="Hans" typeface="宋体"/>
+        <a:font script="Hant" typeface="新細明體"/>
+        <a:font script="Arab" typeface="Times New Roman"/>
+        <a:font script="Hebr" typeface="Times New Roman"/>
+        <a:font script="Thai" typeface="Angsana New"/>
+        <a:font script="Ethi" typeface="Nyala"/>
+        <a:font script="Beng" typeface="Vrinda"/>
+        <a:font script="Gujr" typeface="Shruti"/>
+        <a:font script="Khmr" typeface="MoolBoran"/>
+        <a:font script="Knda" typeface="Tunga"/>
+        <a:font script="Guru" typeface="Raavi"/>
+        <a:font script="Cans" typeface="Euphemia"/>
+        <a:font script="Cher" typeface="Plantagenet Cherokee"/>
+        <a:font script="Yiii" typeface="Microsoft Yi Baiti"/>
+        <a:font script="Tibt" typeface="Microsoft Himalaya"/>
+        <a:font script="Thaa" typeface="MV Boli"/>
+        <a:font script="Deva" typeface="Mangal"/>
+        <a:font script="Telu" typeface="Gautami"/>
+        <a:font script="Taml" typeface="Latha"/>
+        <a:font script="Syrc" typeface="Estrangelo Edessa"/>
+        <a:font script="Orya" typeface="Kalinga"/>
+        <a:font script="Mlym" typeface="Kartika"/>
+        <a:font script="Laoo" typeface="DokChampa"/>
+        <a:font script="Sinh" typeface="Iskoola Pota"/>
+        <a:font script="Mong" typeface="Mongolian Baiti"/>
+        <a:font script="Viet" typeface="Times New Roman"/>
+        <a:font script="Uigh" typeface="Microsoft Uighur"/>
+        <a:font script="Geor" typeface="Sylfaen"/>
+      </a:majorFont>
+      <a:minorFont>
+        <a:latin typeface="Arial"/>
+        <a:ea typeface=""/>
+        <a:cs typeface=""/>
+        <a:font script="Jpan" typeface="ＭＳ Ｐゴシック"/>
+        <a:font script="Hang" typeface="맑은 고딕"/>
+        <a:font script="Hans" typeface="宋体"/>
+        <a:font script="Hant" typeface="新細明體"/>
+        <a:font script="Arab" typeface="Arial"/>
+        <a:font script="Hebr" typeface="Arial"/>
+        <a:font script="Thai" typeface="Cordia New"/>
+        <a:font script="Ethi" typeface="Nyala"/>
+        <a:font script="Beng" typeface="Vrinda"/>
+        <a:font script="Gujr" typeface="Shruti"/>
+        <a:font script="Khmr" typeface="DaunPenh"/>
+        <a:font script="Knda" typeface="Tunga"/>
+        <a:font script="Guru" typeface="Raavi"/>
+        <a:font script="Cans" typeface="Euphemia"/>
+        <a:font script="Cher" typeface="Plantagenet Cherokee"/>
+        <a:font script="Yiii" typeface="Microsoft Yi Baiti"/>
+        <a:font script="Tibt" typeface="Microsoft Himalaya"/>
+        <a:font script="Thaa" typeface="MV Boli"/>
+        <a:font script="Deva" typeface="Mangal"/>
+        <a:font script="Telu" typeface="Gautami"/>
+        <a:font script="Taml" typeface="Latha"/>
+        <a:font script="Syrc" typeface="Estrangelo Edessa"/>
+        <a:font script="Orya" typeface="Kalinga"/>
+        <a:font script="Mlym" typeface="Kartika"/>
+        <a:font script="Laoo" typeface="DokChampa"/>
+        <a:font script="Sinh" typeface="Iskoola Pota"/>
+        <a:font script="Mong" typeface="Mongolian Baiti"/>
+        <a:font script="Viet" typeface="Arial"/>
+        <a:font script="Uigh" typeface="Microsoft Uighur"/>
+        <a:font script="Geor" typeface="Sylfaen"/>
+      </a:minorFont>
+    </a:fontScheme>
+    <a:fmtScheme name="Office">
+      <a:fillStyleLst>
+        <a:solidFill>
+          <a:schemeClr val="phClr"/>
+        </a:solidFill>
+        <a:gradFill rotWithShape="1">
+          <a:gsLst>
+            <a:gs pos="0">
+              <a:schemeClr val="phClr">
+                <a:tint val="50000"/>
+                <a:satMod val="300000"/>
+              </a:schemeClr>
+            </a:gs>
+            <a:gs pos="35000">
+              <a:schemeClr val="phClr">
+                <a:tint val="37000"/>
+                <a:satMod val="300000"/>
+              </a:schemeClr>
+            </a:gs>
+            <a:gs pos="100000">
+              <a:schemeClr val="phClr">
+                <a:tint val="15000"/>
+                <a:satMod val="350000"/>
+              </a:schemeClr>
+            </a:gs>
+          </a:gsLst>
+          <a:lin ang="16200000" scaled="1"/>
+        </a:gradFill>
+        <a:gradFill rotWithShape="1">
+          <a:gsLst>
+            <a:gs pos="0">
+              <a:schemeClr val="phClr">
+                <a:tint val="100000"/>
+                <a:shade val="100000"/>
+                <a:satMod val="130000"/>
+              </a:schemeClr>
+            </a:gs>
+            <a:gs pos="100000">
+              <a:schemeClr val="phClr">
+                <a:tint val="50000"/>
+                <a:shade val="100000"/>
+                <a:satMod val="350000"/>
+              </a:schemeClr>
+            </a:gs>
+          </a:gsLst>
+          <a:lin ang="16200000" scaled="0"/>
+        </a:gradFill>
+      </a:fillStyleLst>
+      <a:lnStyleLst>
+        <a:ln w="9525" cap="flat" cmpd="sng" algn="ctr">
+          <a:solidFill>
+            <a:schemeClr val="phClr">
+              <a:shade val="95000"/>
+              <a:satMod val="105000"/>
+            </a:schemeClr>
+          </a:solidFill>
+          <a:prstDash val="solid"/>
+        </a:ln>
+        <a:ln w="25400" cap="flat" cmpd="sng" algn="ctr">
+          <a:solidFill>
+            <a:schemeClr val="phClr"/>
+          </a:solidFill>
+          <a:prstDash val="solid"/>
+        </a:ln>
+        <a:ln w="38100" cap="flat" cmpd="sng" algn="ctr">
+          <a:solidFill>
+            <a:schemeClr val="phClr"/>
+          </a:solidFill>
+          <a:prstDash val="solid"/>
+        </a:ln>
+      </a:lnStyleLst>
+      <a:effectStyleLst>
+        <a:effectStyle>
+          <a:effectLst>
+            <a:outerShdw blurRad="40000" dist="20000" dir="5400000" rotWithShape="0">
+              <a:srgbClr val="000000">
+                <a:alpha val="38000"/>
+              </a:srgbClr>
+            </a:outerShdw>
+          </a:effectLst>
+        </a:effectStyle>
+        <a:effectStyle>
+          <a:effectLst>
+            <a:outerShdw blurRad="40000" dist="23000" dir="5400000" rotWithShape="0">
+              <a:srgbClr val="000000">
+                <a:alpha val="35000"/>
+              </a:srgbClr>
+            </a:outerShdw>
+          </a:effectLst>
+        </a:effectStyle>
+        <a:effectStyle>
+          <a:effectLst>
+            <a:outerShdw blurRad="40000" dist="23000" dir="5400000" rotWithShape="0">
+              <a:srgbClr val="000000">
+                <a:alpha val="35000"/>
+              </a:srgbClr>
+            </a:outerShdw>
+          </a:effectLst>
+          <a:scene3d>
+            <a:camera prst="orthographicFront">
+              <a:rot lat="0" lon="0" rev="0"/>
+            </a:camera>
+            <a:lightRig rig="threePt" dir="t">
+              <a:rot lat="0" lon="0" rev="1200000"/>
+            </a:lightRig>
+          </a:scene3d>
+          <a:sp3d>
+            <a:bevelT w="63500" h="25400"/>
+          </a:sp3d>
+        </a:effectStyle>
+      </a:effectStyleLst>
+      <a:bgFillStyleLst>
+        <a:solidFill>
+          <a:schemeClr val="phClr"/>
+        </a:solidFill>
+        <a:gradFill rotWithShape="1">
+          <a:gsLst>
+            <a:gs pos="0">
+              <a:schemeClr val="phClr">
+                <a:tint val="40000"/>
+                <a:satMod val="350000"/>
+              </a:schemeClr>
+            </a:gs>
+            <a:gs pos="40000">
+              <a:schemeClr val="phClr">
+                <a:tint val="45000"/>
+                <a:shade val="99000"/>
+                <a:satMod val="350000"/>
+              </a:schemeClr>
+            </a:gs>
+            <a:gs pos="100000">
+              <a:schemeClr val="phClr">
+                <a:shade val="20000"/>
+                <a:satMod val="255000"/>
+              </a:schemeClr>
+            </a:gs>
+          </a:gsLst>
+          <a:path path="circle">
+            <a:fillToRect l="50000" t="-80000" r="50000" b="180000"/>
+          </a:path>
+        </a:gradFill>
+        <a:gradFill rotWithShape="1">
+          <a:gsLst>
+            <a:gs pos="0">
+              <a:schemeClr val="phClr">
+                <a:tint val="80000"/>
+                <a:satMod val="300000"/>
+              </a:schemeClr>
+            </a:gs>
+            <a:gs pos="100000">
+              <a:schemeClr val="phClr">
+                <a:shade val="30000"/>
+                <a:satMod val="200000"/>
+              </a:schemeClr>
+            </a:gs>
+          </a:gsLst>
+          <a:path path="circle">
+            <a:fillToRect l="50000" t="50000" r="50000" b="50000"/>
+          </a:path>
+        </a:gradFill>
+      </a:bgFillStyleLst>
+    </a:fmtScheme>
+  </a:themeElements>
+</a:theme>
+</file>
+
+<file path=ppt/theme/theme2.xml><?xml version="1.0" encoding="utf-8"?>
 <a:theme xmlns:a="http://schemas.openxmlformats.org/drawingml/2006/main" xmlns:r="http://schemas.openxmlformats.org/officeDocument/2006/relationships" name="Momentum">
   <a:themeElements>
     <a:clrScheme name="Momentum">
@@ -27788,283 +27785,4 @@
     </a:fmtScheme>
   </a:themeElements>
 </a:theme>
-</file>
-
-<file path=ppt/theme/theme2.xml><?xml version="1.0" encoding="utf-8"?>
-<a:theme xmlns:a="http://schemas.openxmlformats.org/drawingml/2006/main" xmlns:r="http://schemas.openxmlformats.org/officeDocument/2006/relationships">
-  <a:themeElements>
-    <a:clrScheme name="Default">
-      <a:dk1>
-        <a:srgbClr val="000000"/>
-      </a:dk1>
-      <a:lt1>
-        <a:srgbClr val="FFFFFF"/>
-      </a:lt1>
-      <a:dk2>
-        <a:srgbClr val="158158"/>
-      </a:dk2>
-      <a:lt2>
-        <a:srgbClr val="F3F3F3"/>
-      </a:lt2>
-      <a:accent1>
-        <a:srgbClr val="058DC7"/>
-      </a:accent1>
-      <a:accent2>
-        <a:srgbClr val="50B432"/>
-      </a:accent2>
-      <a:accent3>
-        <a:srgbClr val="ED561B"/>
-      </a:accent3>
-      <a:accent4>
-        <a:srgbClr val="EDEF00"/>
-      </a:accent4>
-      <a:accent5>
-        <a:srgbClr val="24CBE5"/>
-      </a:accent5>
-      <a:accent6>
-        <a:srgbClr val="64E572"/>
-      </a:accent6>
-      <a:hlink>
-        <a:srgbClr val="2200CC"/>
-      </a:hlink>
-      <a:folHlink>
-        <a:srgbClr val="551A8B"/>
-      </a:folHlink>
-    </a:clrScheme>
-    <a:fontScheme name="Office">
-      <a:majorFont>
-        <a:latin typeface="Arial"/>
-        <a:ea typeface=""/>
-        <a:cs typeface=""/>
-        <a:font script="Jpan" typeface="ＭＳ Ｐゴシック"/>
-        <a:font script="Hang" typeface="맑은 고딕"/>
-        <a:font script="Hans" typeface="宋体"/>
-        <a:font script="Hant" typeface="新細明體"/>
-        <a:font script="Arab" typeface="Times New Roman"/>
-        <a:font script="Hebr" typeface="Times New Roman"/>
-        <a:font script="Thai" typeface="Angsana New"/>
-        <a:font script="Ethi" typeface="Nyala"/>
-        <a:font script="Beng" typeface="Vrinda"/>
-        <a:font script="Gujr" typeface="Shruti"/>
-        <a:font script="Khmr" typeface="MoolBoran"/>
-        <a:font script="Knda" typeface="Tunga"/>
-        <a:font script="Guru" typeface="Raavi"/>
-        <a:font script="Cans" typeface="Euphemia"/>
-        <a:font script="Cher" typeface="Plantagenet Cherokee"/>
-        <a:font script="Yiii" typeface="Microsoft Yi Baiti"/>
-        <a:font script="Tibt" typeface="Microsoft Himalaya"/>
-        <a:font script="Thaa" typeface="MV Boli"/>
-        <a:font script="Deva" typeface="Mangal"/>
-        <a:font script="Telu" typeface="Gautami"/>
-        <a:font script="Taml" typeface="Latha"/>
-        <a:font script="Syrc" typeface="Estrangelo Edessa"/>
-        <a:font script="Orya" typeface="Kalinga"/>
-        <a:font script="Mlym" typeface="Kartika"/>
-        <a:font script="Laoo" typeface="DokChampa"/>
-        <a:font script="Sinh" typeface="Iskoola Pota"/>
-        <a:font script="Mong" typeface="Mongolian Baiti"/>
-        <a:font script="Viet" typeface="Times New Roman"/>
-        <a:font script="Uigh" typeface="Microsoft Uighur"/>
-        <a:font script="Geor" typeface="Sylfaen"/>
-      </a:majorFont>
-      <a:minorFont>
-        <a:latin typeface="Arial"/>
-        <a:ea typeface=""/>
-        <a:cs typeface=""/>
-        <a:font script="Jpan" typeface="ＭＳ Ｐゴシック"/>
-        <a:font script="Hang" typeface="맑은 고딕"/>
-        <a:font script="Hans" typeface="宋体"/>
-        <a:font script="Hant" typeface="新細明體"/>
-        <a:font script="Arab" typeface="Arial"/>
-        <a:font script="Hebr" typeface="Arial"/>
-        <a:font script="Thai" typeface="Cordia New"/>
-        <a:font script="Ethi" typeface="Nyala"/>
-        <a:font script="Beng" typeface="Vrinda"/>
-        <a:font script="Gujr" typeface="Shruti"/>
-        <a:font script="Khmr" typeface="DaunPenh"/>
-        <a:font script="Knda" typeface="Tunga"/>
-        <a:font script="Guru" typeface="Raavi"/>
-        <a:font script="Cans" typeface="Euphemia"/>
-        <a:font script="Cher" typeface="Plantagenet Cherokee"/>
-        <a:font script="Yiii" typeface="Microsoft Yi Baiti"/>
-        <a:font script="Tibt" typeface="Microsoft Himalaya"/>
-        <a:font script="Thaa" typeface="MV Boli"/>
-        <a:font script="Deva" typeface="Mangal"/>
-        <a:font script="Telu" typeface="Gautami"/>
-        <a:font script="Taml" typeface="Latha"/>
-        <a:font script="Syrc" typeface="Estrangelo Edessa"/>
-        <a:font script="Orya" typeface="Kalinga"/>
-        <a:font script="Mlym" typeface="Kartika"/>
-        <a:font script="Laoo" typeface="DokChampa"/>
-        <a:font script="Sinh" typeface="Iskoola Pota"/>
-        <a:font script="Mong" typeface="Mongolian Baiti"/>
-        <a:font script="Viet" typeface="Arial"/>
-        <a:font script="Uigh" typeface="Microsoft Uighur"/>
-        <a:font script="Geor" typeface="Sylfaen"/>
-      </a:minorFont>
-    </a:fontScheme>
-    <a:fmtScheme name="Office">
-      <a:fillStyleLst>
-        <a:solidFill>
-          <a:schemeClr val="phClr"/>
-        </a:solidFill>
-        <a:gradFill rotWithShape="1">
-          <a:gsLst>
-            <a:gs pos="0">
-              <a:schemeClr val="phClr">
-                <a:tint val="50000"/>
-                <a:satMod val="300000"/>
-              </a:schemeClr>
-            </a:gs>
-            <a:gs pos="35000">
-              <a:schemeClr val="phClr">
-                <a:tint val="37000"/>
-                <a:satMod val="300000"/>
-              </a:schemeClr>
-            </a:gs>
-            <a:gs pos="100000">
-              <a:schemeClr val="phClr">
-                <a:tint val="15000"/>
-                <a:satMod val="350000"/>
-              </a:schemeClr>
-            </a:gs>
-          </a:gsLst>
-          <a:lin ang="16200000" scaled="1"/>
-        </a:gradFill>
-        <a:gradFill rotWithShape="1">
-          <a:gsLst>
-            <a:gs pos="0">
-              <a:schemeClr val="phClr">
-                <a:tint val="100000"/>
-                <a:shade val="100000"/>
-                <a:satMod val="130000"/>
-              </a:schemeClr>
-            </a:gs>
-            <a:gs pos="100000">
-              <a:schemeClr val="phClr">
-                <a:tint val="50000"/>
-                <a:shade val="100000"/>
-                <a:satMod val="350000"/>
-              </a:schemeClr>
-            </a:gs>
-          </a:gsLst>
-          <a:lin ang="16200000" scaled="0"/>
-        </a:gradFill>
-      </a:fillStyleLst>
-      <a:lnStyleLst>
-        <a:ln w="9525" cap="flat" cmpd="sng" algn="ctr">
-          <a:solidFill>
-            <a:schemeClr val="phClr">
-              <a:shade val="95000"/>
-              <a:satMod val="105000"/>
-            </a:schemeClr>
-          </a:solidFill>
-          <a:prstDash val="solid"/>
-        </a:ln>
-        <a:ln w="25400" cap="flat" cmpd="sng" algn="ctr">
-          <a:solidFill>
-            <a:schemeClr val="phClr"/>
-          </a:solidFill>
-          <a:prstDash val="solid"/>
-        </a:ln>
-        <a:ln w="38100" cap="flat" cmpd="sng" algn="ctr">
-          <a:solidFill>
-            <a:schemeClr val="phClr"/>
-          </a:solidFill>
-          <a:prstDash val="solid"/>
-        </a:ln>
-      </a:lnStyleLst>
-      <a:effectStyleLst>
-        <a:effectStyle>
-          <a:effectLst>
-            <a:outerShdw blurRad="40000" dist="20000" dir="5400000" rotWithShape="0">
-              <a:srgbClr val="000000">
-                <a:alpha val="38000"/>
-              </a:srgbClr>
-            </a:outerShdw>
-          </a:effectLst>
-        </a:effectStyle>
-        <a:effectStyle>
-          <a:effectLst>
-            <a:outerShdw blurRad="40000" dist="23000" dir="5400000" rotWithShape="0">
-              <a:srgbClr val="000000">
-                <a:alpha val="35000"/>
-              </a:srgbClr>
-            </a:outerShdw>
-          </a:effectLst>
-        </a:effectStyle>
-        <a:effectStyle>
-          <a:effectLst>
-            <a:outerShdw blurRad="40000" dist="23000" dir="5400000" rotWithShape="0">
-              <a:srgbClr val="000000">
-                <a:alpha val="35000"/>
-              </a:srgbClr>
-            </a:outerShdw>
-          </a:effectLst>
-          <a:scene3d>
-            <a:camera prst="orthographicFront">
-              <a:rot lat="0" lon="0" rev="0"/>
-            </a:camera>
-            <a:lightRig rig="threePt" dir="t">
-              <a:rot lat="0" lon="0" rev="1200000"/>
-            </a:lightRig>
-          </a:scene3d>
-          <a:sp3d>
-            <a:bevelT w="63500" h="25400"/>
-          </a:sp3d>
-        </a:effectStyle>
-      </a:effectStyleLst>
-      <a:bgFillStyleLst>
-        <a:solidFill>
-          <a:schemeClr val="phClr"/>
-        </a:solidFill>
-        <a:gradFill rotWithShape="1">
-          <a:gsLst>
-            <a:gs pos="0">
-              <a:schemeClr val="phClr">
-                <a:tint val="40000"/>
-                <a:satMod val="350000"/>
-              </a:schemeClr>
-            </a:gs>
-            <a:gs pos="40000">
-              <a:schemeClr val="phClr">
-                <a:tint val="45000"/>
-                <a:shade val="99000"/>
-                <a:satMod val="350000"/>
-              </a:schemeClr>
-            </a:gs>
-            <a:gs pos="100000">
-              <a:schemeClr val="phClr">
-                <a:shade val="20000"/>
-                <a:satMod val="255000"/>
-              </a:schemeClr>
-            </a:gs>
-          </a:gsLst>
-          <a:path path="circle">
-            <a:fillToRect l="50000" t="-80000" r="50000" b="180000"/>
-          </a:path>
-        </a:gradFill>
-        <a:gradFill rotWithShape="1">
-          <a:gsLst>
-            <a:gs pos="0">
-              <a:schemeClr val="phClr">
-                <a:tint val="80000"/>
-                <a:satMod val="300000"/>
-              </a:schemeClr>
-            </a:gs>
-            <a:gs pos="100000">
-              <a:schemeClr val="phClr">
-                <a:shade val="30000"/>
-                <a:satMod val="200000"/>
-              </a:schemeClr>
-            </a:gs>
-          </a:gsLst>
-          <a:path path="circle">
-            <a:fillToRect l="50000" t="50000" r="50000" b="50000"/>
-          </a:path>
-        </a:gradFill>
-      </a:bgFillStyleLst>
-    </a:fmtScheme>
-  </a:themeElements>
-</a:theme>
 </file>
--- a/Team40.pptx
+++ b/Team40.pptx
@@ -19373,9 +19373,13 @@
             </a:pPr>
             <a:r>
               <a:rPr lang="en"/>
-              <a:t>Fotiadis Konstantinos</a:t>
-            </a:r>
-            <a:endParaRPr/>
+              <a:t>Fotiadis Konstantinos </a:t>
+            </a:r>
+            <a:r>
+              <a:rPr lang="en" sz="1400"/>
+              <a:t>(AEM: 10726)</a:t>
+            </a:r>
+            <a:endParaRPr sz="1400"/>
           </a:p>
           <a:p>
             <a:pPr indent="0" lvl="0" marL="0" rtl="0" algn="l">
@@ -19389,9 +19393,13 @@
             </a:pPr>
             <a:r>
               <a:rPr lang="en"/>
-              <a:t>Bakoulas Epameinondas</a:t>
-            </a:r>
-            <a:endParaRPr/>
+              <a:t>Bakoulas Epameinondas </a:t>
+            </a:r>
+            <a:r>
+              <a:rPr lang="en" sz="1400"/>
+              <a:t>(AEM: 10683)</a:t>
+            </a:r>
+            <a:endParaRPr sz="1400"/>
           </a:p>
         </p:txBody>
       </p:sp>
@@ -22427,7 +22435,7 @@
         </p:nvSpPr>
         <p:spPr>
           <a:xfrm>
-            <a:off x="958350" y="1433475"/>
+            <a:off x="1100600" y="1433475"/>
             <a:ext cx="7721400" cy="3413700"/>
           </a:xfrm>
           <a:prstGeom prst="rect">
@@ -22474,6 +22482,21 @@
               <a:buNone/>
             </a:pPr>
             <a:r>
+              <a:t/>
+            </a:r>
+            <a:endParaRPr sz="1800"/>
+          </a:p>
+          <a:p>
+            <a:pPr indent="0" lvl="0" marL="0" marR="190500" rtl="0" algn="l">
+              <a:spcBef>
+                <a:spcPts val="500"/>
+              </a:spcBef>
+              <a:spcAft>
+                <a:spcPts val="0"/>
+              </a:spcAft>
+              <a:buNone/>
+            </a:pPr>
+            <a:r>
               <a:rPr lang="en" sz="1800"/>
               <a:t>The decision tree produces more rectangular boundaries while the random forest, by combining multiple trees, generates </a:t>
             </a:r>
@@ -22483,7 +22506,7 @@
             </a:r>
             <a:r>
               <a:rPr lang="en" sz="1800"/>
-              <a:t>, better capturing complex patterns in the data. Using γ=0.5 ensures a balance between diversity and accuracy by training each tree on 50% of the data. This configuration avoids overfitting while maintaining a sufficient amount of information for accurate predictions.</a:t>
+              <a:t>, better capturing complex patterns in the data. </a:t>
             </a:r>
             <a:endParaRPr sz="1800"/>
           </a:p>
